--- a/epgn_info/epgn_info/apps/calculate/PPTModel/4zuo.pptx
+++ b/epgn_info/epgn_info/apps/calculate/PPTModel/4zuo.pptx
@@ -5,29 +5,28 @@
     <p:sldMasterId id="2147483648" r:id="rId1"/>
     <p:sldMasterId id="2147483650" r:id="rId3"/>
     <p:sldMasterId id="2147483667" r:id="rId4"/>
-    <p:sldMasterId id="2147483669" r:id="rId5"/>
+    <p:sldMasterId id="2147483670" r:id="rId5"/>
   </p:sldMasterIdLst>
   <p:notesMasterIdLst>
-    <p:notesMasterId r:id="rId20"/>
+    <p:notesMasterId r:id="rId19"/>
   </p:notesMasterIdLst>
   <p:handoutMasterIdLst>
-    <p:handoutMasterId r:id="rId21"/>
+    <p:handoutMasterId r:id="rId20"/>
   </p:handoutMasterIdLst>
   <p:sldIdLst>
     <p:sldId id="259" r:id="rId6"/>
-    <p:sldId id="260" r:id="rId7"/>
-    <p:sldId id="261" r:id="rId8"/>
-    <p:sldId id="262" r:id="rId9"/>
-    <p:sldId id="263" r:id="rId10"/>
-    <p:sldId id="264" r:id="rId11"/>
-    <p:sldId id="265" r:id="rId12"/>
-    <p:sldId id="266" r:id="rId13"/>
-    <p:sldId id="267" r:id="rId14"/>
-    <p:sldId id="268" r:id="rId15"/>
-    <p:sldId id="269" r:id="rId16"/>
-    <p:sldId id="270" r:id="rId17"/>
-    <p:sldId id="271" r:id="rId18"/>
-    <p:sldId id="272" r:id="rId19"/>
+    <p:sldId id="282" r:id="rId7"/>
+    <p:sldId id="262" r:id="rId8"/>
+    <p:sldId id="263" r:id="rId9"/>
+    <p:sldId id="264" r:id="rId10"/>
+    <p:sldId id="265" r:id="rId11"/>
+    <p:sldId id="266" r:id="rId12"/>
+    <p:sldId id="275" r:id="rId13"/>
+    <p:sldId id="276" r:id="rId14"/>
+    <p:sldId id="277" r:id="rId15"/>
+    <p:sldId id="278" r:id="rId16"/>
+    <p:sldId id="279" r:id="rId17"/>
+    <p:sldId id="281" r:id="rId18"/>
   </p:sldIdLst>
   <p:sldSz cx="9144000" cy="6858000" type="screen4x3"/>
   <p:notesSz cx="7103745" cy="10234295"/>
@@ -127,6 +126,12 @@
     </a:lvl9pPr>
   </p:defaultTextStyle>
 </p:presentation>
+</file>
+
+<file path=ppt/commentAuthors.xml><?xml version="1.0" encoding="utf-8"?>
+<p:cmAuthorLst xmlns:a="http://schemas.openxmlformats.org/drawingml/2006/main" xmlns:r="http://schemas.openxmlformats.org/officeDocument/2006/relationships" xmlns:p="http://schemas.openxmlformats.org/presentationml/2006/main">
+  <p:cmAuthor id="1" name="Guan Mingchao (SVW EPGN-2)" initials="GM(E" lastIdx="2" clrIdx="0"/>
+</p:cmAuthorLst>
 </file>
 
 <file path=ppt/handoutMasters/handoutMaster1.xml><?xml version="1.0" encoding="utf-8"?>
@@ -3793,7 +3798,7 @@
 
 <file path=ppt/slideLayouts/slideLayout19.xml><?xml version="1.0" encoding="utf-8"?>
 <p:sldLayout xmlns:a="http://schemas.openxmlformats.org/drawingml/2006/main" xmlns:r="http://schemas.openxmlformats.org/officeDocument/2006/relationships" xmlns:p="http://schemas.openxmlformats.org/presentationml/2006/main" preserve="1" userDrawn="1">
-  <p:cSld name="Catalog">
+  <p:cSld name="Text or chart...">
     <p:spTree>
       <p:nvGrpSpPr>
         <p:cNvPr id="1" name=""/>
@@ -3810,38 +3815,79 @@
       </p:grpSpPr>
       <p:sp>
         <p:nvSpPr>
-          <p:cNvPr id="5" name="文本占位符 4"/>
+          <p:cNvPr id="6" name="Text Placeholder 2"/>
           <p:cNvSpPr>
             <a:spLocks noGrp="1"/>
           </p:cNvSpPr>
           <p:nvPr>
-            <p:ph type="body" sz="quarter" idx="10" hasCustomPrompt="1"/>
+            <p:ph idx="1" hasCustomPrompt="1"/>
           </p:nvPr>
         </p:nvSpPr>
         <p:spPr>
           <a:xfrm>
-            <a:off x="377825" y="1889125"/>
-            <a:ext cx="8383588" cy="754063"/>
+            <a:off x="381802" y="1319875"/>
+            <a:ext cx="8367711" cy="4421308"/>
           </a:xfrm>
-          <a:solidFill>
-            <a:schemeClr val="accent1"/>
-          </a:solidFill>
-          <a:ln>
-            <a:solidFill>
-              <a:schemeClr val="accent1"/>
-            </a:solidFill>
-          </a:ln>
+          <a:prstGeom prst="rect">
+            <a:avLst/>
+          </a:prstGeom>
         </p:spPr>
         <p:txBody>
-          <a:bodyPr anchor="ctr"/>
+          <a:bodyPr vert="horz" lIns="0" tIns="0" rIns="0" bIns="0" rtlCol="0">
+            <a:noAutofit/>
+          </a:bodyPr>
           <a:lstStyle>
-            <a:lvl1pPr marL="360045" indent="0">
+            <a:lvl1pPr marL="0" indent="0">
+              <a:lnSpc>
+                <a:spcPct val="120000"/>
+              </a:lnSpc>
               <a:spcBef>
                 <a:spcPts val="0"/>
               </a:spcBef>
+              <a:buFont typeface="Arial" panose="02080604020202020204" pitchFamily="34" charset="0"/>
               <a:buNone/>
               <a:defRPr/>
             </a:lvl1pPr>
+            <a:lvl2pPr marL="74295" indent="0">
+              <a:lnSpc>
+                <a:spcPct val="120000"/>
+              </a:lnSpc>
+              <a:spcBef>
+                <a:spcPts val="400"/>
+              </a:spcBef>
+              <a:buNone/>
+              <a:defRPr/>
+            </a:lvl2pPr>
+            <a:lvl3pPr marL="131445" indent="0">
+              <a:lnSpc>
+                <a:spcPct val="120000"/>
+              </a:lnSpc>
+              <a:spcBef>
+                <a:spcPts val="400"/>
+              </a:spcBef>
+              <a:buNone/>
+              <a:defRPr/>
+            </a:lvl3pPr>
+            <a:lvl4pPr marL="131445" indent="0">
+              <a:lnSpc>
+                <a:spcPct val="120000"/>
+              </a:lnSpc>
+              <a:spcBef>
+                <a:spcPts val="400"/>
+              </a:spcBef>
+              <a:buNone/>
+              <a:defRPr/>
+            </a:lvl4pPr>
+            <a:lvl5pPr marL="131445" indent="0">
+              <a:lnSpc>
+                <a:spcPct val="120000"/>
+              </a:lnSpc>
+              <a:spcBef>
+                <a:spcPts val="400"/>
+              </a:spcBef>
+              <a:buNone/>
+              <a:defRPr/>
+            </a:lvl5pPr>
           </a:lstStyle>
           <a:p>
             <a:pPr lvl="0"/>
@@ -3863,101 +3909,36 @@
       </p:sp>
       <p:sp>
         <p:nvSpPr>
-          <p:cNvPr id="7" name="文本占位符 4"/>
+          <p:cNvPr id="2" name="标题 1"/>
           <p:cNvSpPr>
             <a:spLocks noGrp="1"/>
           </p:cNvSpPr>
           <p:nvPr>
-            <p:ph type="body" sz="quarter" idx="11" hasCustomPrompt="1"/>
+            <p:ph type="title" hasCustomPrompt="1"/>
           </p:nvPr>
         </p:nvSpPr>
         <p:spPr>
           <a:xfrm>
-            <a:off x="377825" y="3027014"/>
-            <a:ext cx="8383588" cy="754063"/>
+            <a:off x="377826" y="190501"/>
+            <a:ext cx="7318800" cy="568324"/>
           </a:xfrm>
-          <a:ln>
-            <a:solidFill>
-              <a:schemeClr val="accent1"/>
-            </a:solidFill>
-          </a:ln>
         </p:spPr>
         <p:txBody>
-          <a:bodyPr anchor="ctr"/>
-          <a:lstStyle>
-            <a:lvl1pPr marL="360045" indent="0">
-              <a:spcBef>
-                <a:spcPts val="0"/>
-              </a:spcBef>
-              <a:buNone/>
-              <a:defRPr/>
-            </a:lvl1pPr>
-          </a:lstStyle>
-          <a:p>
-            <a:pPr lvl="0"/>
+          <a:bodyPr/>
+          <a:lstStyle/>
+          <a:p>
             <a:r>
               <a:rPr lang="zh-CN" altLang="en-US" dirty="0" smtClean="0"/>
-              <a:t>编辑正文文字</a:t>
-            </a:r>
-            <a:endParaRPr lang="en-US" altLang="zh-CN" dirty="0" smtClean="0"/>
-          </a:p>
-          <a:p>
-            <a:pPr lvl="0"/>
-            <a:r>
+              <a:t>编辑标题文字</a:t>
+            </a:r>
+            <a:br>
               <a:rPr lang="en-US" altLang="zh-CN" dirty="0" smtClean="0"/>
-              <a:t>Click to edit Master text styles</a:t>
-            </a:r>
-            <a:endParaRPr lang="en-US" altLang="zh-CN" dirty="0" smtClean="0"/>
-          </a:p>
-        </p:txBody>
-      </p:sp>
-      <p:sp>
-        <p:nvSpPr>
-          <p:cNvPr id="8" name="文本占位符 4"/>
-          <p:cNvSpPr>
-            <a:spLocks noGrp="1"/>
-          </p:cNvSpPr>
-          <p:nvPr>
-            <p:ph type="body" sz="quarter" idx="12" hasCustomPrompt="1"/>
-          </p:nvPr>
-        </p:nvSpPr>
-        <p:spPr>
-          <a:xfrm>
-            <a:off x="377825" y="4164903"/>
-            <a:ext cx="8383588" cy="754063"/>
-          </a:xfrm>
-          <a:ln>
-            <a:solidFill>
-              <a:schemeClr val="accent1"/>
-            </a:solidFill>
-          </a:ln>
-        </p:spPr>
-        <p:txBody>
-          <a:bodyPr anchor="ctr"/>
-          <a:lstStyle>
-            <a:lvl1pPr marL="360045" indent="0">
-              <a:spcBef>
-                <a:spcPts val="0"/>
-              </a:spcBef>
-              <a:buNone/>
-              <a:defRPr/>
-            </a:lvl1pPr>
-          </a:lstStyle>
-          <a:p>
-            <a:pPr lvl="0"/>
-            <a:r>
-              <a:rPr lang="zh-CN" altLang="en-US" dirty="0" smtClean="0"/>
-              <a:t>编辑正文文字</a:t>
-            </a:r>
-            <a:endParaRPr lang="en-US" altLang="zh-CN" dirty="0" smtClean="0"/>
-          </a:p>
-          <a:p>
-            <a:pPr lvl="0"/>
-            <a:r>
-              <a:rPr lang="en-US" altLang="zh-CN" dirty="0" smtClean="0"/>
-              <a:t>Click to edit Master text styles</a:t>
-            </a:r>
-            <a:endParaRPr lang="en-US" altLang="zh-CN" dirty="0" smtClean="0"/>
+            </a:br>
+            <a:r>
+              <a:rPr lang="en-US" dirty="0" smtClean="0"/>
+              <a:t>Click to edit Master title style</a:t>
+            </a:r>
+            <a:endParaRPr lang="en-US" dirty="0"/>
           </a:p>
         </p:txBody>
       </p:sp>
@@ -3966,6 +3947,13 @@
   <p:clrMapOvr>
     <a:masterClrMapping/>
   </p:clrMapOvr>
+  <p:timing>
+    <p:tnLst>
+      <p:par>
+        <p:cTn id="1" dur="indefinite" restart="never" nodeType="tmRoot"/>
+      </p:par>
+    </p:tnLst>
+  </p:timing>
 </p:sldLayout>
 </file>
 
@@ -4148,6 +4136,184 @@
 </file>
 
 <file path=ppt/slideLayouts/slideLayout20.xml><?xml version="1.0" encoding="utf-8"?>
+<p:sldLayout xmlns:a="http://schemas.openxmlformats.org/drawingml/2006/main" xmlns:r="http://schemas.openxmlformats.org/officeDocument/2006/relationships" xmlns:p="http://schemas.openxmlformats.org/presentationml/2006/main" preserve="1" userDrawn="1">
+  <p:cSld name="Catalog">
+    <p:spTree>
+      <p:nvGrpSpPr>
+        <p:cNvPr id="1" name=""/>
+        <p:cNvGrpSpPr/>
+        <p:nvPr/>
+      </p:nvGrpSpPr>
+      <p:grpSpPr>
+        <a:xfrm>
+          <a:off x="0" y="0"/>
+          <a:ext cx="0" cy="0"/>
+          <a:chOff x="0" y="0"/>
+          <a:chExt cx="0" cy="0"/>
+        </a:xfrm>
+      </p:grpSpPr>
+      <p:sp>
+        <p:nvSpPr>
+          <p:cNvPr id="5" name="文本占位符 4"/>
+          <p:cNvSpPr>
+            <a:spLocks noGrp="1"/>
+          </p:cNvSpPr>
+          <p:nvPr>
+            <p:ph type="body" sz="quarter" idx="10" hasCustomPrompt="1"/>
+          </p:nvPr>
+        </p:nvSpPr>
+        <p:spPr>
+          <a:xfrm>
+            <a:off x="377825" y="1889125"/>
+            <a:ext cx="8383588" cy="754063"/>
+          </a:xfrm>
+          <a:solidFill>
+            <a:schemeClr val="accent1"/>
+          </a:solidFill>
+          <a:ln>
+            <a:solidFill>
+              <a:schemeClr val="accent1"/>
+            </a:solidFill>
+          </a:ln>
+        </p:spPr>
+        <p:txBody>
+          <a:bodyPr anchor="ctr"/>
+          <a:lstStyle>
+            <a:lvl1pPr marL="360045" indent="0">
+              <a:spcBef>
+                <a:spcPts val="0"/>
+              </a:spcBef>
+              <a:buNone/>
+              <a:defRPr/>
+            </a:lvl1pPr>
+          </a:lstStyle>
+          <a:p>
+            <a:pPr lvl="0"/>
+            <a:r>
+              <a:rPr lang="zh-CN" altLang="en-US" dirty="0" smtClean="0"/>
+              <a:t>编辑正文文字</a:t>
+            </a:r>
+            <a:endParaRPr lang="en-US" altLang="zh-CN" dirty="0" smtClean="0"/>
+          </a:p>
+          <a:p>
+            <a:pPr lvl="0"/>
+            <a:r>
+              <a:rPr lang="en-US" altLang="zh-CN" dirty="0" smtClean="0"/>
+              <a:t>Click to edit Master text styles</a:t>
+            </a:r>
+            <a:endParaRPr lang="en-US" altLang="zh-CN" dirty="0" smtClean="0"/>
+          </a:p>
+        </p:txBody>
+      </p:sp>
+      <p:sp>
+        <p:nvSpPr>
+          <p:cNvPr id="7" name="文本占位符 4"/>
+          <p:cNvSpPr>
+            <a:spLocks noGrp="1"/>
+          </p:cNvSpPr>
+          <p:nvPr>
+            <p:ph type="body" sz="quarter" idx="11" hasCustomPrompt="1"/>
+          </p:nvPr>
+        </p:nvSpPr>
+        <p:spPr>
+          <a:xfrm>
+            <a:off x="377825" y="3027014"/>
+            <a:ext cx="8383588" cy="754063"/>
+          </a:xfrm>
+          <a:ln>
+            <a:solidFill>
+              <a:schemeClr val="accent1"/>
+            </a:solidFill>
+          </a:ln>
+        </p:spPr>
+        <p:txBody>
+          <a:bodyPr anchor="ctr"/>
+          <a:lstStyle>
+            <a:lvl1pPr marL="360045" indent="0">
+              <a:spcBef>
+                <a:spcPts val="0"/>
+              </a:spcBef>
+              <a:buNone/>
+              <a:defRPr/>
+            </a:lvl1pPr>
+          </a:lstStyle>
+          <a:p>
+            <a:pPr lvl="0"/>
+            <a:r>
+              <a:rPr lang="zh-CN" altLang="en-US" dirty="0" smtClean="0"/>
+              <a:t>编辑正文文字</a:t>
+            </a:r>
+            <a:endParaRPr lang="en-US" altLang="zh-CN" dirty="0" smtClean="0"/>
+          </a:p>
+          <a:p>
+            <a:pPr lvl="0"/>
+            <a:r>
+              <a:rPr lang="en-US" altLang="zh-CN" dirty="0" smtClean="0"/>
+              <a:t>Click to edit Master text styles</a:t>
+            </a:r>
+            <a:endParaRPr lang="en-US" altLang="zh-CN" dirty="0" smtClean="0"/>
+          </a:p>
+        </p:txBody>
+      </p:sp>
+      <p:sp>
+        <p:nvSpPr>
+          <p:cNvPr id="8" name="文本占位符 4"/>
+          <p:cNvSpPr>
+            <a:spLocks noGrp="1"/>
+          </p:cNvSpPr>
+          <p:nvPr>
+            <p:ph type="body" sz="quarter" idx="12" hasCustomPrompt="1"/>
+          </p:nvPr>
+        </p:nvSpPr>
+        <p:spPr>
+          <a:xfrm>
+            <a:off x="377825" y="4164903"/>
+            <a:ext cx="8383588" cy="754063"/>
+          </a:xfrm>
+          <a:ln>
+            <a:solidFill>
+              <a:schemeClr val="accent1"/>
+            </a:solidFill>
+          </a:ln>
+        </p:spPr>
+        <p:txBody>
+          <a:bodyPr anchor="ctr"/>
+          <a:lstStyle>
+            <a:lvl1pPr marL="360045" indent="0">
+              <a:spcBef>
+                <a:spcPts val="0"/>
+              </a:spcBef>
+              <a:buNone/>
+              <a:defRPr/>
+            </a:lvl1pPr>
+          </a:lstStyle>
+          <a:p>
+            <a:pPr lvl="0"/>
+            <a:r>
+              <a:rPr lang="zh-CN" altLang="en-US" dirty="0" smtClean="0"/>
+              <a:t>编辑正文文字</a:t>
+            </a:r>
+            <a:endParaRPr lang="en-US" altLang="zh-CN" dirty="0" smtClean="0"/>
+          </a:p>
+          <a:p>
+            <a:pPr lvl="0"/>
+            <a:r>
+              <a:rPr lang="en-US" altLang="zh-CN" dirty="0" smtClean="0"/>
+              <a:t>Click to edit Master text styles</a:t>
+            </a:r>
+            <a:endParaRPr lang="en-US" altLang="zh-CN" dirty="0" smtClean="0"/>
+          </a:p>
+        </p:txBody>
+      </p:sp>
+    </p:spTree>
+  </p:cSld>
+  <p:clrMapOvr>
+    <a:masterClrMapping/>
+  </p:clrMapOvr>
+</p:sldLayout>
+</file>
+
+<file path=ppt/slideLayouts/slideLayout21.xml><?xml version="1.0" encoding="utf-8"?>
 <p:sldLayout xmlns:a="http://schemas.openxmlformats.org/drawingml/2006/main" xmlns:r="http://schemas.openxmlformats.org/officeDocument/2006/relationships" xmlns:p="http://schemas.openxmlformats.org/presentationml/2006/main" preserve="1" userDrawn="1">
   <p:cSld name="Divider">
     <p:spTree>
@@ -4294,7 +4460,7 @@
 </p:sldLayout>
 </file>
 
-<file path=ppt/slideLayouts/slideLayout21.xml><?xml version="1.0" encoding="utf-8"?>
+<file path=ppt/slideLayouts/slideLayout22.xml><?xml version="1.0" encoding="utf-8"?>
 <p:sldLayout xmlns:a="http://schemas.openxmlformats.org/drawingml/2006/main" xmlns:r="http://schemas.openxmlformats.org/officeDocument/2006/relationships" xmlns:p="http://schemas.openxmlformats.org/presentationml/2006/main" preserve="1" userDrawn="1">
   <p:cSld name="Text or chart...">
     <p:spTree>
@@ -4326,7 +4492,7 @@
 </p:sldLayout>
 </file>
 
-<file path=ppt/slideLayouts/slideLayout22.xml><?xml version="1.0" encoding="utf-8"?>
+<file path=ppt/slideLayouts/slideLayout23.xml><?xml version="1.0" encoding="utf-8"?>
 <p:sldLayout xmlns:a="http://schemas.openxmlformats.org/drawingml/2006/main" xmlns:r="http://schemas.openxmlformats.org/officeDocument/2006/relationships" xmlns:p="http://schemas.openxmlformats.org/presentationml/2006/main" preserve="1" userDrawn="1">
   <p:cSld name="Highlighted reference">
     <p:spTree>
@@ -4491,7 +4657,7 @@
 </p:sldLayout>
 </file>
 
-<file path=ppt/slideLayouts/slideLayout23.xml><?xml version="1.0" encoding="utf-8"?>
+<file path=ppt/slideLayouts/slideLayout24.xml><?xml version="1.0" encoding="utf-8"?>
 <p:sldLayout xmlns:a="http://schemas.openxmlformats.org/drawingml/2006/main" xmlns:r="http://schemas.openxmlformats.org/officeDocument/2006/relationships" xmlns:p="http://schemas.openxmlformats.org/presentationml/2006/main" preserve="1" userDrawn="1">
   <p:cSld name="Text &amp; chart...">
     <p:spTree>
@@ -4861,7 +5027,7 @@
 </p:sldLayout>
 </file>
 
-<file path=ppt/slideLayouts/slideLayout24.xml><?xml version="1.0" encoding="utf-8"?>
+<file path=ppt/slideLayouts/slideLayout25.xml><?xml version="1.0" encoding="utf-8"?>
 <p:sldLayout xmlns:a="http://schemas.openxmlformats.org/drawingml/2006/main" xmlns:r="http://schemas.openxmlformats.org/officeDocument/2006/relationships" xmlns:p="http://schemas.openxmlformats.org/presentationml/2006/main" preserve="1" userDrawn="1">
   <p:cSld name="Columns">
     <p:spTree>
@@ -5254,7 +5420,7 @@
 </p:sldLayout>
 </file>
 
-<file path=ppt/slideLayouts/slideLayout25.xml><?xml version="1.0" encoding="utf-8"?>
+<file path=ppt/slideLayouts/slideLayout26.xml><?xml version="1.0" encoding="utf-8"?>
 <p:sldLayout xmlns:a="http://schemas.openxmlformats.org/drawingml/2006/main" xmlns:r="http://schemas.openxmlformats.org/officeDocument/2006/relationships" xmlns:p="http://schemas.openxmlformats.org/presentationml/2006/main" preserve="1" userDrawn="1">
   <p:cSld name="Columns of text">
     <p:spTree>
@@ -5473,7 +5639,7 @@
 </p:sldLayout>
 </file>
 
-<file path=ppt/slideLayouts/slideLayout26.xml><?xml version="1.0" encoding="utf-8"?>
+<file path=ppt/slideLayouts/slideLayout27.xml><?xml version="1.0" encoding="utf-8"?>
 <p:sldLayout xmlns:a="http://schemas.openxmlformats.org/drawingml/2006/main" xmlns:r="http://schemas.openxmlformats.org/officeDocument/2006/relationships" xmlns:p="http://schemas.openxmlformats.org/presentationml/2006/main" preserve="1" userDrawn="1">
   <p:cSld name="Columns of chart &amp; text">
     <p:spTree>
@@ -5983,7 +6149,7 @@
 </p:sldLayout>
 </file>
 
-<file path=ppt/slideLayouts/slideLayout27.xml><?xml version="1.0" encoding="utf-8"?>
+<file path=ppt/slideLayouts/slideLayout28.xml><?xml version="1.0" encoding="utf-8"?>
 <p:sldLayout xmlns:a="http://schemas.openxmlformats.org/drawingml/2006/main" xmlns:r="http://schemas.openxmlformats.org/officeDocument/2006/relationships" xmlns:p="http://schemas.openxmlformats.org/presentationml/2006/main" preserve="1" userDrawn="1">
   <p:cSld name="Grouped List">
     <p:spTree>
@@ -6698,7 +6864,7 @@
 </p:sldLayout>
 </file>
 
-<file path=ppt/slideLayouts/slideLayout28.xml><?xml version="1.0" encoding="utf-8"?>
+<file path=ppt/slideLayouts/slideLayout29.xml><?xml version="1.0" encoding="utf-8"?>
 <p:sldLayout xmlns:a="http://schemas.openxmlformats.org/drawingml/2006/main" xmlns:r="http://schemas.openxmlformats.org/officeDocument/2006/relationships" xmlns:p="http://schemas.openxmlformats.org/presentationml/2006/main" preserve="1" userDrawn="1">
   <p:cSld name="Text &amp; small picture">
     <p:spTree>
@@ -6837,186 +7003,6 @@
               <a:t>图 片 占 位 符</a:t>
             </a:r>
             <a:endParaRPr lang="en-US" dirty="0"/>
-          </a:p>
-        </p:txBody>
-      </p:sp>
-      <p:sp>
-        <p:nvSpPr>
-          <p:cNvPr id="2" name="标题 1"/>
-          <p:cNvSpPr>
-            <a:spLocks noGrp="1"/>
-          </p:cNvSpPr>
-          <p:nvPr>
-            <p:ph type="title" hasCustomPrompt="1"/>
-          </p:nvPr>
-        </p:nvSpPr>
-        <p:spPr>
-          <a:xfrm>
-            <a:off x="377826" y="190501"/>
-            <a:ext cx="7318800" cy="568324"/>
-          </a:xfrm>
-        </p:spPr>
-        <p:txBody>
-          <a:bodyPr/>
-          <a:lstStyle/>
-          <a:p>
-            <a:r>
-              <a:rPr lang="zh-CN" altLang="en-US" dirty="0" smtClean="0"/>
-              <a:t>编辑标题文字</a:t>
-            </a:r>
-            <a:br>
-              <a:rPr lang="en-US" altLang="zh-CN" dirty="0" smtClean="0"/>
-            </a:br>
-            <a:r>
-              <a:rPr lang="en-US" dirty="0" smtClean="0"/>
-              <a:t>Click to edit Master title style</a:t>
-            </a:r>
-            <a:endParaRPr lang="en-US" dirty="0"/>
-          </a:p>
-        </p:txBody>
-      </p:sp>
-    </p:spTree>
-  </p:cSld>
-  <p:clrMapOvr>
-    <a:masterClrMapping/>
-  </p:clrMapOvr>
-  <p:timing>
-    <p:tnLst>
-      <p:par>
-        <p:cTn id="1" dur="indefinite" restart="never" nodeType="tmRoot"/>
-      </p:par>
-    </p:tnLst>
-  </p:timing>
-</p:sldLayout>
-</file>
-
-<file path=ppt/slideLayouts/slideLayout29.xml><?xml version="1.0" encoding="utf-8"?>
-<p:sldLayout xmlns:a="http://schemas.openxmlformats.org/drawingml/2006/main" xmlns:r="http://schemas.openxmlformats.org/officeDocument/2006/relationships" xmlns:p="http://schemas.openxmlformats.org/presentationml/2006/main" preserve="1" userDrawn="1">
-  <p:cSld name="Text &amp; large picture">
-    <p:spTree>
-      <p:nvGrpSpPr>
-        <p:cNvPr id="1" name=""/>
-        <p:cNvGrpSpPr/>
-        <p:nvPr/>
-      </p:nvGrpSpPr>
-      <p:grpSpPr>
-        <a:xfrm>
-          <a:off x="0" y="0"/>
-          <a:ext cx="0" cy="0"/>
-          <a:chOff x="0" y="0"/>
-          <a:chExt cx="0" cy="0"/>
-        </a:xfrm>
-      </p:grpSpPr>
-      <p:sp>
-        <p:nvSpPr>
-          <p:cNvPr id="12" name="Text Placeholder 2"/>
-          <p:cNvSpPr>
-            <a:spLocks noGrp="1"/>
-          </p:cNvSpPr>
-          <p:nvPr>
-            <p:ph idx="11" hasCustomPrompt="1"/>
-          </p:nvPr>
-        </p:nvSpPr>
-        <p:spPr>
-          <a:xfrm>
-            <a:off x="6221452" y="1319875"/>
-            <a:ext cx="2539553" cy="4421308"/>
-          </a:xfrm>
-          <a:prstGeom prst="rect">
-            <a:avLst/>
-          </a:prstGeom>
-        </p:spPr>
-        <p:txBody>
-          <a:bodyPr vert="horz" lIns="0" tIns="0" rIns="0" bIns="0" rtlCol="0">
-            <a:noAutofit/>
-          </a:bodyPr>
-          <a:lstStyle>
-            <a:lvl1pPr marL="360045" indent="-360045">
-              <a:spcBef>
-                <a:spcPts val="0"/>
-              </a:spcBef>
-              <a:buNone/>
-              <a:defRPr lang="en-US" altLang="zh-CN" sz="1600" kern="1200" dirty="0" smtClean="0">
-                <a:solidFill>
-                  <a:schemeClr val="accent2"/>
-                </a:solidFill>
-                <a:latin typeface="Arial"/>
-                <a:ea typeface="+mn-ea"/>
-                <a:cs typeface="Arial"/>
-              </a:defRPr>
-            </a:lvl1pPr>
-          </a:lstStyle>
-          <a:p>
-            <a:pPr marL="0" lvl="0" indent="0" algn="l" defTabSz="457200" rtl="0" eaLnBrk="1" latinLnBrk="0" hangingPunct="1">
-              <a:lnSpc>
-                <a:spcPct val="120000"/>
-              </a:lnSpc>
-              <a:spcBef>
-                <a:spcPts val="0"/>
-              </a:spcBef>
-              <a:buFont typeface="Arial" panose="02080604020202020204" pitchFamily="34" charset="0"/>
-              <a:buNone/>
-            </a:pPr>
-            <a:r>
-              <a:rPr lang="zh-CN" altLang="en-US" dirty="0" smtClean="0"/>
-              <a:t>编辑正文文字</a:t>
-            </a:r>
-            <a:br>
-              <a:rPr lang="en-US" altLang="zh-CN" dirty="0" smtClean="0"/>
-            </a:br>
-            <a:r>
-              <a:rPr lang="en-US" altLang="zh-CN" dirty="0" smtClean="0"/>
-              <a:t>Click to edit Master text styles</a:t>
-            </a:r>
-            <a:endParaRPr lang="en-US" altLang="zh-CN" dirty="0" smtClean="0"/>
-          </a:p>
-        </p:txBody>
-      </p:sp>
-      <p:sp>
-        <p:nvSpPr>
-          <p:cNvPr id="13" name="Picture Placeholder 20"/>
-          <p:cNvSpPr>
-            <a:spLocks noGrp="1"/>
-          </p:cNvSpPr>
-          <p:nvPr>
-            <p:ph type="pic" sz="quarter" idx="14" hasCustomPrompt="1"/>
-          </p:nvPr>
-        </p:nvSpPr>
-        <p:spPr>
-          <a:xfrm>
-            <a:off x="381801" y="1319875"/>
-            <a:ext cx="5461512" cy="4421308"/>
-          </a:xfrm>
-          <a:solidFill>
-            <a:schemeClr val="bg1">
-              <a:lumMod val="85000"/>
-            </a:schemeClr>
-          </a:solidFill>
-          <a:ln>
-            <a:noFill/>
-          </a:ln>
-        </p:spPr>
-        <p:txBody>
-          <a:bodyPr anchor="ctr" anchorCtr="0"/>
-          <a:lstStyle>
-            <a:lvl1pPr marL="0" indent="0" algn="ctr">
-              <a:buNone/>
-              <a:defRPr sz="2000" b="1">
-                <a:solidFill>
-                  <a:schemeClr val="bg1"/>
-                </a:solidFill>
-                <a:latin typeface="+mn-ea"/>
-                <a:ea typeface="+mn-ea"/>
-                <a:cs typeface="Arial"/>
-              </a:defRPr>
-            </a:lvl1pPr>
-          </a:lstStyle>
-          <a:p>
-            <a:r>
-              <a:rPr lang="zh-CN" altLang="en-US" dirty="0" smtClean="0"/>
-              <a:t>图 片 占 位 符</a:t>
-            </a:r>
-            <a:endParaRPr lang="en-US" altLang="zh-CN" dirty="0" smtClean="0"/>
           </a:p>
         </p:txBody>
       </p:sp>
@@ -7219,6 +7205,186 @@
 
 <file path=ppt/slideLayouts/slideLayout30.xml><?xml version="1.0" encoding="utf-8"?>
 <p:sldLayout xmlns:a="http://schemas.openxmlformats.org/drawingml/2006/main" xmlns:r="http://schemas.openxmlformats.org/officeDocument/2006/relationships" xmlns:p="http://schemas.openxmlformats.org/presentationml/2006/main" preserve="1" userDrawn="1">
+  <p:cSld name="Text &amp; large picture">
+    <p:spTree>
+      <p:nvGrpSpPr>
+        <p:cNvPr id="1" name=""/>
+        <p:cNvGrpSpPr/>
+        <p:nvPr/>
+      </p:nvGrpSpPr>
+      <p:grpSpPr>
+        <a:xfrm>
+          <a:off x="0" y="0"/>
+          <a:ext cx="0" cy="0"/>
+          <a:chOff x="0" y="0"/>
+          <a:chExt cx="0" cy="0"/>
+        </a:xfrm>
+      </p:grpSpPr>
+      <p:sp>
+        <p:nvSpPr>
+          <p:cNvPr id="12" name="Text Placeholder 2"/>
+          <p:cNvSpPr>
+            <a:spLocks noGrp="1"/>
+          </p:cNvSpPr>
+          <p:nvPr>
+            <p:ph idx="11" hasCustomPrompt="1"/>
+          </p:nvPr>
+        </p:nvSpPr>
+        <p:spPr>
+          <a:xfrm>
+            <a:off x="6221452" y="1319875"/>
+            <a:ext cx="2539553" cy="4421308"/>
+          </a:xfrm>
+          <a:prstGeom prst="rect">
+            <a:avLst/>
+          </a:prstGeom>
+        </p:spPr>
+        <p:txBody>
+          <a:bodyPr vert="horz" lIns="0" tIns="0" rIns="0" bIns="0" rtlCol="0">
+            <a:noAutofit/>
+          </a:bodyPr>
+          <a:lstStyle>
+            <a:lvl1pPr marL="360045" indent="-360045">
+              <a:spcBef>
+                <a:spcPts val="0"/>
+              </a:spcBef>
+              <a:buNone/>
+              <a:defRPr lang="en-US" altLang="zh-CN" sz="1600" kern="1200" dirty="0" smtClean="0">
+                <a:solidFill>
+                  <a:schemeClr val="accent2"/>
+                </a:solidFill>
+                <a:latin typeface="Arial"/>
+                <a:ea typeface="+mn-ea"/>
+                <a:cs typeface="Arial"/>
+              </a:defRPr>
+            </a:lvl1pPr>
+          </a:lstStyle>
+          <a:p>
+            <a:pPr marL="0" lvl="0" indent="0" algn="l" defTabSz="457200" rtl="0" eaLnBrk="1" latinLnBrk="0" hangingPunct="1">
+              <a:lnSpc>
+                <a:spcPct val="120000"/>
+              </a:lnSpc>
+              <a:spcBef>
+                <a:spcPts val="0"/>
+              </a:spcBef>
+              <a:buFont typeface="Arial" panose="02080604020202020204" pitchFamily="34" charset="0"/>
+              <a:buNone/>
+            </a:pPr>
+            <a:r>
+              <a:rPr lang="zh-CN" altLang="en-US" dirty="0" smtClean="0"/>
+              <a:t>编辑正文文字</a:t>
+            </a:r>
+            <a:br>
+              <a:rPr lang="en-US" altLang="zh-CN" dirty="0" smtClean="0"/>
+            </a:br>
+            <a:r>
+              <a:rPr lang="en-US" altLang="zh-CN" dirty="0" smtClean="0"/>
+              <a:t>Click to edit Master text styles</a:t>
+            </a:r>
+            <a:endParaRPr lang="en-US" altLang="zh-CN" dirty="0" smtClean="0"/>
+          </a:p>
+        </p:txBody>
+      </p:sp>
+      <p:sp>
+        <p:nvSpPr>
+          <p:cNvPr id="13" name="Picture Placeholder 20"/>
+          <p:cNvSpPr>
+            <a:spLocks noGrp="1"/>
+          </p:cNvSpPr>
+          <p:nvPr>
+            <p:ph type="pic" sz="quarter" idx="14" hasCustomPrompt="1"/>
+          </p:nvPr>
+        </p:nvSpPr>
+        <p:spPr>
+          <a:xfrm>
+            <a:off x="381801" y="1319875"/>
+            <a:ext cx="5461512" cy="4421308"/>
+          </a:xfrm>
+          <a:solidFill>
+            <a:schemeClr val="bg1">
+              <a:lumMod val="85000"/>
+            </a:schemeClr>
+          </a:solidFill>
+          <a:ln>
+            <a:noFill/>
+          </a:ln>
+        </p:spPr>
+        <p:txBody>
+          <a:bodyPr anchor="ctr" anchorCtr="0"/>
+          <a:lstStyle>
+            <a:lvl1pPr marL="0" indent="0" algn="ctr">
+              <a:buNone/>
+              <a:defRPr sz="2000" b="1">
+                <a:solidFill>
+                  <a:schemeClr val="bg1"/>
+                </a:solidFill>
+                <a:latin typeface="+mn-ea"/>
+                <a:ea typeface="+mn-ea"/>
+                <a:cs typeface="Arial"/>
+              </a:defRPr>
+            </a:lvl1pPr>
+          </a:lstStyle>
+          <a:p>
+            <a:r>
+              <a:rPr lang="zh-CN" altLang="en-US" dirty="0" smtClean="0"/>
+              <a:t>图 片 占 位 符</a:t>
+            </a:r>
+            <a:endParaRPr lang="en-US" altLang="zh-CN" dirty="0" smtClean="0"/>
+          </a:p>
+        </p:txBody>
+      </p:sp>
+      <p:sp>
+        <p:nvSpPr>
+          <p:cNvPr id="2" name="标题 1"/>
+          <p:cNvSpPr>
+            <a:spLocks noGrp="1"/>
+          </p:cNvSpPr>
+          <p:nvPr>
+            <p:ph type="title" hasCustomPrompt="1"/>
+          </p:nvPr>
+        </p:nvSpPr>
+        <p:spPr>
+          <a:xfrm>
+            <a:off x="377826" y="190501"/>
+            <a:ext cx="7318800" cy="568324"/>
+          </a:xfrm>
+        </p:spPr>
+        <p:txBody>
+          <a:bodyPr/>
+          <a:lstStyle/>
+          <a:p>
+            <a:r>
+              <a:rPr lang="zh-CN" altLang="en-US" dirty="0" smtClean="0"/>
+              <a:t>编辑标题文字</a:t>
+            </a:r>
+            <a:br>
+              <a:rPr lang="en-US" altLang="zh-CN" dirty="0" smtClean="0"/>
+            </a:br>
+            <a:r>
+              <a:rPr lang="en-US" dirty="0" smtClean="0"/>
+              <a:t>Click to edit Master title style</a:t>
+            </a:r>
+            <a:endParaRPr lang="en-US" dirty="0"/>
+          </a:p>
+        </p:txBody>
+      </p:sp>
+    </p:spTree>
+  </p:cSld>
+  <p:clrMapOvr>
+    <a:masterClrMapping/>
+  </p:clrMapOvr>
+  <p:timing>
+    <p:tnLst>
+      <p:par>
+        <p:cTn id="1" dur="indefinite" restart="never" nodeType="tmRoot"/>
+      </p:par>
+    </p:tnLst>
+  </p:timing>
+</p:sldLayout>
+</file>
+
+<file path=ppt/slideLayouts/slideLayout31.xml><?xml version="1.0" encoding="utf-8"?>
+<p:sldLayout xmlns:a="http://schemas.openxmlformats.org/drawingml/2006/main" xmlns:r="http://schemas.openxmlformats.org/officeDocument/2006/relationships" xmlns:p="http://schemas.openxmlformats.org/presentationml/2006/main" preserve="1" userDrawn="1">
   <p:cSld name="Text &amp; pictures">
     <p:spTree>
       <p:nvGrpSpPr>
@@ -7626,7 +7792,7 @@
 </p:sldLayout>
 </file>
 
-<file path=ppt/slideLayouts/slideLayout31.xml><?xml version="1.0" encoding="utf-8"?>
+<file path=ppt/slideLayouts/slideLayout32.xml><?xml version="1.0" encoding="utf-8"?>
 <p:sldLayout xmlns:a="http://schemas.openxmlformats.org/drawingml/2006/main" xmlns:r="http://schemas.openxmlformats.org/officeDocument/2006/relationships" xmlns:p="http://schemas.openxmlformats.org/presentationml/2006/main" preserve="1" userDrawn="1">
   <p:cSld name="Pictures">
     <p:spTree>
@@ -7987,7 +8153,7 @@
 </p:sldLayout>
 </file>
 
-<file path=ppt/slideLayouts/slideLayout32.xml><?xml version="1.0" encoding="utf-8"?>
+<file path=ppt/slideLayouts/slideLayout33.xml><?xml version="1.0" encoding="utf-8"?>
 <p:sldLayout xmlns:a="http://schemas.openxmlformats.org/drawingml/2006/main" xmlns:r="http://schemas.openxmlformats.org/officeDocument/2006/relationships" xmlns:p="http://schemas.openxmlformats.org/presentationml/2006/main" preserve="1" userDrawn="1">
   <p:cSld name="Large picture">
     <p:spTree>
@@ -8095,7 +8261,7 @@
 </p:sldLayout>
 </file>
 
-<file path=ppt/slideLayouts/slideLayout33.xml><?xml version="1.0" encoding="utf-8"?>
+<file path=ppt/slideLayouts/slideLayout34.xml><?xml version="1.0" encoding="utf-8"?>
 <p:sldLayout xmlns:a="http://schemas.openxmlformats.org/drawingml/2006/main" xmlns:r="http://schemas.openxmlformats.org/officeDocument/2006/relationships" xmlns:p="http://schemas.openxmlformats.org/presentationml/2006/main" preserve="1" userDrawn="1">
   <p:cSld name="Text on color area">
     <p:spTree>
@@ -8252,7 +8418,7 @@
 </p:sldLayout>
 </file>
 
-<file path=ppt/slideLayouts/slideLayout34.xml><?xml version="1.0" encoding="utf-8"?>
+<file path=ppt/slideLayouts/slideLayout35.xml><?xml version="1.0" encoding="utf-8"?>
 <p:sldLayout xmlns:a="http://schemas.openxmlformats.org/drawingml/2006/main" xmlns:r="http://schemas.openxmlformats.org/officeDocument/2006/relationships" xmlns:p="http://schemas.openxmlformats.org/presentationml/2006/main" preserve="1" userDrawn="1">
   <p:cSld name="Picture &amp; text on color area">
     <p:spTree>
@@ -14092,7 +14258,7 @@
           <p:nvPr/>
         </p:nvPicPr>
         <p:blipFill>
-          <a:blip r:embed="rId2" cstate="screen"/>
+          <a:blip r:embed="rId3" cstate="screen"/>
           <a:stretch>
             <a:fillRect/>
           </a:stretch>
@@ -15500,7 +15666,7 @@
           <p:nvPr/>
         </p:nvPicPr>
         <p:blipFill rotWithShape="1">
-          <a:blip r:embed="rId3" cstate="screen"/>
+          <a:blip r:embed="rId4" cstate="screen"/>
           <a:srcRect/>
           <a:stretch>
             <a:fillRect/>
@@ -15531,6 +15697,7 @@
   <p:clrMap bg1="lt1" tx1="dk1" bg2="lt2" tx2="dk2" accent1="accent1" accent2="accent2" accent3="accent3" accent4="accent4" accent5="accent5" accent6="accent6" hlink="hlink" folHlink="folHlink"/>
   <p:sldLayoutIdLst>
     <p:sldLayoutId id="2147483668" r:id="rId1"/>
+    <p:sldLayoutId id="2147483669" r:id="rId2"/>
   </p:sldLayoutIdLst>
   <p:timing>
     <p:tnLst>
@@ -17706,22 +17873,22 @@
   </p:cSld>
   <p:clrMap bg1="lt1" tx1="dk1" bg2="lt2" tx2="dk2" accent1="accent1" accent2="accent2" accent3="accent3" accent4="accent4" accent5="accent5" accent6="accent6" hlink="hlink" folHlink="folHlink"/>
   <p:sldLayoutIdLst>
-    <p:sldLayoutId id="2147483670" r:id="rId1"/>
-    <p:sldLayoutId id="2147483671" r:id="rId2"/>
-    <p:sldLayoutId id="2147483672" r:id="rId3"/>
-    <p:sldLayoutId id="2147483673" r:id="rId4"/>
-    <p:sldLayoutId id="2147483674" r:id="rId5"/>
-    <p:sldLayoutId id="2147483675" r:id="rId6"/>
-    <p:sldLayoutId id="2147483676" r:id="rId7"/>
-    <p:sldLayoutId id="2147483677" r:id="rId8"/>
-    <p:sldLayoutId id="2147483678" r:id="rId9"/>
-    <p:sldLayoutId id="2147483679" r:id="rId10"/>
-    <p:sldLayoutId id="2147483680" r:id="rId11"/>
-    <p:sldLayoutId id="2147483681" r:id="rId12"/>
-    <p:sldLayoutId id="2147483682" r:id="rId13"/>
-    <p:sldLayoutId id="2147483683" r:id="rId14"/>
-    <p:sldLayoutId id="2147483684" r:id="rId15"/>
-    <p:sldLayoutId id="2147483685" r:id="rId16"/>
+    <p:sldLayoutId id="2147483671" r:id="rId1"/>
+    <p:sldLayoutId id="2147483672" r:id="rId2"/>
+    <p:sldLayoutId id="2147483673" r:id="rId3"/>
+    <p:sldLayoutId id="2147483674" r:id="rId4"/>
+    <p:sldLayoutId id="2147483675" r:id="rId5"/>
+    <p:sldLayoutId id="2147483676" r:id="rId6"/>
+    <p:sldLayoutId id="2147483677" r:id="rId7"/>
+    <p:sldLayoutId id="2147483678" r:id="rId8"/>
+    <p:sldLayoutId id="2147483679" r:id="rId9"/>
+    <p:sldLayoutId id="2147483680" r:id="rId10"/>
+    <p:sldLayoutId id="2147483681" r:id="rId11"/>
+    <p:sldLayoutId id="2147483682" r:id="rId12"/>
+    <p:sldLayoutId id="2147483683" r:id="rId13"/>
+    <p:sldLayoutId id="2147483684" r:id="rId14"/>
+    <p:sldLayoutId id="2147483685" r:id="rId15"/>
+    <p:sldLayoutId id="2147483686" r:id="rId16"/>
   </p:sldLayoutIdLst>
   <p:timing>
     <p:tnLst>
@@ -18467,7 +18634,7 @@
         <p:spPr>
           <a:xfrm>
             <a:off x="291465" y="1133475"/>
-            <a:ext cx="2132965" cy="368300"/>
+            <a:ext cx="2344420" cy="368300"/>
           </a:xfrm>
           <a:prstGeom prst="rect">
             <a:avLst/>
@@ -18495,9 +18662,155 @@
                 <a:cs typeface="Arial" panose="02080604020202020204" pitchFamily="34" charset="0"/>
                 <a:sym typeface="+mn-ea"/>
               </a:rPr>
-              <a:t> D/N/R/P mit Ac</a:t>
+              <a:t> D/N/R/P ohne Ac</a:t>
             </a:r>
             <a:endParaRPr lang="zh-CN" altLang="en-US"/>
+          </a:p>
+        </p:txBody>
+      </p:sp>
+      <p:sp>
+        <p:nvSpPr>
+          <p:cNvPr id="8" name="文本框 7"/>
+          <p:cNvSpPr txBox="1"/>
+          <p:nvPr/>
+        </p:nvSpPr>
+        <p:spPr>
+          <a:xfrm>
+            <a:off x="7731760" y="2593703"/>
+            <a:ext cx="1103086" cy="2306955"/>
+          </a:xfrm>
+          <a:prstGeom prst="rect">
+            <a:avLst/>
+          </a:prstGeom>
+          <a:noFill/>
+        </p:spPr>
+        <p:txBody>
+          <a:bodyPr wrap="square" rtlCol="0">
+            <a:spAutoFit/>
+          </a:bodyPr>
+          <a:p>
+            <a:r>
+              <a:rPr lang="en-US" altLang="zh-CN" dirty="0" smtClean="0">
+                <a:solidFill>
+                  <a:srgbClr val="FF0000"/>
+                </a:solidFill>
+              </a:rPr>
+              <a:t>D </a:t>
+            </a:r>
+            <a:r>
+              <a:rPr lang="en-US" altLang="zh-CN" dirty="0" err="1" smtClean="0">
+                <a:solidFill>
+                  <a:srgbClr val="FF0000"/>
+                </a:solidFill>
+              </a:rPr>
+              <a:t>mit</a:t>
+            </a:r>
+            <a:r>
+              <a:rPr lang="en-US" altLang="zh-CN" dirty="0" smtClean="0">
+                <a:solidFill>
+                  <a:srgbClr val="FF0000"/>
+                </a:solidFill>
+              </a:rPr>
+              <a:t> AC</a:t>
+            </a:r>
+            <a:endParaRPr lang="en-US" altLang="zh-CN" dirty="0" smtClean="0">
+              <a:solidFill>
+                <a:srgbClr val="FF0000"/>
+              </a:solidFill>
+            </a:endParaRPr>
+          </a:p>
+          <a:p>
+            <a:r>
+              <a:rPr lang="en-US" altLang="zh-CN" dirty="0" smtClean="0">
+                <a:solidFill>
+                  <a:srgbClr val="00FF00"/>
+                </a:solidFill>
+              </a:rPr>
+              <a:t>N </a:t>
+            </a:r>
+            <a:r>
+              <a:rPr lang="en-US" altLang="zh-CN" dirty="0" err="1" smtClean="0">
+                <a:solidFill>
+                  <a:srgbClr val="00FF00"/>
+                </a:solidFill>
+              </a:rPr>
+              <a:t>mit</a:t>
+            </a:r>
+            <a:r>
+              <a:rPr lang="en-US" altLang="zh-CN" dirty="0" smtClean="0">
+                <a:solidFill>
+                  <a:srgbClr val="00FF00"/>
+                </a:solidFill>
+              </a:rPr>
+              <a:t> AC</a:t>
+            </a:r>
+            <a:endParaRPr lang="en-US" altLang="zh-CN" dirty="0" smtClean="0">
+              <a:solidFill>
+                <a:srgbClr val="00FF00"/>
+              </a:solidFill>
+            </a:endParaRPr>
+          </a:p>
+          <a:p>
+            <a:r>
+              <a:rPr lang="en-US" altLang="zh-CN" dirty="0" smtClean="0">
+                <a:solidFill>
+                  <a:srgbClr val="0000FF"/>
+                </a:solidFill>
+              </a:rPr>
+              <a:t>P </a:t>
+            </a:r>
+            <a:r>
+              <a:rPr lang="en-US" altLang="zh-CN" dirty="0" err="1" smtClean="0">
+                <a:solidFill>
+                  <a:srgbClr val="0000FF"/>
+                </a:solidFill>
+              </a:rPr>
+              <a:t>mit</a:t>
+            </a:r>
+            <a:r>
+              <a:rPr lang="en-US" altLang="zh-CN" dirty="0" smtClean="0">
+                <a:solidFill>
+                  <a:srgbClr val="0000FF"/>
+                </a:solidFill>
+              </a:rPr>
+              <a:t> AC</a:t>
+            </a:r>
+            <a:endParaRPr lang="en-US" altLang="zh-CN" dirty="0" smtClean="0">
+              <a:solidFill>
+                <a:srgbClr val="0000FF"/>
+              </a:solidFill>
+            </a:endParaRPr>
+          </a:p>
+          <a:p>
+            <a:r>
+              <a:rPr lang="en-US" altLang="zh-CN" dirty="0" smtClean="0">
+                <a:solidFill>
+                  <a:srgbClr val="FFFF00"/>
+                </a:solidFill>
+              </a:rPr>
+              <a:t>R </a:t>
+            </a:r>
+            <a:r>
+              <a:rPr lang="en-US" altLang="zh-CN" dirty="0" err="1" smtClean="0">
+                <a:solidFill>
+                  <a:srgbClr val="FFFF00"/>
+                </a:solidFill>
+              </a:rPr>
+              <a:t>mit</a:t>
+            </a:r>
+            <a:r>
+              <a:rPr lang="en-US" altLang="zh-CN" dirty="0" smtClean="0">
+                <a:solidFill>
+                  <a:srgbClr val="FFFF00"/>
+                </a:solidFill>
+              </a:rPr>
+              <a:t> AC</a:t>
+            </a:r>
+            <a:endParaRPr lang="zh-CN" altLang="en-US" dirty="0">
+              <a:solidFill>
+                <a:srgbClr val="FFFF00"/>
+              </a:solidFill>
+            </a:endParaRPr>
           </a:p>
         </p:txBody>
       </p:sp>
@@ -18740,7 +19053,7 @@
         <p:spPr>
           <a:xfrm>
             <a:off x="291465" y="1133475"/>
-            <a:ext cx="2132965" cy="368300"/>
+            <a:ext cx="2344420" cy="368300"/>
           </a:xfrm>
           <a:prstGeom prst="rect">
             <a:avLst/>
@@ -18768,9 +19081,155 @@
                 <a:cs typeface="Arial" panose="02080604020202020204" pitchFamily="34" charset="0"/>
                 <a:sym typeface="+mn-ea"/>
               </a:rPr>
-              <a:t> D/N/R/P mit Ac</a:t>
+              <a:t> D/N/R/P ohne Ac</a:t>
             </a:r>
             <a:endParaRPr lang="zh-CN" altLang="en-US"/>
+          </a:p>
+        </p:txBody>
+      </p:sp>
+      <p:sp>
+        <p:nvSpPr>
+          <p:cNvPr id="8" name="文本框 7"/>
+          <p:cNvSpPr txBox="1"/>
+          <p:nvPr/>
+        </p:nvSpPr>
+        <p:spPr>
+          <a:xfrm>
+            <a:off x="7731760" y="2593703"/>
+            <a:ext cx="1103086" cy="2306955"/>
+          </a:xfrm>
+          <a:prstGeom prst="rect">
+            <a:avLst/>
+          </a:prstGeom>
+          <a:noFill/>
+        </p:spPr>
+        <p:txBody>
+          <a:bodyPr wrap="square" rtlCol="0">
+            <a:spAutoFit/>
+          </a:bodyPr>
+          <a:p>
+            <a:r>
+              <a:rPr lang="en-US" altLang="zh-CN" dirty="0" smtClean="0">
+                <a:solidFill>
+                  <a:srgbClr val="FF0000"/>
+                </a:solidFill>
+              </a:rPr>
+              <a:t>D </a:t>
+            </a:r>
+            <a:r>
+              <a:rPr lang="en-US" altLang="zh-CN" dirty="0" err="1" smtClean="0">
+                <a:solidFill>
+                  <a:srgbClr val="FF0000"/>
+                </a:solidFill>
+              </a:rPr>
+              <a:t>mit</a:t>
+            </a:r>
+            <a:r>
+              <a:rPr lang="en-US" altLang="zh-CN" dirty="0" smtClean="0">
+                <a:solidFill>
+                  <a:srgbClr val="FF0000"/>
+                </a:solidFill>
+              </a:rPr>
+              <a:t> AC</a:t>
+            </a:r>
+            <a:endParaRPr lang="en-US" altLang="zh-CN" dirty="0" smtClean="0">
+              <a:solidFill>
+                <a:srgbClr val="FF0000"/>
+              </a:solidFill>
+            </a:endParaRPr>
+          </a:p>
+          <a:p>
+            <a:r>
+              <a:rPr lang="en-US" altLang="zh-CN" dirty="0" smtClean="0">
+                <a:solidFill>
+                  <a:srgbClr val="00FF00"/>
+                </a:solidFill>
+              </a:rPr>
+              <a:t>N </a:t>
+            </a:r>
+            <a:r>
+              <a:rPr lang="en-US" altLang="zh-CN" dirty="0" err="1" smtClean="0">
+                <a:solidFill>
+                  <a:srgbClr val="00FF00"/>
+                </a:solidFill>
+              </a:rPr>
+              <a:t>mit</a:t>
+            </a:r>
+            <a:r>
+              <a:rPr lang="en-US" altLang="zh-CN" dirty="0" smtClean="0">
+                <a:solidFill>
+                  <a:srgbClr val="00FF00"/>
+                </a:solidFill>
+              </a:rPr>
+              <a:t> AC</a:t>
+            </a:r>
+            <a:endParaRPr lang="en-US" altLang="zh-CN" dirty="0" smtClean="0">
+              <a:solidFill>
+                <a:srgbClr val="00FF00"/>
+              </a:solidFill>
+            </a:endParaRPr>
+          </a:p>
+          <a:p>
+            <a:r>
+              <a:rPr lang="en-US" altLang="zh-CN" dirty="0" smtClean="0">
+                <a:solidFill>
+                  <a:srgbClr val="0000FF"/>
+                </a:solidFill>
+              </a:rPr>
+              <a:t>P </a:t>
+            </a:r>
+            <a:r>
+              <a:rPr lang="en-US" altLang="zh-CN" dirty="0" err="1" smtClean="0">
+                <a:solidFill>
+                  <a:srgbClr val="0000FF"/>
+                </a:solidFill>
+              </a:rPr>
+              <a:t>mit</a:t>
+            </a:r>
+            <a:r>
+              <a:rPr lang="en-US" altLang="zh-CN" dirty="0" smtClean="0">
+                <a:solidFill>
+                  <a:srgbClr val="0000FF"/>
+                </a:solidFill>
+              </a:rPr>
+              <a:t> AC</a:t>
+            </a:r>
+            <a:endParaRPr lang="en-US" altLang="zh-CN" dirty="0" smtClean="0">
+              <a:solidFill>
+                <a:srgbClr val="0000FF"/>
+              </a:solidFill>
+            </a:endParaRPr>
+          </a:p>
+          <a:p>
+            <a:r>
+              <a:rPr lang="en-US" altLang="zh-CN" dirty="0" smtClean="0">
+                <a:solidFill>
+                  <a:srgbClr val="FFFF00"/>
+                </a:solidFill>
+              </a:rPr>
+              <a:t>R </a:t>
+            </a:r>
+            <a:r>
+              <a:rPr lang="en-US" altLang="zh-CN" dirty="0" err="1" smtClean="0">
+                <a:solidFill>
+                  <a:srgbClr val="FFFF00"/>
+                </a:solidFill>
+              </a:rPr>
+              <a:t>mit</a:t>
+            </a:r>
+            <a:r>
+              <a:rPr lang="en-US" altLang="zh-CN" dirty="0" smtClean="0">
+                <a:solidFill>
+                  <a:srgbClr val="FFFF00"/>
+                </a:solidFill>
+              </a:rPr>
+              <a:t> AC</a:t>
+            </a:r>
+            <a:endParaRPr lang="zh-CN" altLang="en-US" dirty="0">
+              <a:solidFill>
+                <a:srgbClr val="FFFF00"/>
+              </a:solidFill>
+            </a:endParaRPr>
           </a:p>
         </p:txBody>
       </p:sp>
@@ -19013,7 +19472,7 @@
         <p:spPr>
           <a:xfrm>
             <a:off x="291465" y="1133475"/>
-            <a:ext cx="2153920" cy="368300"/>
+            <a:ext cx="2344420" cy="368300"/>
           </a:xfrm>
           <a:prstGeom prst="rect">
             <a:avLst/>
@@ -19041,9 +19500,155 @@
                 <a:cs typeface="Arial" panose="02080604020202020204" pitchFamily="34" charset="0"/>
                 <a:sym typeface="+mn-ea"/>
               </a:rPr>
-              <a:t> D/N/R/P mit All</a:t>
+              <a:t> D/N/R/P ohne Ac</a:t>
             </a:r>
             <a:endParaRPr lang="zh-CN" altLang="en-US"/>
+          </a:p>
+        </p:txBody>
+      </p:sp>
+      <p:sp>
+        <p:nvSpPr>
+          <p:cNvPr id="8" name="文本框 7"/>
+          <p:cNvSpPr txBox="1"/>
+          <p:nvPr/>
+        </p:nvSpPr>
+        <p:spPr>
+          <a:xfrm>
+            <a:off x="7731760" y="2593703"/>
+            <a:ext cx="1103086" cy="2306955"/>
+          </a:xfrm>
+          <a:prstGeom prst="rect">
+            <a:avLst/>
+          </a:prstGeom>
+          <a:noFill/>
+        </p:spPr>
+        <p:txBody>
+          <a:bodyPr wrap="square" rtlCol="0">
+            <a:spAutoFit/>
+          </a:bodyPr>
+          <a:p>
+            <a:r>
+              <a:rPr lang="en-US" altLang="zh-CN" dirty="0" smtClean="0">
+                <a:solidFill>
+                  <a:srgbClr val="FF0000"/>
+                </a:solidFill>
+              </a:rPr>
+              <a:t>D </a:t>
+            </a:r>
+            <a:r>
+              <a:rPr lang="en-US" altLang="zh-CN" dirty="0" err="1" smtClean="0">
+                <a:solidFill>
+                  <a:srgbClr val="FF0000"/>
+                </a:solidFill>
+              </a:rPr>
+              <a:t>mit</a:t>
+            </a:r>
+            <a:r>
+              <a:rPr lang="en-US" altLang="zh-CN" dirty="0" smtClean="0">
+                <a:solidFill>
+                  <a:srgbClr val="FF0000"/>
+                </a:solidFill>
+              </a:rPr>
+              <a:t> AC</a:t>
+            </a:r>
+            <a:endParaRPr lang="en-US" altLang="zh-CN" dirty="0" smtClean="0">
+              <a:solidFill>
+                <a:srgbClr val="FF0000"/>
+              </a:solidFill>
+            </a:endParaRPr>
+          </a:p>
+          <a:p>
+            <a:r>
+              <a:rPr lang="en-US" altLang="zh-CN" dirty="0" smtClean="0">
+                <a:solidFill>
+                  <a:srgbClr val="00FF00"/>
+                </a:solidFill>
+              </a:rPr>
+              <a:t>N </a:t>
+            </a:r>
+            <a:r>
+              <a:rPr lang="en-US" altLang="zh-CN" dirty="0" err="1" smtClean="0">
+                <a:solidFill>
+                  <a:srgbClr val="00FF00"/>
+                </a:solidFill>
+              </a:rPr>
+              <a:t>mit</a:t>
+            </a:r>
+            <a:r>
+              <a:rPr lang="en-US" altLang="zh-CN" dirty="0" smtClean="0">
+                <a:solidFill>
+                  <a:srgbClr val="00FF00"/>
+                </a:solidFill>
+              </a:rPr>
+              <a:t> AC</a:t>
+            </a:r>
+            <a:endParaRPr lang="en-US" altLang="zh-CN" dirty="0" smtClean="0">
+              <a:solidFill>
+                <a:srgbClr val="00FF00"/>
+              </a:solidFill>
+            </a:endParaRPr>
+          </a:p>
+          <a:p>
+            <a:r>
+              <a:rPr lang="en-US" altLang="zh-CN" dirty="0" smtClean="0">
+                <a:solidFill>
+                  <a:srgbClr val="0000FF"/>
+                </a:solidFill>
+              </a:rPr>
+              <a:t>P </a:t>
+            </a:r>
+            <a:r>
+              <a:rPr lang="en-US" altLang="zh-CN" dirty="0" err="1" smtClean="0">
+                <a:solidFill>
+                  <a:srgbClr val="0000FF"/>
+                </a:solidFill>
+              </a:rPr>
+              <a:t>mit</a:t>
+            </a:r>
+            <a:r>
+              <a:rPr lang="en-US" altLang="zh-CN" dirty="0" smtClean="0">
+                <a:solidFill>
+                  <a:srgbClr val="0000FF"/>
+                </a:solidFill>
+              </a:rPr>
+              <a:t> AC</a:t>
+            </a:r>
+            <a:endParaRPr lang="en-US" altLang="zh-CN" dirty="0" smtClean="0">
+              <a:solidFill>
+                <a:srgbClr val="0000FF"/>
+              </a:solidFill>
+            </a:endParaRPr>
+          </a:p>
+          <a:p>
+            <a:r>
+              <a:rPr lang="en-US" altLang="zh-CN" dirty="0" smtClean="0">
+                <a:solidFill>
+                  <a:srgbClr val="FFFF00"/>
+                </a:solidFill>
+              </a:rPr>
+              <a:t>R </a:t>
+            </a:r>
+            <a:r>
+              <a:rPr lang="en-US" altLang="zh-CN" dirty="0" err="1" smtClean="0">
+                <a:solidFill>
+                  <a:srgbClr val="FFFF00"/>
+                </a:solidFill>
+              </a:rPr>
+              <a:t>mit</a:t>
+            </a:r>
+            <a:r>
+              <a:rPr lang="en-US" altLang="zh-CN" dirty="0" smtClean="0">
+                <a:solidFill>
+                  <a:srgbClr val="FFFF00"/>
+                </a:solidFill>
+              </a:rPr>
+              <a:t> AC</a:t>
+            </a:r>
+            <a:endParaRPr lang="zh-CN" altLang="en-US" dirty="0">
+              <a:solidFill>
+                <a:srgbClr val="FFFF00"/>
+              </a:solidFill>
+            </a:endParaRPr>
           </a:p>
         </p:txBody>
       </p:sp>
@@ -19224,28 +19829,24 @@
       </p:sp>
       <p:sp>
         <p:nvSpPr>
-          <p:cNvPr id="15" name="矩形 14"/>
-          <p:cNvSpPr/>
-          <p:nvPr>
-            <p:custDataLst>
-              <p:tags r:id="rId5"/>
-            </p:custDataLst>
-          </p:nvPr>
+          <p:cNvPr id="3" name="文本框 2"/>
+          <p:cNvSpPr txBox="1"/>
+          <p:nvPr/>
         </p:nvSpPr>
         <p:spPr>
           <a:xfrm>
-            <a:off x="189558" y="325230"/>
-            <a:ext cx="7317028" cy="306705"/>
+            <a:off x="158750" y="343989"/>
+            <a:ext cx="2560320" cy="369332"/>
           </a:xfrm>
           <a:prstGeom prst="rect">
             <a:avLst/>
           </a:prstGeom>
+          <a:noFill/>
         </p:spPr>
         <p:txBody>
-          <a:bodyPr wrap="square">
+          <a:bodyPr wrap="square" rtlCol="0">
             <a:spAutoFit/>
           </a:bodyPr>
-          <a:lstStyle/>
           <a:p>
             <a:pPr marL="238760" lvl="0" indent="-238760">
               <a:spcAft>
@@ -19254,17 +19855,10 @@
               <a:defRPr/>
             </a:pPr>
             <a:r>
-              <a:rPr lang="en-US" altLang="de-DE" sz="1400" b="1" dirty="0" smtClean="0">
-                <a:solidFill>
-                  <a:srgbClr val="000000"/>
-                </a:solidFill>
-                <a:latin typeface="Arial" panose="02080604020202020204" pitchFamily="34" charset="0"/>
-                <a:ea typeface="宋体" pitchFamily="2" charset="-122"/>
-                <a:cs typeface="Arial" panose="02080604020202020204" pitchFamily="34" charset="0"/>
-              </a:rPr>
-              <a:t>Leerlauf-Komfort</a:t>
-            </a:r>
-            <a:endParaRPr lang="en-US" altLang="de-DE" sz="1200" b="1" dirty="0" smtClean="0">
+              <a:rPr lang="en-US" altLang="zh-CN" b="1" dirty="0" smtClean="0"/>
+              <a:t>Start-Stop</a:t>
+            </a:r>
+            <a:endParaRPr lang="de-DE" altLang="zh-CN" b="1" dirty="0">
               <a:solidFill>
                 <a:srgbClr val="505050">
                   <a:lumMod val="50000"/>
@@ -19274,322 +19868,6 @@
               <a:ea typeface="宋体" pitchFamily="2" charset="-122"/>
               <a:cs typeface="Arial" panose="02080604020202020204" pitchFamily="34" charset="0"/>
             </a:endParaRPr>
-          </a:p>
-        </p:txBody>
-      </p:sp>
-      <p:sp>
-        <p:nvSpPr>
-          <p:cNvPr id="2" name="文本框 1"/>
-          <p:cNvSpPr txBox="1"/>
-          <p:nvPr/>
-        </p:nvSpPr>
-        <p:spPr>
-          <a:xfrm>
-            <a:off x="291465" y="1133475"/>
-            <a:ext cx="2153920" cy="368300"/>
-          </a:xfrm>
-          <a:prstGeom prst="rect">
-            <a:avLst/>
-          </a:prstGeom>
-          <a:noFill/>
-        </p:spPr>
-        <p:txBody>
-          <a:bodyPr wrap="none" rtlCol="0" anchor="t">
-            <a:spAutoFit/>
-          </a:bodyPr>
-          <a:p>
-            <a:pPr marL="238760" lvl="0" indent="-238760">
-              <a:spcAft>
-                <a:spcPct val="30000"/>
-              </a:spcAft>
-              <a:defRPr/>
-            </a:pPr>
-            <a:r>
-              <a:rPr lang="en-US" altLang="de-DE" b="1" dirty="0" smtClean="0">
-                <a:solidFill>
-                  <a:srgbClr val="000000"/>
-                </a:solidFill>
-                <a:latin typeface="Arial" panose="02080604020202020204" pitchFamily="34" charset="0"/>
-                <a:ea typeface="宋体" pitchFamily="2" charset="-122"/>
-                <a:cs typeface="Arial" panose="02080604020202020204" pitchFamily="34" charset="0"/>
-                <a:sym typeface="+mn-ea"/>
-              </a:rPr>
-              <a:t> D/N/R/P mit All</a:t>
-            </a:r>
-            <a:endParaRPr lang="zh-CN" altLang="en-US"/>
-          </a:p>
-        </p:txBody>
-      </p:sp>
-    </p:spTree>
-  </p:cSld>
-  <p:clrMapOvr>
-    <a:masterClrMapping/>
-  </p:clrMapOvr>
-  <p:timing>
-    <p:tnLst>
-      <p:par>
-        <p:cTn id="1" dur="indefinite" restart="never" nodeType="tmRoot"/>
-      </p:par>
-    </p:tnLst>
-  </p:timing>
-</p:sld>
-</file>
-
-<file path=ppt/slides/slide14.xml><?xml version="1.0" encoding="utf-8"?>
-<p:sld xmlns:a="http://schemas.openxmlformats.org/drawingml/2006/main" xmlns:r="http://schemas.openxmlformats.org/officeDocument/2006/relationships" xmlns:p="http://schemas.openxmlformats.org/presentationml/2006/main">
-  <p:cSld>
-    <p:spTree>
-      <p:nvGrpSpPr>
-        <p:cNvPr id="1" name=""/>
-        <p:cNvGrpSpPr/>
-        <p:nvPr/>
-      </p:nvGrpSpPr>
-      <p:grpSpPr>
-        <a:xfrm>
-          <a:off x="0" y="0"/>
-          <a:ext cx="0" cy="0"/>
-          <a:chOff x="0" y="0"/>
-          <a:chExt cx="0" cy="0"/>
-        </a:xfrm>
-      </p:grpSpPr>
-      <p:graphicFrame>
-        <p:nvGraphicFramePr>
-          <p:cNvPr id="13" name="对象 12" hidden="1"/>
-          <p:cNvGraphicFramePr>
-            <a:graphicFrameLocks noChangeAspect="1"/>
-          </p:cNvGraphicFramePr>
-          <p:nvPr>
-            <p:custDataLst>
-              <p:tags r:id="rId1"/>
-            </p:custDataLst>
-          </p:nvPr>
-        </p:nvGraphicFramePr>
-        <p:xfrm>
-          <a:off x="0" y="0"/>
-          <a:ext cx="158750" cy="158750"/>
-        </p:xfrm>
-        <a:graphic>
-          <a:graphicData uri="http://schemas.openxmlformats.org/presentationml/2006/ole">
-            <mc:AlternateContent xmlns:mc="http://schemas.openxmlformats.org/markup-compatibility/2006">
-              <mc:Choice xmlns:v="urn:schemas-microsoft-com:vml" Requires="v">
-                <p:oleObj spid="_x0000_s1042" name="think-cell Slide" r:id="rId2" imgW="0" imgH="0" progId="TCLayout.ActiveDocument.1">
-                  <p:embed/>
-                </p:oleObj>
-              </mc:Choice>
-              <mc:Fallback>
-                <p:oleObj name="think-cell Slide" r:id="rId2" imgW="0" imgH="0" progId="TCLayout.ActiveDocument.1">
-                  <p:embed/>
-                  <p:pic>
-                    <p:nvPicPr>
-                      <p:cNvPr id="0" name="图片 1041"/>
-                      <p:cNvPicPr/>
-                      <p:nvPr/>
-                    </p:nvPicPr>
-                    <p:blipFill>
-                      <a:blip r:embed="rId3"/>
-                      <a:stretch>
-                        <a:fillRect/>
-                      </a:stretch>
-                    </p:blipFill>
-                    <p:spPr>
-                      <a:xfrm>
-                        <a:off x="0" y="0"/>
-                        <a:ext cx="158750" cy="158750"/>
-                      </a:xfrm>
-                      <a:prstGeom prst="rect">
-                        <a:avLst/>
-                      </a:prstGeom>
-                    </p:spPr>
-                  </p:pic>
-                </p:oleObj>
-              </mc:Fallback>
-            </mc:AlternateContent>
-          </a:graphicData>
-        </a:graphic>
-      </p:graphicFrame>
-      <p:sp>
-        <p:nvSpPr>
-          <p:cNvPr id="4" name="矩形 3" hidden="1"/>
-          <p:cNvSpPr/>
-          <p:nvPr>
-            <p:custDataLst>
-              <p:tags r:id="rId4"/>
-            </p:custDataLst>
-          </p:nvPr>
-        </p:nvSpPr>
-        <p:spPr bwMode="auto">
-          <a:xfrm>
-            <a:off x="0" y="0"/>
-            <a:ext cx="158750" cy="158750"/>
-          </a:xfrm>
-          <a:prstGeom prst="rect">
-            <a:avLst/>
-          </a:prstGeom>
-          <a:gradFill flip="none" rotWithShape="1">
-            <a:gsLst>
-              <a:gs pos="0">
-                <a:schemeClr val="accent1">
-                  <a:tint val="100000"/>
-                  <a:shade val="100000"/>
-                  <a:satMod val="130000"/>
-                </a:schemeClr>
-              </a:gs>
-              <a:gs pos="100000">
-                <a:schemeClr val="accent1">
-                  <a:tint val="50000"/>
-                  <a:shade val="100000"/>
-                  <a:satMod val="350000"/>
-                </a:schemeClr>
-              </a:gs>
-            </a:gsLst>
-            <a:lin ang="16200000" scaled="0"/>
-            <a:tileRect/>
-          </a:gradFill>
-          <a:effectLst/>
-          <a:extLst>
-            <a:ext uri="{AF507438-7753-43E0-B8FC-AC1667EBCBE1}">
-              <a14:hiddenEffects xmlns:a14="http://schemas.microsoft.com/office/drawing/2010/main">
-                <a:effectLst>
-                  <a:outerShdw blurRad="40000" dist="23000" dir="5400000" rotWithShape="0">
-                    <a:srgbClr val="000000">
-                      <a:alpha val="35000"/>
-                    </a:srgbClr>
-                  </a:outerShdw>
-                </a:effectLst>
-              </a14:hiddenEffects>
-            </a:ext>
-          </a:extLst>
-        </p:spPr>
-        <p:style>
-          <a:lnRef idx="1">
-            <a:schemeClr val="accent1"/>
-          </a:lnRef>
-          <a:fillRef idx="3">
-            <a:schemeClr val="accent1"/>
-          </a:fillRef>
-          <a:effectRef idx="2">
-            <a:schemeClr val="accent1"/>
-          </a:effectRef>
-          <a:fontRef idx="minor">
-            <a:schemeClr val="lt1"/>
-          </a:fontRef>
-        </p:style>
-        <p:txBody>
-          <a:bodyPr wrap="none" lIns="0" tIns="0" rIns="0" bIns="0" rtlCol="0" anchor="ctr"/>
-          <a:lstStyle/>
-          <a:p>
-            <a:pPr algn="ctr">
-              <a:spcBef>
-                <a:spcPct val="0"/>
-              </a:spcBef>
-              <a:spcAft>
-                <a:spcPct val="0"/>
-              </a:spcAft>
-            </a:pPr>
-            <a:endParaRPr lang="zh-CN" altLang="en-US" sz="1200">
-              <a:latin typeface="Arial"/>
-              <a:ea typeface="微软雅黑"/>
-              <a:cs typeface="Arial"/>
-              <a:sym typeface="Arial"/>
-            </a:endParaRPr>
-          </a:p>
-        </p:txBody>
-      </p:sp>
-      <p:sp>
-        <p:nvSpPr>
-          <p:cNvPr id="15" name="矩形 14"/>
-          <p:cNvSpPr/>
-          <p:nvPr>
-            <p:custDataLst>
-              <p:tags r:id="rId5"/>
-            </p:custDataLst>
-          </p:nvPr>
-        </p:nvSpPr>
-        <p:spPr>
-          <a:xfrm>
-            <a:off x="189558" y="325230"/>
-            <a:ext cx="7317028" cy="306705"/>
-          </a:xfrm>
-          <a:prstGeom prst="rect">
-            <a:avLst/>
-          </a:prstGeom>
-        </p:spPr>
-        <p:txBody>
-          <a:bodyPr wrap="square">
-            <a:spAutoFit/>
-          </a:bodyPr>
-          <a:lstStyle/>
-          <a:p>
-            <a:pPr marL="238760" lvl="0" indent="-238760">
-              <a:spcAft>
-                <a:spcPct val="30000"/>
-              </a:spcAft>
-              <a:defRPr/>
-            </a:pPr>
-            <a:r>
-              <a:rPr lang="en-US" altLang="de-DE" sz="1400" b="1" dirty="0" smtClean="0">
-                <a:solidFill>
-                  <a:srgbClr val="000000"/>
-                </a:solidFill>
-                <a:latin typeface="Arial" panose="02080604020202020204" pitchFamily="34" charset="0"/>
-                <a:ea typeface="宋体" pitchFamily="2" charset="-122"/>
-                <a:cs typeface="Arial" panose="02080604020202020204" pitchFamily="34" charset="0"/>
-              </a:rPr>
-              <a:t>Start-Stop</a:t>
-            </a:r>
-            <a:endParaRPr lang="en-US" altLang="de-DE" sz="1200" b="1" dirty="0" smtClean="0">
-              <a:solidFill>
-                <a:srgbClr val="505050">
-                  <a:lumMod val="50000"/>
-                </a:srgbClr>
-              </a:solidFill>
-              <a:latin typeface="Arial" panose="02080604020202020204" pitchFamily="34" charset="0"/>
-              <a:ea typeface="宋体" pitchFamily="2" charset="-122"/>
-              <a:cs typeface="Arial" panose="02080604020202020204" pitchFamily="34" charset="0"/>
-            </a:endParaRPr>
-          </a:p>
-        </p:txBody>
-      </p:sp>
-      <p:sp>
-        <p:nvSpPr>
-          <p:cNvPr id="2" name="文本框 1"/>
-          <p:cNvSpPr txBox="1"/>
-          <p:nvPr/>
-        </p:nvSpPr>
-        <p:spPr>
-          <a:xfrm>
-            <a:off x="291465" y="1133475"/>
-            <a:ext cx="1544320" cy="368300"/>
-          </a:xfrm>
-          <a:prstGeom prst="rect">
-            <a:avLst/>
-          </a:prstGeom>
-          <a:noFill/>
-        </p:spPr>
-        <p:txBody>
-          <a:bodyPr wrap="none" rtlCol="0" anchor="t">
-            <a:spAutoFit/>
-          </a:bodyPr>
-          <a:p>
-            <a:pPr marL="238760" lvl="0" indent="-238760" algn="l">
-              <a:spcAft>
-                <a:spcPct val="30000"/>
-              </a:spcAft>
-              <a:defRPr/>
-            </a:pPr>
-            <a:r>
-              <a:rPr lang="en-US" altLang="de-DE" b="1" dirty="0" smtClean="0">
-                <a:solidFill>
-                  <a:srgbClr val="000000"/>
-                </a:solidFill>
-                <a:latin typeface="Arial" panose="02080604020202020204" pitchFamily="34" charset="0"/>
-                <a:ea typeface="宋体" pitchFamily="2" charset="-122"/>
-                <a:cs typeface="Arial" panose="02080604020202020204" pitchFamily="34" charset="0"/>
-                <a:sym typeface="+mn-ea"/>
-              </a:rPr>
-              <a:t> start-stop</a:t>
-            </a:r>
-            <a:endParaRPr lang="zh-CN" altLang="en-US"/>
           </a:p>
         </p:txBody>
       </p:sp>
@@ -19627,7 +19905,7 @@
       </p:grpSpPr>
       <p:graphicFrame>
         <p:nvGraphicFramePr>
-          <p:cNvPr id="13" name="对象 12" hidden="1"/>
+          <p:cNvPr id="5" name="对象 4" hidden="1"/>
           <p:cNvGraphicFramePr>
             <a:graphicFrameLocks noChangeAspect="1"/>
           </p:cNvGraphicFramePr>
@@ -19645,16 +19923,16 @@
           <a:graphicData uri="http://schemas.openxmlformats.org/presentationml/2006/ole">
             <mc:AlternateContent xmlns:mc="http://schemas.openxmlformats.org/markup-compatibility/2006">
               <mc:Choice xmlns:v="urn:schemas-microsoft-com:vml" Requires="v">
-                <p:oleObj spid="_x0000_s1042" name="think-cell Slide" r:id="rId2" imgW="0" imgH="0" progId="TCLayout.ActiveDocument.1">
+                <p:oleObj spid="_x0000_s41061" name="think-cell 幻灯片" r:id="rId2" imgW="0" imgH="0" progId="TCLayout.ActiveDocument.1">
                   <p:embed/>
                 </p:oleObj>
               </mc:Choice>
               <mc:Fallback>
-                <p:oleObj name="think-cell Slide" r:id="rId2" imgW="0" imgH="0" progId="TCLayout.ActiveDocument.1">
+                <p:oleObj name="think-cell 幻灯片" r:id="rId2" imgW="0" imgH="0" progId="TCLayout.ActiveDocument.1">
                   <p:embed/>
                   <p:pic>
                     <p:nvPicPr>
-                      <p:cNvPr id="0" name="图片 1041"/>
+                      <p:cNvPr id="0" name="对象 4" hidden="1"/>
                       <p:cNvPicPr/>
                       <p:nvPr/>
                     </p:nvPicPr>
@@ -19682,7 +19960,7 @@
       </p:graphicFrame>
       <p:sp>
         <p:nvSpPr>
-          <p:cNvPr id="4" name="矩形 3" hidden="1"/>
+          <p:cNvPr id="6" name="矩形 5"/>
           <p:cNvSpPr/>
           <p:nvPr>
             <p:custDataLst>
@@ -19690,48 +19968,498 @@
             </p:custDataLst>
           </p:nvPr>
         </p:nvSpPr>
-        <p:spPr bwMode="auto">
+        <p:spPr>
           <a:xfrm>
-            <a:off x="0" y="0"/>
-            <a:ext cx="158750" cy="158750"/>
+            <a:off x="158750" y="158750"/>
+            <a:ext cx="8188415" cy="729430"/>
           </a:xfrm>
           <a:prstGeom prst="rect">
             <a:avLst/>
           </a:prstGeom>
-          <a:gradFill flip="none" rotWithShape="1">
-            <a:gsLst>
-              <a:gs pos="0">
-                <a:schemeClr val="accent1">
-                  <a:tint val="100000"/>
-                  <a:shade val="100000"/>
-                  <a:satMod val="130000"/>
+        </p:spPr>
+        <p:txBody>
+          <a:bodyPr wrap="square">
+            <a:spAutoFit/>
+          </a:bodyPr>
+          <a:lstStyle/>
+          <a:p>
+            <a:pPr marL="238760" lvl="0" indent="-238760">
+              <a:spcAft>
+                <a:spcPct val="30000"/>
+              </a:spcAft>
+              <a:defRPr/>
+            </a:pPr>
+            <a:r>
+              <a:rPr lang="de-DE" altLang="zh-CN" b="1" dirty="0">
+                <a:solidFill>
+                  <a:srgbClr val="000000"/>
+                </a:solidFill>
+                <a:latin typeface="Arial" panose="02080604020202020204" pitchFamily="34" charset="0"/>
+                <a:ea typeface="宋体" pitchFamily="2" charset="-122"/>
+                <a:cs typeface="Arial" panose="02080604020202020204" pitchFamily="34" charset="0"/>
+              </a:rPr>
+              <a:t>VW</a:t>
+            </a:r>
+            <a:r>
+              <a:rPr lang="en-US" altLang="zh-CN" b="1" dirty="0">
+                <a:solidFill>
+                  <a:srgbClr val="000000"/>
+                </a:solidFill>
+                <a:latin typeface="Arial" panose="02080604020202020204" pitchFamily="34" charset="0"/>
+                <a:ea typeface="宋体" pitchFamily="2" charset="-122"/>
+                <a:cs typeface="Arial" panose="02080604020202020204" pitchFamily="34" charset="0"/>
+              </a:rPr>
+              <a:t>326</a:t>
+            </a:r>
+            <a:r>
+              <a:rPr lang="de-DE" altLang="zh-CN" b="1" dirty="0">
+                <a:solidFill>
+                  <a:srgbClr val="000000"/>
+                </a:solidFill>
+                <a:latin typeface="Arial" panose="02080604020202020204" pitchFamily="34" charset="0"/>
+                <a:ea typeface="宋体" pitchFamily="2" charset="-122"/>
+                <a:cs typeface="Arial" panose="02080604020202020204" pitchFamily="34" charset="0"/>
+              </a:rPr>
+              <a:t>/1CS_KL  T</a:t>
+            </a:r>
+            <a:r>
+              <a:rPr lang="en-US" altLang="zh-CN" b="1" dirty="0" err="1">
+                <a:solidFill>
+                  <a:srgbClr val="000000"/>
+                </a:solidFill>
+                <a:latin typeface="Arial" panose="02080604020202020204" pitchFamily="34" charset="0"/>
+                <a:ea typeface="宋体" pitchFamily="2" charset="-122"/>
+                <a:cs typeface="Arial" panose="02080604020202020204" pitchFamily="34" charset="0"/>
+              </a:rPr>
+              <a:t>iguan</a:t>
+            </a:r>
+            <a:r>
+              <a:rPr lang="en-US" altLang="zh-CN" b="1" dirty="0">
+                <a:solidFill>
+                  <a:srgbClr val="000000"/>
+                </a:solidFill>
+                <a:latin typeface="Arial" panose="02080604020202020204" pitchFamily="34" charset="0"/>
+                <a:ea typeface="宋体" pitchFamily="2" charset="-122"/>
+                <a:cs typeface="Arial" panose="02080604020202020204" pitchFamily="34" charset="0"/>
+              </a:rPr>
+              <a:t> L Coupe</a:t>
+            </a:r>
+            <a:r>
+              <a:rPr lang="de-DE" altLang="zh-CN" b="1" dirty="0">
+                <a:solidFill>
+                  <a:srgbClr val="000000"/>
+                </a:solidFill>
+                <a:latin typeface="Arial" panose="02080604020202020204" pitchFamily="34" charset="0"/>
+                <a:ea typeface="宋体" pitchFamily="2" charset="-122"/>
+                <a:cs typeface="Arial" panose="02080604020202020204" pitchFamily="34" charset="0"/>
+              </a:rPr>
+              <a:t> 2.0T/162KW CVF08/20 Fahrzeug </a:t>
+            </a:r>
+            <a:endParaRPr lang="de-DE" altLang="zh-CN" b="1" dirty="0" smtClean="0">
+              <a:solidFill>
+                <a:srgbClr val="000000"/>
+              </a:solidFill>
+              <a:latin typeface="Arial" panose="02080604020202020204" pitchFamily="34" charset="0"/>
+              <a:ea typeface="宋体" pitchFamily="2" charset="-122"/>
+              <a:cs typeface="Arial" panose="02080604020202020204" pitchFamily="34" charset="0"/>
+            </a:endParaRPr>
+          </a:p>
+          <a:p>
+            <a:pPr marL="238760" lvl="0" indent="-238760">
+              <a:spcAft>
+                <a:spcPct val="30000"/>
+              </a:spcAft>
+              <a:defRPr/>
+            </a:pPr>
+            <a:r>
+              <a:rPr lang="de-DE" altLang="zh-CN" b="1" dirty="0" smtClean="0">
+                <a:solidFill>
+                  <a:srgbClr val="000000"/>
+                </a:solidFill>
+                <a:latin typeface="Arial" panose="02080604020202020204" pitchFamily="34" charset="0"/>
+                <a:ea typeface="宋体" pitchFamily="2" charset="-122"/>
+                <a:cs typeface="Arial" panose="02080604020202020204" pitchFamily="34" charset="0"/>
+              </a:rPr>
+              <a:t>A9I-316 </a:t>
+            </a:r>
+            <a:r>
+              <a:rPr lang="de-DE" altLang="zh-CN" sz="1600" b="1" dirty="0" smtClean="0">
+                <a:solidFill>
+                  <a:schemeClr val="tx1">
+                    <a:lumMod val="95000"/>
+                    <a:lumOff val="5000"/>
+                  </a:schemeClr>
+                </a:solidFill>
+                <a:latin typeface="Arial" panose="02080604020202020204" pitchFamily="34" charset="0"/>
+                <a:ea typeface="宋体" pitchFamily="2" charset="-122"/>
+                <a:cs typeface="Arial" panose="02080604020202020204" pitchFamily="34" charset="0"/>
+              </a:rPr>
+              <a:t>Gesamtfahrzeug </a:t>
+            </a:r>
+            <a:r>
+              <a:rPr lang="de-DE" altLang="zh-CN" sz="1600" b="1" dirty="0">
+                <a:solidFill>
+                  <a:schemeClr val="tx1">
+                    <a:lumMod val="95000"/>
+                    <a:lumOff val="5000"/>
+                  </a:schemeClr>
+                </a:solidFill>
+                <a:latin typeface="Arial" panose="02080604020202020204" pitchFamily="34" charset="0"/>
+                <a:ea typeface="宋体" pitchFamily="2" charset="-122"/>
+                <a:cs typeface="Arial" panose="02080604020202020204" pitchFamily="34" charset="0"/>
+              </a:rPr>
+              <a:t>Akustik Status</a:t>
+            </a:r>
+            <a:endParaRPr lang="de-DE" altLang="zh-CN" sz="1600" b="1" dirty="0">
+              <a:solidFill>
+                <a:schemeClr val="tx1">
+                  <a:lumMod val="95000"/>
+                  <a:lumOff val="5000"/>
                 </a:schemeClr>
-              </a:gs>
-              <a:gs pos="100000">
-                <a:schemeClr val="accent1">
-                  <a:tint val="50000"/>
-                  <a:shade val="100000"/>
-                  <a:satMod val="350000"/>
-                </a:schemeClr>
-              </a:gs>
-            </a:gsLst>
-            <a:lin ang="16200000" scaled="0"/>
-            <a:tileRect/>
-          </a:gradFill>
-          <a:effectLst/>
-          <a:extLst>
-            <a:ext uri="{AF507438-7753-43E0-B8FC-AC1667EBCBE1}">
-              <a14:hiddenEffects xmlns:a14="http://schemas.microsoft.com/office/drawing/2010/main">
-                <a:effectLst>
-                  <a:outerShdw blurRad="40000" dist="23000" dir="5400000" rotWithShape="0">
-                    <a:srgbClr val="000000">
-                      <a:alpha val="35000"/>
-                    </a:srgbClr>
-                  </a:outerShdw>
-                </a:effectLst>
-              </a14:hiddenEffects>
-            </a:ext>
-          </a:extLst>
+              </a:solidFill>
+              <a:latin typeface="Arial" panose="02080604020202020204" pitchFamily="34" charset="0"/>
+              <a:ea typeface="宋体" pitchFamily="2" charset="-122"/>
+              <a:cs typeface="Arial" panose="02080604020202020204" pitchFamily="34" charset="0"/>
+            </a:endParaRPr>
+          </a:p>
+        </p:txBody>
+      </p:sp>
+      <p:sp>
+        <p:nvSpPr>
+          <p:cNvPr id="14" name="Rectangle 10"/>
+          <p:cNvSpPr>
+            <a:spLocks noChangeArrowheads="1"/>
+          </p:cNvSpPr>
+          <p:nvPr/>
+        </p:nvSpPr>
+        <p:spPr bwMode="auto">
+          <a:xfrm>
+            <a:off x="249624" y="1043811"/>
+            <a:ext cx="8894376" cy="5025198"/>
+          </a:xfrm>
+          <a:prstGeom prst="rect">
+            <a:avLst/>
+          </a:prstGeom>
+          <a:solidFill>
+            <a:schemeClr val="bg1"/>
+          </a:solidFill>
+          <a:ln w="9525">
+            <a:noFill/>
+            <a:miter lim="800000"/>
+          </a:ln>
+        </p:spPr>
+        <p:txBody>
+          <a:bodyPr lIns="91427" tIns="45714" rIns="91427" bIns="45714"/>
+          <a:lstStyle/>
+          <a:p>
+            <a:pPr marL="270510" indent="-270510">
+              <a:lnSpc>
+                <a:spcPct val="150000"/>
+              </a:lnSpc>
+            </a:pPr>
+            <a:r>
+              <a:rPr lang="de-DE" altLang="zh-CN" sz="1400" b="1" dirty="0" smtClean="0"/>
+              <a:t>Hintergrund:</a:t>
+            </a:r>
+            <a:endParaRPr lang="de-DE" altLang="zh-CN" sz="1400" b="1" dirty="0" smtClean="0"/>
+          </a:p>
+          <a:p>
+            <a:pPr marL="270510" indent="-270510">
+              <a:lnSpc>
+                <a:spcPct val="150000"/>
+              </a:lnSpc>
+            </a:pPr>
+            <a:r>
+              <a:rPr lang="de-DE" altLang="zh-CN" sz="1400" dirty="0" smtClean="0"/>
+              <a:t>.</a:t>
+            </a:r>
+            <a:r>
+              <a:rPr lang="zh-CN" altLang="en-US" sz="1400" dirty="0" smtClean="0"/>
+              <a:t>***内容****</a:t>
+            </a:r>
+            <a:endParaRPr lang="en-US" altLang="zh-CN" sz="1400" dirty="0" smtClean="0"/>
+          </a:p>
+          <a:p>
+            <a:pPr marL="270510" indent="-270510">
+              <a:lnSpc>
+                <a:spcPct val="150000"/>
+              </a:lnSpc>
+            </a:pPr>
+            <a:r>
+              <a:rPr lang="de-DE" altLang="zh-CN" sz="1400" b="1" dirty="0" err="1" smtClean="0">
+                <a:cs typeface="Arial" panose="02080604020202020204" pitchFamily="34" charset="0"/>
+              </a:rPr>
+              <a:t>Fzg</a:t>
+            </a:r>
+            <a:r>
+              <a:rPr lang="de-DE" altLang="zh-CN" sz="1400" b="1" dirty="0" smtClean="0">
+                <a:cs typeface="Arial" panose="02080604020202020204" pitchFamily="34" charset="0"/>
+              </a:rPr>
+              <a:t>. Info.:</a:t>
+            </a:r>
+            <a:endParaRPr lang="de-DE" altLang="zh-CN" sz="1400" b="1" dirty="0">
+              <a:cs typeface="Arial" panose="02080604020202020204" pitchFamily="34" charset="0"/>
+            </a:endParaRPr>
+          </a:p>
+          <a:p>
+            <a:pPr marL="3810" indent="-295275">
+              <a:lnSpc>
+                <a:spcPct val="150000"/>
+              </a:lnSpc>
+              <a:spcAft>
+                <a:spcPct val="30000"/>
+              </a:spcAft>
+            </a:pPr>
+            <a:r>
+              <a:rPr lang="de-DE" altLang="zh-CN" sz="1400" dirty="0"/>
+              <a:t>.</a:t>
+            </a:r>
+            <a:r>
+              <a:rPr lang="zh-CN" altLang="en-US" sz="1400" dirty="0"/>
+              <a:t>***内容</a:t>
+            </a:r>
+            <a:r>
+              <a:rPr lang="zh-CN" altLang="en-US" sz="1400" dirty="0" smtClean="0"/>
+              <a:t>****</a:t>
+            </a:r>
+            <a:endParaRPr lang="en-US" altLang="zh-CN" sz="1400" b="1" dirty="0" smtClean="0">
+              <a:cs typeface="Arial" panose="02080604020202020204" pitchFamily="34" charset="0"/>
+            </a:endParaRPr>
+          </a:p>
+          <a:p>
+            <a:pPr marL="3810" indent="-295275">
+              <a:lnSpc>
+                <a:spcPct val="150000"/>
+              </a:lnSpc>
+              <a:spcAft>
+                <a:spcPct val="30000"/>
+              </a:spcAft>
+            </a:pPr>
+            <a:r>
+              <a:rPr lang="en-US" altLang="zh-CN" sz="1400" b="1" dirty="0" err="1" smtClean="0">
+                <a:cs typeface="Arial" panose="02080604020202020204" pitchFamily="34" charset="0"/>
+              </a:rPr>
+              <a:t>Messung</a:t>
+            </a:r>
+            <a:r>
+              <a:rPr lang="en-US" altLang="zh-CN" sz="1400" b="1" dirty="0" smtClean="0">
+                <a:cs typeface="Arial" panose="02080604020202020204" pitchFamily="34" charset="0"/>
+              </a:rPr>
+              <a:t> </a:t>
+            </a:r>
+            <a:r>
+              <a:rPr lang="en-US" altLang="zh-CN" sz="1400" b="1" dirty="0" err="1" smtClean="0">
+                <a:cs typeface="Arial" panose="02080604020202020204" pitchFamily="34" charset="0"/>
+              </a:rPr>
+              <a:t>Zustand</a:t>
+            </a:r>
+            <a:r>
+              <a:rPr lang="de-DE" altLang="zh-CN" sz="1400" b="1" dirty="0" smtClean="0">
+                <a:cs typeface="Arial" panose="02080604020202020204" pitchFamily="34" charset="0"/>
+              </a:rPr>
+              <a:t>:</a:t>
+            </a:r>
+            <a:endParaRPr lang="en-US" altLang="zh-CN" sz="1400" dirty="0"/>
+          </a:p>
+          <a:p>
+            <a:pPr marL="3810" indent="-295275">
+              <a:lnSpc>
+                <a:spcPct val="150000"/>
+              </a:lnSpc>
+              <a:spcAft>
+                <a:spcPct val="30000"/>
+              </a:spcAft>
+            </a:pPr>
+            <a:r>
+              <a:rPr lang="de-DE" altLang="zh-CN" sz="1400" dirty="0"/>
+              <a:t>.</a:t>
+            </a:r>
+            <a:r>
+              <a:rPr lang="zh-CN" altLang="en-US" sz="1400" dirty="0"/>
+              <a:t>***内容</a:t>
+            </a:r>
+            <a:r>
+              <a:rPr lang="zh-CN" altLang="en-US" sz="1400" dirty="0" smtClean="0"/>
+              <a:t>****</a:t>
+            </a:r>
+            <a:endParaRPr lang="en-US" altLang="zh-CN" sz="1400" b="1" dirty="0" smtClean="0">
+              <a:cs typeface="Arial" panose="02080604020202020204" pitchFamily="34" charset="0"/>
+            </a:endParaRPr>
+          </a:p>
+          <a:p>
+            <a:pPr marL="3810" indent="-295275">
+              <a:lnSpc>
+                <a:spcPct val="150000"/>
+              </a:lnSpc>
+              <a:spcAft>
+                <a:spcPct val="30000"/>
+              </a:spcAft>
+            </a:pPr>
+            <a:r>
+              <a:rPr lang="en-US" altLang="zh-CN" sz="1400" b="1" dirty="0" err="1" smtClean="0">
+                <a:cs typeface="Arial" panose="02080604020202020204" pitchFamily="34" charset="0"/>
+              </a:rPr>
+              <a:t>Faizt</a:t>
+            </a:r>
+            <a:r>
+              <a:rPr lang="en-US" altLang="zh-CN" sz="1400" b="1" dirty="0" smtClean="0">
+                <a:cs typeface="Arial" panose="02080604020202020204" pitchFamily="34" charset="0"/>
+              </a:rPr>
+              <a:t>:</a:t>
+            </a:r>
+            <a:endParaRPr lang="en-US" altLang="zh-CN" sz="1400" b="1" dirty="0">
+              <a:cs typeface="Arial" panose="02080604020202020204" pitchFamily="34" charset="0"/>
+            </a:endParaRPr>
+          </a:p>
+          <a:p>
+            <a:pPr>
+              <a:lnSpc>
+                <a:spcPct val="150000"/>
+              </a:lnSpc>
+              <a:spcAft>
+                <a:spcPct val="30000"/>
+              </a:spcAft>
+            </a:pPr>
+            <a:r>
+              <a:rPr lang="de-DE" altLang="zh-CN" sz="1400" dirty="0"/>
+              <a:t>.</a:t>
+            </a:r>
+            <a:r>
+              <a:rPr lang="zh-CN" altLang="en-US" sz="1400" dirty="0"/>
+              <a:t>***内容</a:t>
+            </a:r>
+            <a:r>
+              <a:rPr lang="zh-CN" altLang="en-US" sz="1400" dirty="0" smtClean="0"/>
+              <a:t>****</a:t>
+            </a:r>
+            <a:endParaRPr lang="en-US" altLang="zh-CN" sz="1400" dirty="0" smtClean="0"/>
+          </a:p>
+          <a:p>
+            <a:pPr marL="3810" indent="-295275">
+              <a:lnSpc>
+                <a:spcPct val="150000"/>
+              </a:lnSpc>
+              <a:spcAft>
+                <a:spcPct val="30000"/>
+              </a:spcAft>
+            </a:pPr>
+            <a:r>
+              <a:rPr lang="en-US" altLang="zh-CN" sz="1400" b="1" dirty="0" err="1" smtClean="0">
+                <a:cs typeface="Arial" panose="02080604020202020204" pitchFamily="34" charset="0"/>
+              </a:rPr>
+              <a:t>Weit</a:t>
+            </a:r>
+            <a:r>
+              <a:rPr lang="en-US" altLang="zh-CN" sz="1400" b="1" dirty="0">
+                <a:cs typeface="Arial" panose="02080604020202020204" pitchFamily="34" charset="0"/>
+              </a:rPr>
+              <a:t>:</a:t>
+            </a:r>
+            <a:endParaRPr lang="en-US" altLang="zh-CN" sz="1400" b="1" dirty="0">
+              <a:cs typeface="Arial" panose="02080604020202020204" pitchFamily="34" charset="0"/>
+            </a:endParaRPr>
+          </a:p>
+          <a:p>
+            <a:pPr>
+              <a:lnSpc>
+                <a:spcPct val="150000"/>
+              </a:lnSpc>
+              <a:spcAft>
+                <a:spcPct val="30000"/>
+              </a:spcAft>
+            </a:pPr>
+            <a:r>
+              <a:rPr lang="de-DE" altLang="zh-CN" sz="1400" dirty="0"/>
+              <a:t>.</a:t>
+            </a:r>
+            <a:r>
+              <a:rPr lang="zh-CN" altLang="en-US" sz="1400" dirty="0"/>
+              <a:t>***内容</a:t>
+            </a:r>
+            <a:r>
+              <a:rPr lang="zh-CN" altLang="en-US" sz="1400" dirty="0" smtClean="0"/>
+              <a:t>****</a:t>
+            </a:r>
+            <a:endParaRPr lang="de-DE" altLang="zh-CN" sz="1400" b="1" dirty="0" smtClean="0"/>
+          </a:p>
+          <a:p>
+            <a:pPr marL="270510" indent="-270510">
+              <a:lnSpc>
+                <a:spcPct val="150000"/>
+              </a:lnSpc>
+            </a:pPr>
+            <a:endParaRPr lang="de-DE" altLang="zh-CN" sz="1400" b="1" dirty="0"/>
+          </a:p>
+          <a:p>
+            <a:pPr marL="270510" indent="-270510">
+              <a:lnSpc>
+                <a:spcPct val="150000"/>
+              </a:lnSpc>
+            </a:pPr>
+            <a:endParaRPr lang="de-DE" altLang="zh-CN" sz="1400" b="1" dirty="0" smtClean="0"/>
+          </a:p>
+          <a:p>
+            <a:pPr marL="270510" indent="-270510">
+              <a:lnSpc>
+                <a:spcPct val="150000"/>
+              </a:lnSpc>
+            </a:pPr>
+            <a:endParaRPr lang="de-DE" altLang="zh-CN" sz="1400" b="1" dirty="0"/>
+          </a:p>
+          <a:p>
+            <a:pPr marL="270510" indent="-270510">
+              <a:lnSpc>
+                <a:spcPct val="150000"/>
+              </a:lnSpc>
+            </a:pPr>
+            <a:endParaRPr lang="de-DE" altLang="zh-CN" sz="1400" b="1" dirty="0" smtClean="0"/>
+          </a:p>
+          <a:p>
+            <a:pPr marL="270510" indent="-270510">
+              <a:lnSpc>
+                <a:spcPct val="150000"/>
+              </a:lnSpc>
+            </a:pPr>
+            <a:endParaRPr lang="de-DE" altLang="zh-CN" sz="1400" b="1" dirty="0"/>
+          </a:p>
+          <a:p>
+            <a:pPr marL="270510" indent="-270510">
+              <a:lnSpc>
+                <a:spcPct val="150000"/>
+              </a:lnSpc>
+            </a:pPr>
+            <a:endParaRPr lang="de-DE" altLang="zh-CN" sz="1400" b="1" dirty="0"/>
+          </a:p>
+          <a:p>
+            <a:pPr marL="270510" indent="-270510">
+              <a:lnSpc>
+                <a:spcPct val="150000"/>
+              </a:lnSpc>
+            </a:pPr>
+            <a:endParaRPr lang="en-US" altLang="zh-CN" sz="1400" b="1" dirty="0" smtClean="0"/>
+          </a:p>
+        </p:txBody>
+      </p:sp>
+      <p:sp>
+        <p:nvSpPr>
+          <p:cNvPr id="8" name="矩形标注 7"/>
+          <p:cNvSpPr/>
+          <p:nvPr/>
+        </p:nvSpPr>
+        <p:spPr>
+          <a:xfrm>
+            <a:off x="5012805" y="560333"/>
+            <a:ext cx="1231240" cy="655693"/>
+          </a:xfrm>
+          <a:prstGeom prst="wedgeRectCallout">
+            <a:avLst/>
+          </a:prstGeom>
+          <a:noFill/>
+          <a:ln w="19050">
+            <a:solidFill>
+              <a:srgbClr val="007377"/>
+            </a:solidFill>
+          </a:ln>
         </p:spPr>
         <p:style>
           <a:lnRef idx="1">
@@ -19748,121 +20476,111 @@
           </a:fontRef>
         </p:style>
         <p:txBody>
-          <a:bodyPr wrap="none" lIns="0" tIns="0" rIns="0" bIns="0" rtlCol="0" anchor="ctr"/>
+          <a:bodyPr rtlCol="0" anchor="ctr"/>
           <a:lstStyle/>
           <a:p>
-            <a:pPr algn="ctr">
-              <a:spcBef>
-                <a:spcPct val="0"/>
-              </a:spcBef>
-              <a:spcAft>
-                <a:spcPct val="0"/>
-              </a:spcAft>
-            </a:pPr>
-            <a:endParaRPr lang="zh-CN" altLang="en-US" sz="1200">
-              <a:latin typeface="Arial"/>
-              <a:ea typeface="微软雅黑"/>
-              <a:cs typeface="Arial"/>
-              <a:sym typeface="Arial"/>
+            <a:pPr algn="ctr"/>
+            <a:r>
+              <a:rPr lang="zh-CN" altLang="en-US" dirty="0" smtClean="0">
+                <a:ln w="0"/>
+                <a:solidFill>
+                  <a:schemeClr val="tx1"/>
+                </a:solidFill>
+                <a:effectLst>
+                  <a:outerShdw blurRad="38100" dist="19050" dir="2700000" algn="tl" rotWithShape="0">
+                    <a:schemeClr val="dk1">
+                      <a:alpha val="40000"/>
+                    </a:schemeClr>
+                  </a:outerShdw>
+                </a:effectLst>
+              </a:rPr>
+              <a:t>标题</a:t>
+            </a:r>
+            <a:endParaRPr lang="zh-CN" altLang="en-US" dirty="0">
+              <a:ln w="0"/>
+              <a:solidFill>
+                <a:schemeClr val="tx1"/>
+              </a:solidFill>
+              <a:effectLst>
+                <a:outerShdw blurRad="38100" dist="19050" dir="2700000" algn="tl" rotWithShape="0">
+                  <a:schemeClr val="dk1">
+                    <a:alpha val="40000"/>
+                  </a:schemeClr>
+                </a:outerShdw>
+              </a:effectLst>
             </a:endParaRPr>
           </a:p>
         </p:txBody>
       </p:sp>
       <p:sp>
         <p:nvSpPr>
-          <p:cNvPr id="15" name="矩形 14"/>
+          <p:cNvPr id="9" name="矩形标注 8"/>
           <p:cNvSpPr/>
-          <p:nvPr>
-            <p:custDataLst>
-              <p:tags r:id="rId5"/>
-            </p:custDataLst>
-          </p:nvPr>
-        </p:nvSpPr>
-        <p:spPr>
-          <a:xfrm>
-            <a:off x="189558" y="325230"/>
-            <a:ext cx="7317028" cy="306705"/>
-          </a:xfrm>
-          <a:prstGeom prst="rect">
-            <a:avLst/>
-          </a:prstGeom>
-        </p:spPr>
-        <p:txBody>
-          <a:bodyPr wrap="square">
-            <a:spAutoFit/>
-          </a:bodyPr>
-          <a:lstStyle/>
-          <a:p>
-            <a:pPr marL="238760" lvl="0" indent="-238760">
-              <a:spcAft>
-                <a:spcPct val="30000"/>
-              </a:spcAft>
-              <a:defRPr/>
-            </a:pPr>
-            <a:r>
-              <a:rPr lang="en-US" altLang="de-DE" sz="1400" b="1" dirty="0" smtClean="0">
-                <a:solidFill>
-                  <a:srgbClr val="000000"/>
-                </a:solidFill>
-                <a:latin typeface="Arial" panose="02080604020202020204" pitchFamily="34" charset="0"/>
-                <a:ea typeface="宋体" pitchFamily="2" charset="-122"/>
-                <a:cs typeface="Arial" panose="02080604020202020204" pitchFamily="34" charset="0"/>
-              </a:rPr>
-              <a:t>Innengeraeusch</a:t>
-            </a:r>
-            <a:endParaRPr lang="en-US" altLang="de-DE" sz="1200" b="1" dirty="0" smtClean="0">
-              <a:solidFill>
-                <a:srgbClr val="505050">
-                  <a:lumMod val="50000"/>
-                </a:srgbClr>
-              </a:solidFill>
-              <a:latin typeface="Arial" panose="02080604020202020204" pitchFamily="34" charset="0"/>
-              <a:ea typeface="宋体" pitchFamily="2" charset="-122"/>
-              <a:cs typeface="Arial" panose="02080604020202020204" pitchFamily="34" charset="0"/>
-            </a:endParaRPr>
-          </a:p>
-        </p:txBody>
-      </p:sp>
-      <p:sp>
-        <p:nvSpPr>
-          <p:cNvPr id="2" name="文本框 1"/>
-          <p:cNvSpPr txBox="1"/>
           <p:nvPr/>
         </p:nvSpPr>
         <p:spPr>
           <a:xfrm>
-            <a:off x="291465" y="1133475"/>
-            <a:ext cx="999490" cy="368300"/>
+            <a:off x="445566" y="4740352"/>
+            <a:ext cx="3551667" cy="655693"/>
           </a:xfrm>
-          <a:prstGeom prst="rect">
+          <a:prstGeom prst="wedgeRectCallout">
             <a:avLst/>
           </a:prstGeom>
           <a:noFill/>
+          <a:ln w="19050">
+            <a:solidFill>
+              <a:srgbClr val="007377"/>
+            </a:solidFill>
+          </a:ln>
         </p:spPr>
+        <p:style>
+          <a:lnRef idx="1">
+            <a:schemeClr val="accent1"/>
+          </a:lnRef>
+          <a:fillRef idx="3">
+            <a:schemeClr val="accent1"/>
+          </a:fillRef>
+          <a:effectRef idx="2">
+            <a:schemeClr val="accent1"/>
+          </a:effectRef>
+          <a:fontRef idx="minor">
+            <a:schemeClr val="lt1"/>
+          </a:fontRef>
+        </p:style>
         <p:txBody>
-          <a:bodyPr wrap="none" rtlCol="0" anchor="t">
-            <a:spAutoFit/>
-          </a:bodyPr>
-          <a:p>
-            <a:pPr marL="238760" lvl="0" indent="-238760">
-              <a:spcAft>
-                <a:spcPct val="30000"/>
-              </a:spcAft>
-              <a:defRPr/>
-            </a:pPr>
-            <a:r>
-              <a:rPr lang="en-US" altLang="de-DE" b="1" dirty="0" smtClean="0">
-                <a:solidFill>
-                  <a:srgbClr val="000000"/>
-                </a:solidFill>
-                <a:latin typeface="Arial" panose="02080604020202020204" pitchFamily="34" charset="0"/>
-                <a:ea typeface="宋体" pitchFamily="2" charset="-122"/>
-                <a:cs typeface="Arial" panose="02080604020202020204" pitchFamily="34" charset="0"/>
-                <a:sym typeface="+mn-ea"/>
-              </a:rPr>
-              <a:t> F2 VZ</a:t>
-            </a:r>
-            <a:endParaRPr lang="zh-CN" altLang="en-US"/>
+          <a:bodyPr rtlCol="0" anchor="ctr"/>
+          <a:lstStyle/>
+          <a:p>
+            <a:pPr algn="ctr"/>
+            <a:r>
+              <a:rPr lang="zh-CN" altLang="en-US" dirty="0" smtClean="0">
+                <a:ln w="0"/>
+                <a:solidFill>
+                  <a:schemeClr val="tx1"/>
+                </a:solidFill>
+                <a:effectLst>
+                  <a:outerShdw blurRad="38100" dist="19050" dir="2700000" algn="tl" rotWithShape="0">
+                    <a:schemeClr val="dk1">
+                      <a:alpha val="40000"/>
+                    </a:schemeClr>
+                  </a:outerShdw>
+                </a:effectLst>
+              </a:rPr>
+              <a:t>测试介绍及结论</a:t>
+            </a:r>
+            <a:endParaRPr lang="zh-CN" altLang="en-US" dirty="0">
+              <a:ln w="0"/>
+              <a:solidFill>
+                <a:schemeClr val="tx1"/>
+              </a:solidFill>
+              <a:effectLst>
+                <a:outerShdw blurRad="38100" dist="19050" dir="2700000" algn="tl" rotWithShape="0">
+                  <a:schemeClr val="dk1">
+                    <a:alpha val="40000"/>
+                  </a:schemeClr>
+                </a:outerShdw>
+              </a:effectLst>
+            </a:endParaRPr>
           </a:p>
         </p:txBody>
       </p:sp>
@@ -20105,7 +20823,7 @@
         <p:spPr>
           <a:xfrm>
             <a:off x="291465" y="1133475"/>
-            <a:ext cx="998220" cy="368300"/>
+            <a:ext cx="999490" cy="368300"/>
           </a:xfrm>
           <a:prstGeom prst="rect">
             <a:avLst/>
@@ -20133,7 +20851,7 @@
                 <a:cs typeface="Arial" panose="02080604020202020204" pitchFamily="34" charset="0"/>
                 <a:sym typeface="+mn-ea"/>
               </a:rPr>
-              <a:t> F2 VS</a:t>
+              <a:t> F3 VZ</a:t>
             </a:r>
             <a:endParaRPr lang="zh-CN" altLang="en-US"/>
           </a:p>
@@ -20378,7 +21096,7 @@
         <p:spPr>
           <a:xfrm>
             <a:off x="291465" y="1133475"/>
-            <a:ext cx="999490" cy="368300"/>
+            <a:ext cx="998220" cy="368300"/>
           </a:xfrm>
           <a:prstGeom prst="rect">
             <a:avLst/>
@@ -20406,7 +21124,7 @@
                 <a:cs typeface="Arial" panose="02080604020202020204" pitchFamily="34" charset="0"/>
                 <a:sym typeface="+mn-ea"/>
               </a:rPr>
-              <a:t> F3 VZ</a:t>
+              <a:t> F3 VS</a:t>
             </a:r>
             <a:endParaRPr lang="zh-CN" altLang="en-US"/>
           </a:p>
@@ -20651,7 +21369,7 @@
         <p:spPr>
           <a:xfrm>
             <a:off x="291465" y="1133475"/>
-            <a:ext cx="998220" cy="368300"/>
+            <a:ext cx="999490" cy="368300"/>
           </a:xfrm>
           <a:prstGeom prst="rect">
             <a:avLst/>
@@ -20679,7 +21397,7 @@
                 <a:cs typeface="Arial" panose="02080604020202020204" pitchFamily="34" charset="0"/>
                 <a:sym typeface="+mn-ea"/>
               </a:rPr>
-              <a:t> F3 VS</a:t>
+              <a:t> F5 VZ</a:t>
             </a:r>
             <a:endParaRPr lang="zh-CN" altLang="en-US"/>
           </a:p>
@@ -20892,15 +21610,32 @@
               <a:defRPr/>
             </a:pPr>
             <a:r>
-              <a:rPr lang="en-US" altLang="de-DE" sz="1400" b="1" dirty="0" smtClean="0">
-                <a:solidFill>
-                  <a:srgbClr val="000000"/>
+              <a:rPr lang="de-DE" altLang="zh-CN" sz="1400" b="1" dirty="0" smtClean="0">
+                <a:solidFill>
+                  <a:srgbClr val="505050">
+                    <a:lumMod val="50000"/>
+                  </a:srgbClr>
                 </a:solidFill>
                 <a:latin typeface="Arial" panose="02080604020202020204" pitchFamily="34" charset="0"/>
                 <a:ea typeface="宋体" pitchFamily="2" charset="-122"/>
                 <a:cs typeface="Arial" panose="02080604020202020204" pitchFamily="34" charset="0"/>
-              </a:rPr>
-              <a:t>Innengeraeusch</a:t>
+                <a:sym typeface="+mn-ea"/>
+              </a:rPr>
+              <a:t>R</a:t>
+            </a:r>
+            <a:r>
+              <a:rPr lang="en-US" altLang="zh-CN" sz="1400" b="1" dirty="0" err="1" smtClean="0">
+                <a:solidFill>
+                  <a:srgbClr val="505050">
+                    <a:lumMod val="50000"/>
+                  </a:srgbClr>
+                </a:solidFill>
+                <a:latin typeface="Arial" panose="02080604020202020204" pitchFamily="34" charset="0"/>
+                <a:ea typeface="宋体" pitchFamily="2" charset="-122"/>
+                <a:cs typeface="Arial" panose="02080604020202020204" pitchFamily="34" charset="0"/>
+                <a:sym typeface="+mn-ea"/>
+              </a:rPr>
+              <a:t>ollgeraeusch</a:t>
             </a:r>
             <a:endParaRPr lang="en-US" altLang="de-DE" sz="1200" b="1" dirty="0" smtClean="0">
               <a:solidFill>
@@ -20924,7 +21659,7 @@
         <p:spPr>
           <a:xfrm>
             <a:off x="291465" y="1133475"/>
-            <a:ext cx="999490" cy="368300"/>
+            <a:ext cx="1416050" cy="368300"/>
           </a:xfrm>
           <a:prstGeom prst="rect">
             <a:avLst/>
@@ -20952,7 +21687,7 @@
                 <a:cs typeface="Arial" panose="02080604020202020204" pitchFamily="34" charset="0"/>
                 <a:sym typeface="+mn-ea"/>
               </a:rPr>
-              <a:t> F5 VZ</a:t>
+              <a:t> KP 80-20</a:t>
             </a:r>
             <a:endParaRPr lang="zh-CN" altLang="en-US"/>
           </a:p>
@@ -21165,32 +21900,15 @@
               <a:defRPr/>
             </a:pPr>
             <a:r>
-              <a:rPr lang="de-DE" altLang="zh-CN" sz="1400" b="1" dirty="0" smtClean="0">
-                <a:solidFill>
-                  <a:srgbClr val="505050">
-                    <a:lumMod val="50000"/>
-                  </a:srgbClr>
+              <a:rPr lang="en-US" altLang="de-DE" sz="1400" b="1" dirty="0" smtClean="0">
+                <a:solidFill>
+                  <a:srgbClr val="000000"/>
                 </a:solidFill>
                 <a:latin typeface="Arial" panose="02080604020202020204" pitchFamily="34" charset="0"/>
                 <a:ea typeface="宋体" pitchFamily="2" charset="-122"/>
                 <a:cs typeface="Arial" panose="02080604020202020204" pitchFamily="34" charset="0"/>
-                <a:sym typeface="+mn-ea"/>
-              </a:rPr>
-              <a:t>R</a:t>
-            </a:r>
-            <a:r>
-              <a:rPr lang="en-US" altLang="zh-CN" sz="1400" b="1" dirty="0" err="1" smtClean="0">
-                <a:solidFill>
-                  <a:srgbClr val="505050">
-                    <a:lumMod val="50000"/>
-                  </a:srgbClr>
-                </a:solidFill>
-                <a:latin typeface="Arial" panose="02080604020202020204" pitchFamily="34" charset="0"/>
-                <a:ea typeface="宋体" pitchFamily="2" charset="-122"/>
-                <a:cs typeface="Arial" panose="02080604020202020204" pitchFamily="34" charset="0"/>
-                <a:sym typeface="+mn-ea"/>
-              </a:rPr>
-              <a:t>ollgeraeusch</a:t>
+              </a:rPr>
+              <a:t>Leerlauf-Komfort</a:t>
             </a:r>
             <a:endParaRPr lang="en-US" altLang="de-DE" sz="1200" b="1" dirty="0" smtClean="0">
               <a:solidFill>
@@ -21214,7 +21932,7 @@
         <p:spPr>
           <a:xfrm>
             <a:off x="291465" y="1133475"/>
-            <a:ext cx="1416050" cy="368300"/>
+            <a:ext cx="2344420" cy="368300"/>
           </a:xfrm>
           <a:prstGeom prst="rect">
             <a:avLst/>
@@ -21242,9 +21960,155 @@
                 <a:cs typeface="Arial" panose="02080604020202020204" pitchFamily="34" charset="0"/>
                 <a:sym typeface="+mn-ea"/>
               </a:rPr>
-              <a:t> KP 80-20</a:t>
+              <a:t> D/N/R/P ohne Ac</a:t>
             </a:r>
             <a:endParaRPr lang="zh-CN" altLang="en-US"/>
+          </a:p>
+        </p:txBody>
+      </p:sp>
+      <p:sp>
+        <p:nvSpPr>
+          <p:cNvPr id="8" name="文本框 7"/>
+          <p:cNvSpPr txBox="1"/>
+          <p:nvPr/>
+        </p:nvSpPr>
+        <p:spPr>
+          <a:xfrm>
+            <a:off x="7731760" y="2593703"/>
+            <a:ext cx="1103086" cy="2306955"/>
+          </a:xfrm>
+          <a:prstGeom prst="rect">
+            <a:avLst/>
+          </a:prstGeom>
+          <a:noFill/>
+        </p:spPr>
+        <p:txBody>
+          <a:bodyPr wrap="square" rtlCol="0">
+            <a:spAutoFit/>
+          </a:bodyPr>
+          <a:p>
+            <a:r>
+              <a:rPr lang="en-US" altLang="zh-CN" dirty="0" smtClean="0">
+                <a:solidFill>
+                  <a:srgbClr val="FF0000"/>
+                </a:solidFill>
+              </a:rPr>
+              <a:t>D </a:t>
+            </a:r>
+            <a:r>
+              <a:rPr lang="en-US" altLang="zh-CN" dirty="0" err="1" smtClean="0">
+                <a:solidFill>
+                  <a:srgbClr val="FF0000"/>
+                </a:solidFill>
+              </a:rPr>
+              <a:t>mit</a:t>
+            </a:r>
+            <a:r>
+              <a:rPr lang="en-US" altLang="zh-CN" dirty="0" smtClean="0">
+                <a:solidFill>
+                  <a:srgbClr val="FF0000"/>
+                </a:solidFill>
+              </a:rPr>
+              <a:t> AC</a:t>
+            </a:r>
+            <a:endParaRPr lang="en-US" altLang="zh-CN" dirty="0" smtClean="0">
+              <a:solidFill>
+                <a:srgbClr val="FF0000"/>
+              </a:solidFill>
+            </a:endParaRPr>
+          </a:p>
+          <a:p>
+            <a:r>
+              <a:rPr lang="en-US" altLang="zh-CN" dirty="0" smtClean="0">
+                <a:solidFill>
+                  <a:srgbClr val="00FF00"/>
+                </a:solidFill>
+              </a:rPr>
+              <a:t>N </a:t>
+            </a:r>
+            <a:r>
+              <a:rPr lang="en-US" altLang="zh-CN" dirty="0" err="1" smtClean="0">
+                <a:solidFill>
+                  <a:srgbClr val="00FF00"/>
+                </a:solidFill>
+              </a:rPr>
+              <a:t>mit</a:t>
+            </a:r>
+            <a:r>
+              <a:rPr lang="en-US" altLang="zh-CN" dirty="0" smtClean="0">
+                <a:solidFill>
+                  <a:srgbClr val="00FF00"/>
+                </a:solidFill>
+              </a:rPr>
+              <a:t> AC</a:t>
+            </a:r>
+            <a:endParaRPr lang="en-US" altLang="zh-CN" dirty="0" smtClean="0">
+              <a:solidFill>
+                <a:srgbClr val="00FF00"/>
+              </a:solidFill>
+            </a:endParaRPr>
+          </a:p>
+          <a:p>
+            <a:r>
+              <a:rPr lang="en-US" altLang="zh-CN" dirty="0" smtClean="0">
+                <a:solidFill>
+                  <a:srgbClr val="0000FF"/>
+                </a:solidFill>
+              </a:rPr>
+              <a:t>P </a:t>
+            </a:r>
+            <a:r>
+              <a:rPr lang="en-US" altLang="zh-CN" dirty="0" err="1" smtClean="0">
+                <a:solidFill>
+                  <a:srgbClr val="0000FF"/>
+                </a:solidFill>
+              </a:rPr>
+              <a:t>mit</a:t>
+            </a:r>
+            <a:r>
+              <a:rPr lang="en-US" altLang="zh-CN" dirty="0" smtClean="0">
+                <a:solidFill>
+                  <a:srgbClr val="0000FF"/>
+                </a:solidFill>
+              </a:rPr>
+              <a:t> AC</a:t>
+            </a:r>
+            <a:endParaRPr lang="en-US" altLang="zh-CN" dirty="0" smtClean="0">
+              <a:solidFill>
+                <a:srgbClr val="0000FF"/>
+              </a:solidFill>
+            </a:endParaRPr>
+          </a:p>
+          <a:p>
+            <a:r>
+              <a:rPr lang="en-US" altLang="zh-CN" dirty="0" smtClean="0">
+                <a:solidFill>
+                  <a:srgbClr val="FFFF00"/>
+                </a:solidFill>
+              </a:rPr>
+              <a:t>R </a:t>
+            </a:r>
+            <a:r>
+              <a:rPr lang="en-US" altLang="zh-CN" dirty="0" err="1" smtClean="0">
+                <a:solidFill>
+                  <a:srgbClr val="FFFF00"/>
+                </a:solidFill>
+              </a:rPr>
+              <a:t>mit</a:t>
+            </a:r>
+            <a:r>
+              <a:rPr lang="en-US" altLang="zh-CN" dirty="0" smtClean="0">
+                <a:solidFill>
+                  <a:srgbClr val="FFFF00"/>
+                </a:solidFill>
+              </a:rPr>
+              <a:t> AC</a:t>
+            </a:r>
+            <a:endParaRPr lang="zh-CN" altLang="en-US" dirty="0">
+              <a:solidFill>
+                <a:srgbClr val="FFFF00"/>
+              </a:solidFill>
+            </a:endParaRPr>
           </a:p>
         </p:txBody>
       </p:sp>
@@ -21521,6 +22385,152 @@
           </a:p>
         </p:txBody>
       </p:sp>
+      <p:sp>
+        <p:nvSpPr>
+          <p:cNvPr id="8" name="文本框 7"/>
+          <p:cNvSpPr txBox="1"/>
+          <p:nvPr/>
+        </p:nvSpPr>
+        <p:spPr>
+          <a:xfrm>
+            <a:off x="7731760" y="2593703"/>
+            <a:ext cx="1103086" cy="2306955"/>
+          </a:xfrm>
+          <a:prstGeom prst="rect">
+            <a:avLst/>
+          </a:prstGeom>
+          <a:noFill/>
+        </p:spPr>
+        <p:txBody>
+          <a:bodyPr wrap="square" rtlCol="0">
+            <a:spAutoFit/>
+          </a:bodyPr>
+          <a:p>
+            <a:r>
+              <a:rPr lang="en-US" altLang="zh-CN" dirty="0" smtClean="0">
+                <a:solidFill>
+                  <a:srgbClr val="FF0000"/>
+                </a:solidFill>
+              </a:rPr>
+              <a:t>D </a:t>
+            </a:r>
+            <a:r>
+              <a:rPr lang="en-US" altLang="zh-CN" dirty="0" err="1" smtClean="0">
+                <a:solidFill>
+                  <a:srgbClr val="FF0000"/>
+                </a:solidFill>
+              </a:rPr>
+              <a:t>mit</a:t>
+            </a:r>
+            <a:r>
+              <a:rPr lang="en-US" altLang="zh-CN" dirty="0" smtClean="0">
+                <a:solidFill>
+                  <a:srgbClr val="FF0000"/>
+                </a:solidFill>
+              </a:rPr>
+              <a:t> AC</a:t>
+            </a:r>
+            <a:endParaRPr lang="en-US" altLang="zh-CN" dirty="0" smtClean="0">
+              <a:solidFill>
+                <a:srgbClr val="FF0000"/>
+              </a:solidFill>
+            </a:endParaRPr>
+          </a:p>
+          <a:p>
+            <a:r>
+              <a:rPr lang="en-US" altLang="zh-CN" dirty="0" smtClean="0">
+                <a:solidFill>
+                  <a:srgbClr val="00FF00"/>
+                </a:solidFill>
+              </a:rPr>
+              <a:t>N </a:t>
+            </a:r>
+            <a:r>
+              <a:rPr lang="en-US" altLang="zh-CN" dirty="0" err="1" smtClean="0">
+                <a:solidFill>
+                  <a:srgbClr val="00FF00"/>
+                </a:solidFill>
+              </a:rPr>
+              <a:t>mit</a:t>
+            </a:r>
+            <a:r>
+              <a:rPr lang="en-US" altLang="zh-CN" dirty="0" smtClean="0">
+                <a:solidFill>
+                  <a:srgbClr val="00FF00"/>
+                </a:solidFill>
+              </a:rPr>
+              <a:t> AC</a:t>
+            </a:r>
+            <a:endParaRPr lang="en-US" altLang="zh-CN" dirty="0" smtClean="0">
+              <a:solidFill>
+                <a:srgbClr val="00FF00"/>
+              </a:solidFill>
+            </a:endParaRPr>
+          </a:p>
+          <a:p>
+            <a:r>
+              <a:rPr lang="en-US" altLang="zh-CN" dirty="0" smtClean="0">
+                <a:solidFill>
+                  <a:srgbClr val="0000FF"/>
+                </a:solidFill>
+              </a:rPr>
+              <a:t>P </a:t>
+            </a:r>
+            <a:r>
+              <a:rPr lang="en-US" altLang="zh-CN" dirty="0" err="1" smtClean="0">
+                <a:solidFill>
+                  <a:srgbClr val="0000FF"/>
+                </a:solidFill>
+              </a:rPr>
+              <a:t>mit</a:t>
+            </a:r>
+            <a:r>
+              <a:rPr lang="en-US" altLang="zh-CN" dirty="0" smtClean="0">
+                <a:solidFill>
+                  <a:srgbClr val="0000FF"/>
+                </a:solidFill>
+              </a:rPr>
+              <a:t> AC</a:t>
+            </a:r>
+            <a:endParaRPr lang="en-US" altLang="zh-CN" dirty="0" smtClean="0">
+              <a:solidFill>
+                <a:srgbClr val="0000FF"/>
+              </a:solidFill>
+            </a:endParaRPr>
+          </a:p>
+          <a:p>
+            <a:r>
+              <a:rPr lang="en-US" altLang="zh-CN" dirty="0" smtClean="0">
+                <a:solidFill>
+                  <a:srgbClr val="FFFF00"/>
+                </a:solidFill>
+              </a:rPr>
+              <a:t>R </a:t>
+            </a:r>
+            <a:r>
+              <a:rPr lang="en-US" altLang="zh-CN" dirty="0" err="1" smtClean="0">
+                <a:solidFill>
+                  <a:srgbClr val="FFFF00"/>
+                </a:solidFill>
+              </a:rPr>
+              <a:t>mit</a:t>
+            </a:r>
+            <a:r>
+              <a:rPr lang="en-US" altLang="zh-CN" dirty="0" smtClean="0">
+                <a:solidFill>
+                  <a:srgbClr val="FFFF00"/>
+                </a:solidFill>
+              </a:rPr>
+              <a:t> AC</a:t>
+            </a:r>
+            <a:endParaRPr lang="zh-CN" altLang="en-US" dirty="0">
+              <a:solidFill>
+                <a:srgbClr val="FFFF00"/>
+              </a:solidFill>
+            </a:endParaRPr>
+          </a:p>
+        </p:txBody>
+      </p:sp>
     </p:spTree>
   </p:cSld>
   <p:clrMapOvr>
@@ -21794,6 +22804,152 @@
           </a:p>
         </p:txBody>
       </p:sp>
+      <p:sp>
+        <p:nvSpPr>
+          <p:cNvPr id="8" name="文本框 7"/>
+          <p:cNvSpPr txBox="1"/>
+          <p:nvPr/>
+        </p:nvSpPr>
+        <p:spPr>
+          <a:xfrm>
+            <a:off x="7731760" y="2593703"/>
+            <a:ext cx="1103086" cy="2306955"/>
+          </a:xfrm>
+          <a:prstGeom prst="rect">
+            <a:avLst/>
+          </a:prstGeom>
+          <a:noFill/>
+        </p:spPr>
+        <p:txBody>
+          <a:bodyPr wrap="square" rtlCol="0">
+            <a:spAutoFit/>
+          </a:bodyPr>
+          <a:p>
+            <a:r>
+              <a:rPr lang="en-US" altLang="zh-CN" dirty="0" smtClean="0">
+                <a:solidFill>
+                  <a:srgbClr val="FF0000"/>
+                </a:solidFill>
+              </a:rPr>
+              <a:t>D </a:t>
+            </a:r>
+            <a:r>
+              <a:rPr lang="en-US" altLang="zh-CN" dirty="0" err="1" smtClean="0">
+                <a:solidFill>
+                  <a:srgbClr val="FF0000"/>
+                </a:solidFill>
+              </a:rPr>
+              <a:t>mit</a:t>
+            </a:r>
+            <a:r>
+              <a:rPr lang="en-US" altLang="zh-CN" dirty="0" smtClean="0">
+                <a:solidFill>
+                  <a:srgbClr val="FF0000"/>
+                </a:solidFill>
+              </a:rPr>
+              <a:t> AC</a:t>
+            </a:r>
+            <a:endParaRPr lang="en-US" altLang="zh-CN" dirty="0" smtClean="0">
+              <a:solidFill>
+                <a:srgbClr val="FF0000"/>
+              </a:solidFill>
+            </a:endParaRPr>
+          </a:p>
+          <a:p>
+            <a:r>
+              <a:rPr lang="en-US" altLang="zh-CN" dirty="0" smtClean="0">
+                <a:solidFill>
+                  <a:srgbClr val="00FF00"/>
+                </a:solidFill>
+              </a:rPr>
+              <a:t>N </a:t>
+            </a:r>
+            <a:r>
+              <a:rPr lang="en-US" altLang="zh-CN" dirty="0" err="1" smtClean="0">
+                <a:solidFill>
+                  <a:srgbClr val="00FF00"/>
+                </a:solidFill>
+              </a:rPr>
+              <a:t>mit</a:t>
+            </a:r>
+            <a:r>
+              <a:rPr lang="en-US" altLang="zh-CN" dirty="0" smtClean="0">
+                <a:solidFill>
+                  <a:srgbClr val="00FF00"/>
+                </a:solidFill>
+              </a:rPr>
+              <a:t> AC</a:t>
+            </a:r>
+            <a:endParaRPr lang="en-US" altLang="zh-CN" dirty="0" smtClean="0">
+              <a:solidFill>
+                <a:srgbClr val="00FF00"/>
+              </a:solidFill>
+            </a:endParaRPr>
+          </a:p>
+          <a:p>
+            <a:r>
+              <a:rPr lang="en-US" altLang="zh-CN" dirty="0" smtClean="0">
+                <a:solidFill>
+                  <a:srgbClr val="0000FF"/>
+                </a:solidFill>
+              </a:rPr>
+              <a:t>P </a:t>
+            </a:r>
+            <a:r>
+              <a:rPr lang="en-US" altLang="zh-CN" dirty="0" err="1" smtClean="0">
+                <a:solidFill>
+                  <a:srgbClr val="0000FF"/>
+                </a:solidFill>
+              </a:rPr>
+              <a:t>mit</a:t>
+            </a:r>
+            <a:r>
+              <a:rPr lang="en-US" altLang="zh-CN" dirty="0" smtClean="0">
+                <a:solidFill>
+                  <a:srgbClr val="0000FF"/>
+                </a:solidFill>
+              </a:rPr>
+              <a:t> AC</a:t>
+            </a:r>
+            <a:endParaRPr lang="en-US" altLang="zh-CN" dirty="0" smtClean="0">
+              <a:solidFill>
+                <a:srgbClr val="0000FF"/>
+              </a:solidFill>
+            </a:endParaRPr>
+          </a:p>
+          <a:p>
+            <a:r>
+              <a:rPr lang="en-US" altLang="zh-CN" dirty="0" smtClean="0">
+                <a:solidFill>
+                  <a:srgbClr val="FFFF00"/>
+                </a:solidFill>
+              </a:rPr>
+              <a:t>R </a:t>
+            </a:r>
+            <a:r>
+              <a:rPr lang="en-US" altLang="zh-CN" dirty="0" err="1" smtClean="0">
+                <a:solidFill>
+                  <a:srgbClr val="FFFF00"/>
+                </a:solidFill>
+              </a:rPr>
+              <a:t>mit</a:t>
+            </a:r>
+            <a:r>
+              <a:rPr lang="en-US" altLang="zh-CN" dirty="0" smtClean="0">
+                <a:solidFill>
+                  <a:srgbClr val="FFFF00"/>
+                </a:solidFill>
+              </a:rPr>
+              <a:t> AC</a:t>
+            </a:r>
+            <a:endParaRPr lang="zh-CN" altLang="en-US" dirty="0">
+              <a:solidFill>
+                <a:srgbClr val="FFFF00"/>
+              </a:solidFill>
+            </a:endParaRPr>
+          </a:p>
+        </p:txBody>
+      </p:sp>
     </p:spTree>
   </p:cSld>
   <p:clrMapOvr>
@@ -21817,229 +22973,199 @@
 
 <file path=ppt/tags/tag10.xml><?xml version="1.0" encoding="utf-8"?>
 <p:tagLst xmlns:p="http://schemas.openxmlformats.org/presentationml/2006/main">
-  <p:tag name="THINKCELLSHAPEDONOTDELETE" val="thinkcellActiveDocDoNotDelete"/>
+  <p:tag name="THINKCELLSHAPEDONOTDELETE" val="tfwyyb.Er3kuJvP2edmR95w"/>
 </p:tagLst>
 </file>
 
 <file path=ppt/tags/tag11.xml><?xml version="1.0" encoding="utf-8"?>
 <p:tagLst xmlns:p="http://schemas.openxmlformats.org/presentationml/2006/main">
-  <p:tag name="THINKCELLSHAPEDONOTDELETE" val="tfwyyb.Er3kuJvP2edmR95w"/>
+  <p:tag name="THINKCELLSHAPEDONOTDELETE" val="phTkitw7pbkCh.in62wSPCQ"/>
 </p:tagLst>
 </file>
 
 <file path=ppt/tags/tag12.xml><?xml version="1.0" encoding="utf-8"?>
 <p:tagLst xmlns:p="http://schemas.openxmlformats.org/presentationml/2006/main">
-  <p:tag name="THINKCELLSHAPEDONOTDELETE" val="phTkitw7pbkCh.in62wSPCQ"/>
+  <p:tag name="THINKCELLSHAPEDONOTDELETE" val="thinkcellActiveDocDoNotDelete"/>
 </p:tagLst>
 </file>
 
 <file path=ppt/tags/tag13.xml><?xml version="1.0" encoding="utf-8"?>
 <p:tagLst xmlns:p="http://schemas.openxmlformats.org/presentationml/2006/main">
-  <p:tag name="THINKCELLSHAPEDONOTDELETE" val="thinkcellActiveDocDoNotDelete"/>
+  <p:tag name="THINKCELLSHAPEDONOTDELETE" val="tfwyyb.Er3kuJvP2edmR95w"/>
 </p:tagLst>
 </file>
 
 <file path=ppt/tags/tag14.xml><?xml version="1.0" encoding="utf-8"?>
 <p:tagLst xmlns:p="http://schemas.openxmlformats.org/presentationml/2006/main">
-  <p:tag name="THINKCELLSHAPEDONOTDELETE" val="tfwyyb.Er3kuJvP2edmR95w"/>
+  <p:tag name="THINKCELLSHAPEDONOTDELETE" val="phTkitw7pbkCh.in62wSPCQ"/>
 </p:tagLst>
 </file>
 
 <file path=ppt/tags/tag15.xml><?xml version="1.0" encoding="utf-8"?>
 <p:tagLst xmlns:p="http://schemas.openxmlformats.org/presentationml/2006/main">
-  <p:tag name="THINKCELLSHAPEDONOTDELETE" val="phTkitw7pbkCh.in62wSPCQ"/>
+  <p:tag name="THINKCELLSHAPEDONOTDELETE" val="thinkcellActiveDocDoNotDelete"/>
 </p:tagLst>
 </file>
 
 <file path=ppt/tags/tag16.xml><?xml version="1.0" encoding="utf-8"?>
 <p:tagLst xmlns:p="http://schemas.openxmlformats.org/presentationml/2006/main">
-  <p:tag name="THINKCELLSHAPEDONOTDELETE" val="thinkcellActiveDocDoNotDelete"/>
+  <p:tag name="THINKCELLSHAPEDONOTDELETE" val="tfwyyb.Er3kuJvP2edmR95w"/>
 </p:tagLst>
 </file>
 
 <file path=ppt/tags/tag17.xml><?xml version="1.0" encoding="utf-8"?>
 <p:tagLst xmlns:p="http://schemas.openxmlformats.org/presentationml/2006/main">
-  <p:tag name="THINKCELLSHAPEDONOTDELETE" val="tfwyyb.Er3kuJvP2edmR95w"/>
+  <p:tag name="THINKCELLSHAPEDONOTDELETE" val="phTkitw7pbkCh.in62wSPCQ"/>
 </p:tagLst>
 </file>
 
 <file path=ppt/tags/tag18.xml><?xml version="1.0" encoding="utf-8"?>
 <p:tagLst xmlns:p="http://schemas.openxmlformats.org/presentationml/2006/main">
-  <p:tag name="THINKCELLSHAPEDONOTDELETE" val="phTkitw7pbkCh.in62wSPCQ"/>
+  <p:tag name="THINKCELLSHAPEDONOTDELETE" val="thinkcellActiveDocDoNotDelete"/>
 </p:tagLst>
 </file>
 
 <file path=ppt/tags/tag19.xml><?xml version="1.0" encoding="utf-8"?>
 <p:tagLst xmlns:p="http://schemas.openxmlformats.org/presentationml/2006/main">
-  <p:tag name="THINKCELLSHAPEDONOTDELETE" val="thinkcellActiveDocDoNotDelete"/>
+  <p:tag name="THINKCELLSHAPEDONOTDELETE" val="tfwyyb.Er3kuJvP2edmR95w"/>
 </p:tagLst>
 </file>
 
 <file path=ppt/tags/tag2.xml><?xml version="1.0" encoding="utf-8"?>
 <p:tagLst xmlns:p="http://schemas.openxmlformats.org/presentationml/2006/main">
-  <p:tag name="THINKCELLSHAPEDONOTDELETE" val="tfwyyb.Er3kuJvP2edmR95w"/>
+  <p:tag name="THINKCELLSHAPEDONOTDELETE" val="puGZOkSGOUU6F7cg7KH.MKw"/>
 </p:tagLst>
 </file>
 
 <file path=ppt/tags/tag20.xml><?xml version="1.0" encoding="utf-8"?>
 <p:tagLst xmlns:p="http://schemas.openxmlformats.org/presentationml/2006/main">
-  <p:tag name="THINKCELLSHAPEDONOTDELETE" val="tfwyyb.Er3kuJvP2edmR95w"/>
+  <p:tag name="THINKCELLSHAPEDONOTDELETE" val="phTkitw7pbkCh.in62wSPCQ"/>
 </p:tagLst>
 </file>
 
 <file path=ppt/tags/tag21.xml><?xml version="1.0" encoding="utf-8"?>
 <p:tagLst xmlns:p="http://schemas.openxmlformats.org/presentationml/2006/main">
-  <p:tag name="THINKCELLSHAPEDONOTDELETE" val="phTkitw7pbkCh.in62wSPCQ"/>
+  <p:tag name="THINKCELLSHAPEDONOTDELETE" val="thinkcellActiveDocDoNotDelete"/>
 </p:tagLst>
 </file>
 
 <file path=ppt/tags/tag22.xml><?xml version="1.0" encoding="utf-8"?>
 <p:tagLst xmlns:p="http://schemas.openxmlformats.org/presentationml/2006/main">
-  <p:tag name="THINKCELLSHAPEDONOTDELETE" val="thinkcellActiveDocDoNotDelete"/>
+  <p:tag name="THINKCELLSHAPEDONOTDELETE" val="tfwyyb.Er3kuJvP2edmR95w"/>
 </p:tagLst>
 </file>
 
 <file path=ppt/tags/tag23.xml><?xml version="1.0" encoding="utf-8"?>
 <p:tagLst xmlns:p="http://schemas.openxmlformats.org/presentationml/2006/main">
-  <p:tag name="THINKCELLSHAPEDONOTDELETE" val="tfwyyb.Er3kuJvP2edmR95w"/>
+  <p:tag name="THINKCELLSHAPEDONOTDELETE" val="phTkitw7pbkCh.in62wSPCQ"/>
 </p:tagLst>
 </file>
 
 <file path=ppt/tags/tag24.xml><?xml version="1.0" encoding="utf-8"?>
 <p:tagLst xmlns:p="http://schemas.openxmlformats.org/presentationml/2006/main">
-  <p:tag name="THINKCELLSHAPEDONOTDELETE" val="phTkitw7pbkCh.in62wSPCQ"/>
+  <p:tag name="THINKCELLSHAPEDONOTDELETE" val="thinkcellActiveDocDoNotDelete"/>
 </p:tagLst>
 </file>
 
 <file path=ppt/tags/tag25.xml><?xml version="1.0" encoding="utf-8"?>
 <p:tagLst xmlns:p="http://schemas.openxmlformats.org/presentationml/2006/main">
-  <p:tag name="THINKCELLSHAPEDONOTDELETE" val="thinkcellActiveDocDoNotDelete"/>
+  <p:tag name="THINKCELLSHAPEDONOTDELETE" val="tfwyyb.Er3kuJvP2edmR95w"/>
 </p:tagLst>
 </file>
 
 <file path=ppt/tags/tag26.xml><?xml version="1.0" encoding="utf-8"?>
 <p:tagLst xmlns:p="http://schemas.openxmlformats.org/presentationml/2006/main">
-  <p:tag name="THINKCELLSHAPEDONOTDELETE" val="tfwyyb.Er3kuJvP2edmR95w"/>
+  <p:tag name="THINKCELLSHAPEDONOTDELETE" val="phTkitw7pbkCh.in62wSPCQ"/>
 </p:tagLst>
 </file>
 
 <file path=ppt/tags/tag27.xml><?xml version="1.0" encoding="utf-8"?>
 <p:tagLst xmlns:p="http://schemas.openxmlformats.org/presentationml/2006/main">
-  <p:tag name="THINKCELLSHAPEDONOTDELETE" val="phTkitw7pbkCh.in62wSPCQ"/>
+  <p:tag name="THINKCELLSHAPEDONOTDELETE" val="thinkcellActiveDocDoNotDelete"/>
 </p:tagLst>
 </file>
 
 <file path=ppt/tags/tag28.xml><?xml version="1.0" encoding="utf-8"?>
 <p:tagLst xmlns:p="http://schemas.openxmlformats.org/presentationml/2006/main">
-  <p:tag name="THINKCELLSHAPEDONOTDELETE" val="thinkcellActiveDocDoNotDelete"/>
+  <p:tag name="THINKCELLSHAPEDONOTDELETE" val="tfwyyb.Er3kuJvP2edmR95w"/>
 </p:tagLst>
 </file>
 
 <file path=ppt/tags/tag29.xml><?xml version="1.0" encoding="utf-8"?>
 <p:tagLst xmlns:p="http://schemas.openxmlformats.org/presentationml/2006/main">
-  <p:tag name="THINKCELLSHAPEDONOTDELETE" val="tfwyyb.Er3kuJvP2edmR95w"/>
+  <p:tag name="THINKCELLSHAPEDONOTDELETE" val="phTkitw7pbkCh.in62wSPCQ"/>
 </p:tagLst>
 </file>
 
 <file path=ppt/tags/tag3.xml><?xml version="1.0" encoding="utf-8"?>
 <p:tagLst xmlns:p="http://schemas.openxmlformats.org/presentationml/2006/main">
-  <p:tag name="THINKCELLSHAPEDONOTDELETE" val="phTkitw7pbkCh.in62wSPCQ"/>
+  <p:tag name="THINKCELLSHAPEDONOTDELETE" val="thinkcellActiveDocDoNotDelete"/>
 </p:tagLst>
 </file>
 
 <file path=ppt/tags/tag30.xml><?xml version="1.0" encoding="utf-8"?>
 <p:tagLst xmlns:p="http://schemas.openxmlformats.org/presentationml/2006/main">
-  <p:tag name="THINKCELLSHAPEDONOTDELETE" val="phTkitw7pbkCh.in62wSPCQ"/>
+  <p:tag name="THINKCELLSHAPEDONOTDELETE" val="thinkcellActiveDocDoNotDelete"/>
 </p:tagLst>
 </file>
 
 <file path=ppt/tags/tag31.xml><?xml version="1.0" encoding="utf-8"?>
 <p:tagLst xmlns:p="http://schemas.openxmlformats.org/presentationml/2006/main">
-  <p:tag name="THINKCELLSHAPEDONOTDELETE" val="thinkcellActiveDocDoNotDelete"/>
+  <p:tag name="THINKCELLSHAPEDONOTDELETE" val="tfwyyb.Er3kuJvP2edmR95w"/>
 </p:tagLst>
 </file>
 
 <file path=ppt/tags/tag32.xml><?xml version="1.0" encoding="utf-8"?>
 <p:tagLst xmlns:p="http://schemas.openxmlformats.org/presentationml/2006/main">
-  <p:tag name="THINKCELLSHAPEDONOTDELETE" val="tfwyyb.Er3kuJvP2edmR95w"/>
+  <p:tag name="THINKCELLSHAPEDONOTDELETE" val="phTkitw7pbkCh.in62wSPCQ"/>
 </p:tagLst>
 </file>
 
 <file path=ppt/tags/tag33.xml><?xml version="1.0" encoding="utf-8"?>
 <p:tagLst xmlns:p="http://schemas.openxmlformats.org/presentationml/2006/main">
-  <p:tag name="THINKCELLSHAPEDONOTDELETE" val="phTkitw7pbkCh.in62wSPCQ"/>
+  <p:tag name="THINKCELLSHAPEDONOTDELETE" val="thinkcellActiveDocDoNotDelete"/>
 </p:tagLst>
 </file>
 
 <file path=ppt/tags/tag34.xml><?xml version="1.0" encoding="utf-8"?>
 <p:tagLst xmlns:p="http://schemas.openxmlformats.org/presentationml/2006/main">
-  <p:tag name="THINKCELLSHAPEDONOTDELETE" val="thinkcellActiveDocDoNotDelete"/>
+  <p:tag name="THINKCELLSHAPEDONOTDELETE" val="tfwyyb.Er3kuJvP2edmR95w"/>
 </p:tagLst>
 </file>
 
-<file path=ppt/tags/tag35.xml><?xml version="1.0" encoding="utf-8"?>
+<file path=ppt/tags/tag4.xml><?xml version="1.0" encoding="utf-8"?>
 <p:tagLst xmlns:p="http://schemas.openxmlformats.org/presentationml/2006/main">
   <p:tag name="THINKCELLSHAPEDONOTDELETE" val="tfwyyb.Er3kuJvP2edmR95w"/>
 </p:tagLst>
 </file>
 
-<file path=ppt/tags/tag36.xml><?xml version="1.0" encoding="utf-8"?>
+<file path=ppt/tags/tag5.xml><?xml version="1.0" encoding="utf-8"?>
 <p:tagLst xmlns:p="http://schemas.openxmlformats.org/presentationml/2006/main">
   <p:tag name="THINKCELLSHAPEDONOTDELETE" val="phTkitw7pbkCh.in62wSPCQ"/>
 </p:tagLst>
 </file>
 
-<file path=ppt/tags/tag37.xml><?xml version="1.0" encoding="utf-8"?>
+<file path=ppt/tags/tag6.xml><?xml version="1.0" encoding="utf-8"?>
 <p:tagLst xmlns:p="http://schemas.openxmlformats.org/presentationml/2006/main">
   <p:tag name="THINKCELLSHAPEDONOTDELETE" val="thinkcellActiveDocDoNotDelete"/>
 </p:tagLst>
 </file>
 
-<file path=ppt/tags/tag38.xml><?xml version="1.0" encoding="utf-8"?>
+<file path=ppt/tags/tag7.xml><?xml version="1.0" encoding="utf-8"?>
 <p:tagLst xmlns:p="http://schemas.openxmlformats.org/presentationml/2006/main">
   <p:tag name="THINKCELLSHAPEDONOTDELETE" val="tfwyyb.Er3kuJvP2edmR95w"/>
 </p:tagLst>
 </file>
 
-<file path=ppt/tags/tag39.xml><?xml version="1.0" encoding="utf-8"?>
+<file path=ppt/tags/tag8.xml><?xml version="1.0" encoding="utf-8"?>
 <p:tagLst xmlns:p="http://schemas.openxmlformats.org/presentationml/2006/main">
   <p:tag name="THINKCELLSHAPEDONOTDELETE" val="phTkitw7pbkCh.in62wSPCQ"/>
 </p:tagLst>
 </file>
 
-<file path=ppt/tags/tag4.xml><?xml version="1.0" encoding="utf-8"?>
+<file path=ppt/tags/tag9.xml><?xml version="1.0" encoding="utf-8"?>
 <p:tagLst xmlns:p="http://schemas.openxmlformats.org/presentationml/2006/main">
   <p:tag name="THINKCELLSHAPEDONOTDELETE" val="thinkcellActiveDocDoNotDelete"/>
-</p:tagLst>
-</file>
-
-<file path=ppt/tags/tag5.xml><?xml version="1.0" encoding="utf-8"?>
-<p:tagLst xmlns:p="http://schemas.openxmlformats.org/presentationml/2006/main">
-  <p:tag name="THINKCELLSHAPEDONOTDELETE" val="tfwyyb.Er3kuJvP2edmR95w"/>
-</p:tagLst>
-</file>
-
-<file path=ppt/tags/tag6.xml><?xml version="1.0" encoding="utf-8"?>
-<p:tagLst xmlns:p="http://schemas.openxmlformats.org/presentationml/2006/main">
-  <p:tag name="THINKCELLSHAPEDONOTDELETE" val="phTkitw7pbkCh.in62wSPCQ"/>
-</p:tagLst>
-</file>
-
-<file path=ppt/tags/tag7.xml><?xml version="1.0" encoding="utf-8"?>
-<p:tagLst xmlns:p="http://schemas.openxmlformats.org/presentationml/2006/main">
-  <p:tag name="THINKCELLSHAPEDONOTDELETE" val="thinkcellActiveDocDoNotDelete"/>
-</p:tagLst>
-</file>
-
-<file path=ppt/tags/tag8.xml><?xml version="1.0" encoding="utf-8"?>
-<p:tagLst xmlns:p="http://schemas.openxmlformats.org/presentationml/2006/main">
-  <p:tag name="THINKCELLSHAPEDONOTDELETE" val="tfwyyb.Er3kuJvP2edmR95w"/>
-</p:tagLst>
-</file>
-
-<file path=ppt/tags/tag9.xml><?xml version="1.0" encoding="utf-8"?>
-<p:tagLst xmlns:p="http://schemas.openxmlformats.org/presentationml/2006/main">
-  <p:tag name="THINKCELLSHAPEDONOTDELETE" val="phTkitw7pbkCh.in62wSPCQ"/>
 </p:tagLst>
 </file>
 

--- a/epgn_info/epgn_info/apps/calculate/PPTModel/4zuo.pptx
+++ b/epgn_info/epgn_info/apps/calculate/PPTModel/4zuo.pptx
@@ -18627,57 +18627,14 @@
       </p:sp>
       <p:sp>
         <p:nvSpPr>
-          <p:cNvPr id="2" name="文本框 1"/>
-          <p:cNvSpPr txBox="1"/>
-          <p:nvPr/>
-        </p:nvSpPr>
-        <p:spPr>
-          <a:xfrm>
-            <a:off x="291465" y="1133475"/>
-            <a:ext cx="2344420" cy="368300"/>
-          </a:xfrm>
-          <a:prstGeom prst="rect">
-            <a:avLst/>
-          </a:prstGeom>
-          <a:noFill/>
-        </p:spPr>
-        <p:txBody>
-          <a:bodyPr wrap="none" rtlCol="0" anchor="t">
-            <a:spAutoFit/>
-          </a:bodyPr>
-          <a:p>
-            <a:pPr marL="238760" lvl="0" indent="-238760">
-              <a:spcAft>
-                <a:spcPct val="30000"/>
-              </a:spcAft>
-              <a:defRPr/>
-            </a:pPr>
-            <a:r>
-              <a:rPr lang="en-US" altLang="de-DE" b="1" dirty="0" smtClean="0">
-                <a:solidFill>
-                  <a:srgbClr val="000000"/>
-                </a:solidFill>
-                <a:latin typeface="Arial" panose="02080604020202020204" pitchFamily="34" charset="0"/>
-                <a:ea typeface="宋体" pitchFamily="2" charset="-122"/>
-                <a:cs typeface="Arial" panose="02080604020202020204" pitchFamily="34" charset="0"/>
-                <a:sym typeface="+mn-ea"/>
-              </a:rPr>
-              <a:t> D/N/R/P ohne Ac</a:t>
-            </a:r>
-            <a:endParaRPr lang="zh-CN" altLang="en-US"/>
-          </a:p>
-        </p:txBody>
-      </p:sp>
-      <p:sp>
-        <p:nvSpPr>
           <p:cNvPr id="8" name="文本框 7"/>
           <p:cNvSpPr txBox="1"/>
           <p:nvPr/>
         </p:nvSpPr>
         <p:spPr>
           <a:xfrm>
-            <a:off x="7731760" y="2593703"/>
-            <a:ext cx="1103086" cy="2306955"/>
+            <a:off x="7707630" y="2593975"/>
+            <a:ext cx="1398270" cy="1198880"/>
           </a:xfrm>
           <a:prstGeom prst="rect">
             <a:avLst/>
@@ -18695,23 +18652,7 @@
                   <a:srgbClr val="FF0000"/>
                 </a:solidFill>
               </a:rPr>
-              <a:t>D </a:t>
-            </a:r>
-            <a:r>
-              <a:rPr lang="en-US" altLang="zh-CN" dirty="0" err="1" smtClean="0">
-                <a:solidFill>
-                  <a:srgbClr val="FF0000"/>
-                </a:solidFill>
-              </a:rPr>
-              <a:t>mit</a:t>
-            </a:r>
-            <a:r>
-              <a:rPr lang="en-US" altLang="zh-CN" dirty="0" smtClean="0">
-                <a:solidFill>
-                  <a:srgbClr val="FF0000"/>
-                </a:solidFill>
-              </a:rPr>
-              <a:t> AC</a:t>
+              <a:t>D hone AC</a:t>
             </a:r>
             <a:endParaRPr lang="en-US" altLang="zh-CN" dirty="0" smtClean="0">
               <a:solidFill>
@@ -18726,23 +18667,7 @@
                   <a:srgbClr val="00FF00"/>
                 </a:solidFill>
               </a:rPr>
-              <a:t>N </a:t>
-            </a:r>
-            <a:r>
-              <a:rPr lang="en-US" altLang="zh-CN" dirty="0" err="1" smtClean="0">
-                <a:solidFill>
-                  <a:srgbClr val="00FF00"/>
-                </a:solidFill>
-              </a:rPr>
-              <a:t>mit</a:t>
-            </a:r>
-            <a:r>
-              <a:rPr lang="en-US" altLang="zh-CN" dirty="0" smtClean="0">
-                <a:solidFill>
-                  <a:srgbClr val="00FF00"/>
-                </a:solidFill>
-              </a:rPr>
-              <a:t> AC</a:t>
+              <a:t>N hone AC</a:t>
             </a:r>
             <a:endParaRPr lang="en-US" altLang="zh-CN" dirty="0" smtClean="0">
               <a:solidFill>
@@ -18757,23 +18682,7 @@
                   <a:srgbClr val="0000FF"/>
                 </a:solidFill>
               </a:rPr>
-              <a:t>P </a:t>
-            </a:r>
-            <a:r>
-              <a:rPr lang="en-US" altLang="zh-CN" dirty="0" err="1" smtClean="0">
-                <a:solidFill>
-                  <a:srgbClr val="0000FF"/>
-                </a:solidFill>
-              </a:rPr>
-              <a:t>mit</a:t>
-            </a:r>
-            <a:r>
-              <a:rPr lang="en-US" altLang="zh-CN" dirty="0" smtClean="0">
-                <a:solidFill>
-                  <a:srgbClr val="0000FF"/>
-                </a:solidFill>
-              </a:rPr>
-              <a:t> AC</a:t>
+              <a:t>P hone AC</a:t>
             </a:r>
             <a:endParaRPr lang="en-US" altLang="zh-CN" dirty="0" smtClean="0">
               <a:solidFill>
@@ -18788,23 +18697,7 @@
                   <a:srgbClr val="FFFF00"/>
                 </a:solidFill>
               </a:rPr>
-              <a:t>R </a:t>
-            </a:r>
-            <a:r>
-              <a:rPr lang="en-US" altLang="zh-CN" dirty="0" err="1" smtClean="0">
-                <a:solidFill>
-                  <a:srgbClr val="FFFF00"/>
-                </a:solidFill>
-              </a:rPr>
-              <a:t>mit</a:t>
-            </a:r>
-            <a:r>
-              <a:rPr lang="en-US" altLang="zh-CN" dirty="0" smtClean="0">
-                <a:solidFill>
-                  <a:srgbClr val="FFFF00"/>
-                </a:solidFill>
-              </a:rPr>
-              <a:t> AC</a:t>
+              <a:t>R hone AC</a:t>
             </a:r>
             <a:endParaRPr lang="zh-CN" altLang="en-US" dirty="0">
               <a:solidFill>
@@ -19095,8 +18988,8 @@
         </p:nvSpPr>
         <p:spPr>
           <a:xfrm>
-            <a:off x="7731760" y="2593703"/>
-            <a:ext cx="1103086" cy="2306955"/>
+            <a:off x="7731760" y="2593975"/>
+            <a:ext cx="1217930" cy="1198880"/>
           </a:xfrm>
           <a:prstGeom prst="rect">
             <a:avLst/>
@@ -19465,57 +19358,14 @@
       </p:sp>
       <p:sp>
         <p:nvSpPr>
-          <p:cNvPr id="2" name="文本框 1"/>
-          <p:cNvSpPr txBox="1"/>
-          <p:nvPr/>
-        </p:nvSpPr>
-        <p:spPr>
-          <a:xfrm>
-            <a:off x="291465" y="1133475"/>
-            <a:ext cx="2344420" cy="368300"/>
-          </a:xfrm>
-          <a:prstGeom prst="rect">
-            <a:avLst/>
-          </a:prstGeom>
-          <a:noFill/>
-        </p:spPr>
-        <p:txBody>
-          <a:bodyPr wrap="none" rtlCol="0" anchor="t">
-            <a:spAutoFit/>
-          </a:bodyPr>
-          <a:p>
-            <a:pPr marL="238760" lvl="0" indent="-238760">
-              <a:spcAft>
-                <a:spcPct val="30000"/>
-              </a:spcAft>
-              <a:defRPr/>
-            </a:pPr>
-            <a:r>
-              <a:rPr lang="en-US" altLang="de-DE" b="1" dirty="0" smtClean="0">
-                <a:solidFill>
-                  <a:srgbClr val="000000"/>
-                </a:solidFill>
-                <a:latin typeface="Arial" panose="02080604020202020204" pitchFamily="34" charset="0"/>
-                <a:ea typeface="宋体" pitchFamily="2" charset="-122"/>
-                <a:cs typeface="Arial" panose="02080604020202020204" pitchFamily="34" charset="0"/>
-                <a:sym typeface="+mn-ea"/>
-              </a:rPr>
-              <a:t> D/N/R/P ohne Ac</a:t>
-            </a:r>
-            <a:endParaRPr lang="zh-CN" altLang="en-US"/>
-          </a:p>
-        </p:txBody>
-      </p:sp>
-      <p:sp>
-        <p:nvSpPr>
           <p:cNvPr id="8" name="文本框 7"/>
           <p:cNvSpPr txBox="1"/>
           <p:nvPr/>
         </p:nvSpPr>
         <p:spPr>
           <a:xfrm>
-            <a:off x="7731760" y="2593703"/>
-            <a:ext cx="1103086" cy="2306955"/>
+            <a:off x="7731760" y="2593975"/>
+            <a:ext cx="1282700" cy="1198880"/>
           </a:xfrm>
           <a:prstGeom prst="rect">
             <a:avLst/>
@@ -19549,7 +19399,7 @@
                   <a:srgbClr val="FF0000"/>
                 </a:solidFill>
               </a:rPr>
-              <a:t> AC</a:t>
+              <a:t> All</a:t>
             </a:r>
             <a:endParaRPr lang="en-US" altLang="zh-CN" dirty="0" smtClean="0">
               <a:solidFill>
@@ -19580,7 +19430,7 @@
                   <a:srgbClr val="00FF00"/>
                 </a:solidFill>
               </a:rPr>
-              <a:t> AC</a:t>
+              <a:t> All</a:t>
             </a:r>
             <a:endParaRPr lang="en-US" altLang="zh-CN" dirty="0" smtClean="0">
               <a:solidFill>
@@ -19611,7 +19461,7 @@
                   <a:srgbClr val="0000FF"/>
                 </a:solidFill>
               </a:rPr>
-              <a:t> AC</a:t>
+              <a:t> All</a:t>
             </a:r>
             <a:endParaRPr lang="en-US" altLang="zh-CN" dirty="0" smtClean="0">
               <a:solidFill>
@@ -19642,7 +19492,7 @@
                   <a:srgbClr val="FFFF00"/>
                 </a:solidFill>
               </a:rPr>
-              <a:t> AC</a:t>
+              <a:t> All</a:t>
             </a:r>
             <a:endParaRPr lang="zh-CN" altLang="en-US" dirty="0">
               <a:solidFill>
@@ -20814,49 +20664,6 @@
           </a:p>
         </p:txBody>
       </p:sp>
-      <p:sp>
-        <p:nvSpPr>
-          <p:cNvPr id="2" name="文本框 1"/>
-          <p:cNvSpPr txBox="1"/>
-          <p:nvPr/>
-        </p:nvSpPr>
-        <p:spPr>
-          <a:xfrm>
-            <a:off x="291465" y="1133475"/>
-            <a:ext cx="999490" cy="368300"/>
-          </a:xfrm>
-          <a:prstGeom prst="rect">
-            <a:avLst/>
-          </a:prstGeom>
-          <a:noFill/>
-        </p:spPr>
-        <p:txBody>
-          <a:bodyPr wrap="none" rtlCol="0" anchor="t">
-            <a:spAutoFit/>
-          </a:bodyPr>
-          <a:p>
-            <a:pPr marL="238760" lvl="0" indent="-238760">
-              <a:spcAft>
-                <a:spcPct val="30000"/>
-              </a:spcAft>
-              <a:defRPr/>
-            </a:pPr>
-            <a:r>
-              <a:rPr lang="en-US" altLang="de-DE" b="1" dirty="0" smtClean="0">
-                <a:solidFill>
-                  <a:srgbClr val="000000"/>
-                </a:solidFill>
-                <a:latin typeface="Arial" panose="02080604020202020204" pitchFamily="34" charset="0"/>
-                <a:ea typeface="宋体" pitchFamily="2" charset="-122"/>
-                <a:cs typeface="Arial" panose="02080604020202020204" pitchFamily="34" charset="0"/>
-                <a:sym typeface="+mn-ea"/>
-              </a:rPr>
-              <a:t> F3 VZ</a:t>
-            </a:r>
-            <a:endParaRPr lang="zh-CN" altLang="en-US"/>
-          </a:p>
-        </p:txBody>
-      </p:sp>
     </p:spTree>
   </p:cSld>
   <p:clrMapOvr>
@@ -21084,49 +20891,6 @@
               <a:ea typeface="宋体" pitchFamily="2" charset="-122"/>
               <a:cs typeface="Arial" panose="02080604020202020204" pitchFamily="34" charset="0"/>
             </a:endParaRPr>
-          </a:p>
-        </p:txBody>
-      </p:sp>
-      <p:sp>
-        <p:nvSpPr>
-          <p:cNvPr id="2" name="文本框 1"/>
-          <p:cNvSpPr txBox="1"/>
-          <p:nvPr/>
-        </p:nvSpPr>
-        <p:spPr>
-          <a:xfrm>
-            <a:off x="291465" y="1133475"/>
-            <a:ext cx="998220" cy="368300"/>
-          </a:xfrm>
-          <a:prstGeom prst="rect">
-            <a:avLst/>
-          </a:prstGeom>
-          <a:noFill/>
-        </p:spPr>
-        <p:txBody>
-          <a:bodyPr wrap="none" rtlCol="0" anchor="t">
-            <a:spAutoFit/>
-          </a:bodyPr>
-          <a:p>
-            <a:pPr marL="238760" lvl="0" indent="-238760">
-              <a:spcAft>
-                <a:spcPct val="30000"/>
-              </a:spcAft>
-              <a:defRPr/>
-            </a:pPr>
-            <a:r>
-              <a:rPr lang="en-US" altLang="de-DE" b="1" dirty="0" smtClean="0">
-                <a:solidFill>
-                  <a:srgbClr val="000000"/>
-                </a:solidFill>
-                <a:latin typeface="Arial" panose="02080604020202020204" pitchFamily="34" charset="0"/>
-                <a:ea typeface="宋体" pitchFamily="2" charset="-122"/>
-                <a:cs typeface="Arial" panose="02080604020202020204" pitchFamily="34" charset="0"/>
-                <a:sym typeface="+mn-ea"/>
-              </a:rPr>
-              <a:t> F3 VS</a:t>
-            </a:r>
-            <a:endParaRPr lang="zh-CN" altLang="en-US"/>
           </a:p>
         </p:txBody>
       </p:sp>
@@ -21360,49 +21124,6 @@
           </a:p>
         </p:txBody>
       </p:sp>
-      <p:sp>
-        <p:nvSpPr>
-          <p:cNvPr id="2" name="文本框 1"/>
-          <p:cNvSpPr txBox="1"/>
-          <p:nvPr/>
-        </p:nvSpPr>
-        <p:spPr>
-          <a:xfrm>
-            <a:off x="291465" y="1133475"/>
-            <a:ext cx="999490" cy="368300"/>
-          </a:xfrm>
-          <a:prstGeom prst="rect">
-            <a:avLst/>
-          </a:prstGeom>
-          <a:noFill/>
-        </p:spPr>
-        <p:txBody>
-          <a:bodyPr wrap="none" rtlCol="0" anchor="t">
-            <a:spAutoFit/>
-          </a:bodyPr>
-          <a:p>
-            <a:pPr marL="238760" lvl="0" indent="-238760">
-              <a:spcAft>
-                <a:spcPct val="30000"/>
-              </a:spcAft>
-              <a:defRPr/>
-            </a:pPr>
-            <a:r>
-              <a:rPr lang="en-US" altLang="de-DE" b="1" dirty="0" smtClean="0">
-                <a:solidFill>
-                  <a:srgbClr val="000000"/>
-                </a:solidFill>
-                <a:latin typeface="Arial" panose="02080604020202020204" pitchFamily="34" charset="0"/>
-                <a:ea typeface="宋体" pitchFamily="2" charset="-122"/>
-                <a:cs typeface="Arial" panose="02080604020202020204" pitchFamily="34" charset="0"/>
-                <a:sym typeface="+mn-ea"/>
-              </a:rPr>
-              <a:t> F5 VZ</a:t>
-            </a:r>
-            <a:endParaRPr lang="zh-CN" altLang="en-US"/>
-          </a:p>
-        </p:txBody>
-      </p:sp>
     </p:spTree>
   </p:cSld>
   <p:clrMapOvr>
@@ -21647,49 +21368,6 @@
               <a:ea typeface="宋体" pitchFamily="2" charset="-122"/>
               <a:cs typeface="Arial" panose="02080604020202020204" pitchFamily="34" charset="0"/>
             </a:endParaRPr>
-          </a:p>
-        </p:txBody>
-      </p:sp>
-      <p:sp>
-        <p:nvSpPr>
-          <p:cNvPr id="2" name="文本框 1"/>
-          <p:cNvSpPr txBox="1"/>
-          <p:nvPr/>
-        </p:nvSpPr>
-        <p:spPr>
-          <a:xfrm>
-            <a:off x="291465" y="1133475"/>
-            <a:ext cx="1416050" cy="368300"/>
-          </a:xfrm>
-          <a:prstGeom prst="rect">
-            <a:avLst/>
-          </a:prstGeom>
-          <a:noFill/>
-        </p:spPr>
-        <p:txBody>
-          <a:bodyPr wrap="none" rtlCol="0" anchor="t">
-            <a:spAutoFit/>
-          </a:bodyPr>
-          <a:p>
-            <a:pPr marL="238760" lvl="0" indent="-238760">
-              <a:spcAft>
-                <a:spcPct val="30000"/>
-              </a:spcAft>
-              <a:defRPr/>
-            </a:pPr>
-            <a:r>
-              <a:rPr lang="en-US" altLang="de-DE" b="1" dirty="0" smtClean="0">
-                <a:solidFill>
-                  <a:srgbClr val="000000"/>
-                </a:solidFill>
-                <a:latin typeface="Arial" panose="02080604020202020204" pitchFamily="34" charset="0"/>
-                <a:ea typeface="宋体" pitchFamily="2" charset="-122"/>
-                <a:cs typeface="Arial" panose="02080604020202020204" pitchFamily="34" charset="0"/>
-                <a:sym typeface="+mn-ea"/>
-              </a:rPr>
-              <a:t> KP 80-20</a:t>
-            </a:r>
-            <a:endParaRPr lang="zh-CN" altLang="en-US"/>
           </a:p>
         </p:txBody>
       </p:sp>
@@ -21925,57 +21603,14 @@
       </p:sp>
       <p:sp>
         <p:nvSpPr>
-          <p:cNvPr id="2" name="文本框 1"/>
-          <p:cNvSpPr txBox="1"/>
-          <p:nvPr/>
-        </p:nvSpPr>
-        <p:spPr>
-          <a:xfrm>
-            <a:off x="291465" y="1133475"/>
-            <a:ext cx="2344420" cy="368300"/>
-          </a:xfrm>
-          <a:prstGeom prst="rect">
-            <a:avLst/>
-          </a:prstGeom>
-          <a:noFill/>
-        </p:spPr>
-        <p:txBody>
-          <a:bodyPr wrap="none" rtlCol="0" anchor="t">
-            <a:spAutoFit/>
-          </a:bodyPr>
-          <a:p>
-            <a:pPr marL="238760" lvl="0" indent="-238760">
-              <a:spcAft>
-                <a:spcPct val="30000"/>
-              </a:spcAft>
-              <a:defRPr/>
-            </a:pPr>
-            <a:r>
-              <a:rPr lang="en-US" altLang="de-DE" b="1" dirty="0" smtClean="0">
-                <a:solidFill>
-                  <a:srgbClr val="000000"/>
-                </a:solidFill>
-                <a:latin typeface="Arial" panose="02080604020202020204" pitchFamily="34" charset="0"/>
-                <a:ea typeface="宋体" pitchFamily="2" charset="-122"/>
-                <a:cs typeface="Arial" panose="02080604020202020204" pitchFamily="34" charset="0"/>
-                <a:sym typeface="+mn-ea"/>
-              </a:rPr>
-              <a:t> D/N/R/P ohne Ac</a:t>
-            </a:r>
-            <a:endParaRPr lang="zh-CN" altLang="en-US"/>
-          </a:p>
-        </p:txBody>
-      </p:sp>
-      <p:sp>
-        <p:nvSpPr>
           <p:cNvPr id="8" name="文本框 7"/>
           <p:cNvSpPr txBox="1"/>
           <p:nvPr/>
         </p:nvSpPr>
         <p:spPr>
           <a:xfrm>
-            <a:off x="7731760" y="2593703"/>
-            <a:ext cx="1103086" cy="2306955"/>
+            <a:off x="7731760" y="2593975"/>
+            <a:ext cx="1380490" cy="1198880"/>
           </a:xfrm>
           <a:prstGeom prst="rect">
             <a:avLst/>
@@ -22344,57 +21979,14 @@
       </p:sp>
       <p:sp>
         <p:nvSpPr>
-          <p:cNvPr id="2" name="文本框 1"/>
-          <p:cNvSpPr txBox="1"/>
-          <p:nvPr/>
-        </p:nvSpPr>
-        <p:spPr>
-          <a:xfrm>
-            <a:off x="291465" y="1133475"/>
-            <a:ext cx="2344420" cy="368300"/>
-          </a:xfrm>
-          <a:prstGeom prst="rect">
-            <a:avLst/>
-          </a:prstGeom>
-          <a:noFill/>
-        </p:spPr>
-        <p:txBody>
-          <a:bodyPr wrap="none" rtlCol="0" anchor="t">
-            <a:spAutoFit/>
-          </a:bodyPr>
-          <a:p>
-            <a:pPr marL="238760" lvl="0" indent="-238760">
-              <a:spcAft>
-                <a:spcPct val="30000"/>
-              </a:spcAft>
-              <a:defRPr/>
-            </a:pPr>
-            <a:r>
-              <a:rPr lang="en-US" altLang="de-DE" b="1" dirty="0" smtClean="0">
-                <a:solidFill>
-                  <a:srgbClr val="000000"/>
-                </a:solidFill>
-                <a:latin typeface="Arial" panose="02080604020202020204" pitchFamily="34" charset="0"/>
-                <a:ea typeface="宋体" pitchFamily="2" charset="-122"/>
-                <a:cs typeface="Arial" panose="02080604020202020204" pitchFamily="34" charset="0"/>
-                <a:sym typeface="+mn-ea"/>
-              </a:rPr>
-              <a:t> D/N/R/P ohne Ac</a:t>
-            </a:r>
-            <a:endParaRPr lang="zh-CN" altLang="en-US"/>
-          </a:p>
-        </p:txBody>
-      </p:sp>
-      <p:sp>
-        <p:nvSpPr>
           <p:cNvPr id="8" name="文本框 7"/>
           <p:cNvSpPr txBox="1"/>
           <p:nvPr/>
         </p:nvSpPr>
         <p:spPr>
           <a:xfrm>
-            <a:off x="7731760" y="2593703"/>
-            <a:ext cx="1103086" cy="2306955"/>
+            <a:off x="7731760" y="2593975"/>
+            <a:ext cx="1364615" cy="1198880"/>
           </a:xfrm>
           <a:prstGeom prst="rect">
             <a:avLst/>
@@ -22763,57 +22355,14 @@
       </p:sp>
       <p:sp>
         <p:nvSpPr>
-          <p:cNvPr id="2" name="文本框 1"/>
-          <p:cNvSpPr txBox="1"/>
-          <p:nvPr/>
-        </p:nvSpPr>
-        <p:spPr>
-          <a:xfrm>
-            <a:off x="291465" y="1133475"/>
-            <a:ext cx="2344420" cy="368300"/>
-          </a:xfrm>
-          <a:prstGeom prst="rect">
-            <a:avLst/>
-          </a:prstGeom>
-          <a:noFill/>
-        </p:spPr>
-        <p:txBody>
-          <a:bodyPr wrap="none" rtlCol="0" anchor="t">
-            <a:spAutoFit/>
-          </a:bodyPr>
-          <a:p>
-            <a:pPr marL="238760" lvl="0" indent="-238760">
-              <a:spcAft>
-                <a:spcPct val="30000"/>
-              </a:spcAft>
-              <a:defRPr/>
-            </a:pPr>
-            <a:r>
-              <a:rPr lang="en-US" altLang="de-DE" b="1" dirty="0" smtClean="0">
-                <a:solidFill>
-                  <a:srgbClr val="000000"/>
-                </a:solidFill>
-                <a:latin typeface="Arial" panose="02080604020202020204" pitchFamily="34" charset="0"/>
-                <a:ea typeface="宋体" pitchFamily="2" charset="-122"/>
-                <a:cs typeface="Arial" panose="02080604020202020204" pitchFamily="34" charset="0"/>
-                <a:sym typeface="+mn-ea"/>
-              </a:rPr>
-              <a:t> D/N/R/P ohne Ac</a:t>
-            </a:r>
-            <a:endParaRPr lang="zh-CN" altLang="en-US"/>
-          </a:p>
-        </p:txBody>
-      </p:sp>
-      <p:sp>
-        <p:nvSpPr>
           <p:cNvPr id="8" name="文本框 7"/>
           <p:cNvSpPr txBox="1"/>
           <p:nvPr/>
         </p:nvSpPr>
         <p:spPr>
           <a:xfrm>
-            <a:off x="7731760" y="2593703"/>
-            <a:ext cx="1103086" cy="2306955"/>
+            <a:off x="7626350" y="2593975"/>
+            <a:ext cx="1453515" cy="1198880"/>
           </a:xfrm>
           <a:prstGeom prst="rect">
             <a:avLst/>
@@ -22831,23 +22380,7 @@
                   <a:srgbClr val="FF0000"/>
                 </a:solidFill>
               </a:rPr>
-              <a:t>D </a:t>
-            </a:r>
-            <a:r>
-              <a:rPr lang="en-US" altLang="zh-CN" dirty="0" err="1" smtClean="0">
-                <a:solidFill>
-                  <a:srgbClr val="FF0000"/>
-                </a:solidFill>
-              </a:rPr>
-              <a:t>mit</a:t>
-            </a:r>
-            <a:r>
-              <a:rPr lang="en-US" altLang="zh-CN" dirty="0" smtClean="0">
-                <a:solidFill>
-                  <a:srgbClr val="FF0000"/>
-                </a:solidFill>
-              </a:rPr>
-              <a:t> AC</a:t>
+              <a:t>D hone AC</a:t>
             </a:r>
             <a:endParaRPr lang="en-US" altLang="zh-CN" dirty="0" smtClean="0">
               <a:solidFill>
@@ -22862,23 +22395,7 @@
                   <a:srgbClr val="00FF00"/>
                 </a:solidFill>
               </a:rPr>
-              <a:t>N </a:t>
-            </a:r>
-            <a:r>
-              <a:rPr lang="en-US" altLang="zh-CN" dirty="0" err="1" smtClean="0">
-                <a:solidFill>
-                  <a:srgbClr val="00FF00"/>
-                </a:solidFill>
-              </a:rPr>
-              <a:t>mit</a:t>
-            </a:r>
-            <a:r>
-              <a:rPr lang="en-US" altLang="zh-CN" dirty="0" smtClean="0">
-                <a:solidFill>
-                  <a:srgbClr val="00FF00"/>
-                </a:solidFill>
-              </a:rPr>
-              <a:t> AC</a:t>
+              <a:t>N hone AC</a:t>
             </a:r>
             <a:endParaRPr lang="en-US" altLang="zh-CN" dirty="0" smtClean="0">
               <a:solidFill>
@@ -22893,23 +22410,7 @@
                   <a:srgbClr val="0000FF"/>
                 </a:solidFill>
               </a:rPr>
-              <a:t>P </a:t>
-            </a:r>
-            <a:r>
-              <a:rPr lang="en-US" altLang="zh-CN" dirty="0" err="1" smtClean="0">
-                <a:solidFill>
-                  <a:srgbClr val="0000FF"/>
-                </a:solidFill>
-              </a:rPr>
-              <a:t>mit</a:t>
-            </a:r>
-            <a:r>
-              <a:rPr lang="en-US" altLang="zh-CN" dirty="0" smtClean="0">
-                <a:solidFill>
-                  <a:srgbClr val="0000FF"/>
-                </a:solidFill>
-              </a:rPr>
-              <a:t> AC</a:t>
+              <a:t>P hone AC</a:t>
             </a:r>
             <a:endParaRPr lang="en-US" altLang="zh-CN" dirty="0" smtClean="0">
               <a:solidFill>
@@ -22924,23 +22425,7 @@
                   <a:srgbClr val="FFFF00"/>
                 </a:solidFill>
               </a:rPr>
-              <a:t>R </a:t>
-            </a:r>
-            <a:r>
-              <a:rPr lang="en-US" altLang="zh-CN" dirty="0" err="1" smtClean="0">
-                <a:solidFill>
-                  <a:srgbClr val="FFFF00"/>
-                </a:solidFill>
-              </a:rPr>
-              <a:t>mit</a:t>
-            </a:r>
-            <a:r>
-              <a:rPr lang="en-US" altLang="zh-CN" dirty="0" smtClean="0">
-                <a:solidFill>
-                  <a:srgbClr val="FFFF00"/>
-                </a:solidFill>
-              </a:rPr>
-              <a:t> AC</a:t>
+              <a:t>R hone AC</a:t>
             </a:r>
             <a:endParaRPr lang="zh-CN" altLang="en-US" dirty="0">
               <a:solidFill>

--- a/epgn_info/epgn_info/apps/calculate/PPTModel/4zuo.pptx
+++ b/epgn_info/epgn_info/apps/calculate/PPTModel/4zuo.pptx
@@ -8,25 +8,24 @@
     <p:sldMasterId id="2147483670" r:id="rId5"/>
   </p:sldMasterIdLst>
   <p:notesMasterIdLst>
-    <p:notesMasterId r:id="rId19"/>
+    <p:notesMasterId r:id="rId18"/>
   </p:notesMasterIdLst>
   <p:handoutMasterIdLst>
-    <p:handoutMasterId r:id="rId20"/>
+    <p:handoutMasterId r:id="rId19"/>
   </p:handoutMasterIdLst>
   <p:sldIdLst>
     <p:sldId id="259" r:id="rId6"/>
-    <p:sldId id="282" r:id="rId7"/>
-    <p:sldId id="262" r:id="rId8"/>
-    <p:sldId id="263" r:id="rId9"/>
-    <p:sldId id="264" r:id="rId10"/>
-    <p:sldId id="265" r:id="rId11"/>
-    <p:sldId id="266" r:id="rId12"/>
-    <p:sldId id="275" r:id="rId13"/>
-    <p:sldId id="276" r:id="rId14"/>
-    <p:sldId id="277" r:id="rId15"/>
-    <p:sldId id="278" r:id="rId16"/>
-    <p:sldId id="279" r:id="rId17"/>
-    <p:sldId id="281" r:id="rId18"/>
+    <p:sldId id="262" r:id="rId7"/>
+    <p:sldId id="263" r:id="rId8"/>
+    <p:sldId id="264" r:id="rId9"/>
+    <p:sldId id="265" r:id="rId10"/>
+    <p:sldId id="266" r:id="rId11"/>
+    <p:sldId id="275" r:id="rId12"/>
+    <p:sldId id="276" r:id="rId13"/>
+    <p:sldId id="277" r:id="rId14"/>
+    <p:sldId id="278" r:id="rId15"/>
+    <p:sldId id="279" r:id="rId16"/>
+    <p:sldId id="281" r:id="rId17"/>
   </p:sldIdLst>
   <p:sldSz cx="9144000" cy="6858000" type="screen4x3"/>
   <p:notesSz cx="7103745" cy="10234295"/>
@@ -18201,14 +18200,14 @@
           <a:bodyPr/>
           <a:lstStyle/>
           <a:p>
-            <a:pPr lvl="0" indent="-238760">
+            <a:pPr lvl="0" indent="-238760" algn="l">
               <a:spcAft>
                 <a:spcPct val="30000"/>
               </a:spcAft>
               <a:defRPr/>
             </a:pPr>
             <a:r>
-              <a:rPr lang="de-DE" altLang="zh-CN" dirty="0">
+              <a:rPr altLang="de-DE" dirty="0">
                 <a:solidFill>
                   <a:srgbClr val="000000"/>
                 </a:solidFill>
@@ -18216,49 +18215,11 @@
                 <a:ea typeface="宋体" pitchFamily="2" charset="-122"/>
                 <a:cs typeface="Arial" panose="02080604020202020204" pitchFamily="34" charset="0"/>
               </a:rPr>
-              <a:t>SK316/4CS_K Kamiq GT 1.2T /85KW CVF09/19 Fahrzeug SVS-301 </a:t>
-            </a:r>
-            <a:br>
-              <a:rPr lang="de-DE" altLang="zh-CN" dirty="0" smtClean="0">
-                <a:solidFill>
-                  <a:srgbClr val="000000"/>
-                </a:solidFill>
-                <a:latin typeface="Arial" panose="02080604020202020204" pitchFamily="34" charset="0"/>
-                <a:ea typeface="宋体" pitchFamily="2" charset="-122"/>
-                <a:cs typeface="Arial" panose="02080604020202020204" pitchFamily="34" charset="0"/>
-              </a:rPr>
-            </a:br>
-            <a:r>
-              <a:rPr lang="de-DE" altLang="zh-CN" sz="1800" dirty="0" smtClean="0">
-                <a:solidFill>
-                  <a:srgbClr val="505050">
-                    <a:lumMod val="50000"/>
-                  </a:srgbClr>
-                </a:solidFill>
-                <a:latin typeface="Arial" panose="02080604020202020204" pitchFamily="34" charset="0"/>
-                <a:ea typeface="宋体" pitchFamily="2" charset="-122"/>
-                <a:cs typeface="Arial" panose="02080604020202020204" pitchFamily="34" charset="0"/>
-              </a:rPr>
-              <a:t>Gesamtfahrzeug </a:t>
-            </a:r>
-            <a:r>
-              <a:rPr lang="de-DE" altLang="zh-CN" sz="1800" dirty="0">
-                <a:solidFill>
-                  <a:srgbClr val="505050">
-                    <a:lumMod val="50000"/>
-                  </a:srgbClr>
-                </a:solidFill>
-                <a:latin typeface="Arial" panose="02080604020202020204" pitchFamily="34" charset="0"/>
-                <a:ea typeface="宋体" pitchFamily="2" charset="-122"/>
-                <a:cs typeface="Arial" panose="02080604020202020204" pitchFamily="34" charset="0"/>
-              </a:rPr>
-              <a:t>Akustik Status</a:t>
-            </a:r>
-            <a:endParaRPr lang="de-DE" altLang="zh-CN" sz="1800" dirty="0">
+              <a:t>Default</a:t>
+            </a:r>
+            <a:endParaRPr altLang="de-DE" dirty="0">
               <a:solidFill>
-                <a:srgbClr val="505050">
-                  <a:lumMod val="50000"/>
-                </a:srgbClr>
+                <a:srgbClr val="000000"/>
               </a:solidFill>
               <a:latin typeface="Arial" panose="02080604020202020204" pitchFamily="34" charset="0"/>
               <a:ea typeface="宋体" pitchFamily="2" charset="-122"/>
@@ -18342,7 +18303,7 @@
             </a:r>
             <a:r>
               <a:rPr lang="en-US" dirty="0" smtClean="0"/>
-              <a:t>Date：		2019.03.19</a:t>
+              <a:t>Date：		XXXX.XX.XX</a:t>
             </a:r>
             <a:endParaRPr lang="en-US" dirty="0"/>
           </a:p>
@@ -18627,14 +18588,14 @@
       </p:sp>
       <p:sp>
         <p:nvSpPr>
-          <p:cNvPr id="8" name="文本框 7"/>
+          <p:cNvPr id="2" name="文本框 1"/>
           <p:cNvSpPr txBox="1"/>
           <p:nvPr/>
         </p:nvSpPr>
         <p:spPr>
           <a:xfrm>
-            <a:off x="7707630" y="2593975"/>
-            <a:ext cx="1398270" cy="1198880"/>
+            <a:off x="291465" y="1133475"/>
+            <a:ext cx="2344420" cy="368300"/>
           </a:xfrm>
           <a:prstGeom prst="rect">
             <a:avLst/>
@@ -18642,68 +18603,29 @@
           <a:noFill/>
         </p:spPr>
         <p:txBody>
-          <a:bodyPr wrap="square" rtlCol="0">
+          <a:bodyPr wrap="none" rtlCol="0" anchor="t">
             <a:spAutoFit/>
           </a:bodyPr>
           <a:p>
-            <a:r>
-              <a:rPr lang="en-US" altLang="zh-CN" dirty="0" smtClean="0">
-                <a:solidFill>
-                  <a:srgbClr val="FF0000"/>
-                </a:solidFill>
+            <a:pPr marL="238760" lvl="0" indent="-238760">
+              <a:spcAft>
+                <a:spcPct val="30000"/>
+              </a:spcAft>
+              <a:defRPr/>
+            </a:pPr>
+            <a:r>
+              <a:rPr lang="en-US" altLang="de-DE" b="1" dirty="0" smtClean="0">
+                <a:solidFill>
+                  <a:srgbClr val="000000"/>
+                </a:solidFill>
+                <a:latin typeface="Arial" panose="02080604020202020204" pitchFamily="34" charset="0"/>
+                <a:ea typeface="宋体" pitchFamily="2" charset="-122"/>
+                <a:cs typeface="Arial" panose="02080604020202020204" pitchFamily="34" charset="0"/>
+                <a:sym typeface="+mn-ea"/>
               </a:rPr>
-              <a:t>D hone AC</a:t>
-            </a:r>
-            <a:endParaRPr lang="en-US" altLang="zh-CN" dirty="0" smtClean="0">
-              <a:solidFill>
-                <a:srgbClr val="FF0000"/>
-              </a:solidFill>
-            </a:endParaRPr>
-          </a:p>
-          <a:p>
-            <a:r>
-              <a:rPr lang="en-US" altLang="zh-CN" dirty="0" smtClean="0">
-                <a:solidFill>
-                  <a:srgbClr val="00FF00"/>
-                </a:solidFill>
-              </a:rPr>
-              <a:t>N hone AC</a:t>
-            </a:r>
-            <a:endParaRPr lang="en-US" altLang="zh-CN" dirty="0" smtClean="0">
-              <a:solidFill>
-                <a:srgbClr val="00FF00"/>
-              </a:solidFill>
-            </a:endParaRPr>
-          </a:p>
-          <a:p>
-            <a:r>
-              <a:rPr lang="en-US" altLang="zh-CN" dirty="0" smtClean="0">
-                <a:solidFill>
-                  <a:srgbClr val="0000FF"/>
-                </a:solidFill>
-              </a:rPr>
-              <a:t>P hone AC</a:t>
-            </a:r>
-            <a:endParaRPr lang="en-US" altLang="zh-CN" dirty="0" smtClean="0">
-              <a:solidFill>
-                <a:srgbClr val="0000FF"/>
-              </a:solidFill>
-            </a:endParaRPr>
-          </a:p>
-          <a:p>
-            <a:r>
-              <a:rPr lang="en-US" altLang="zh-CN" dirty="0" smtClean="0">
-                <a:solidFill>
-                  <a:srgbClr val="FFFF00"/>
-                </a:solidFill>
-              </a:rPr>
-              <a:t>R hone AC</a:t>
-            </a:r>
-            <a:endParaRPr lang="zh-CN" altLang="en-US" dirty="0">
-              <a:solidFill>
-                <a:srgbClr val="FFFF00"/>
-              </a:solidFill>
-            </a:endParaRPr>
+              <a:t> D/N/R/P ohne Ac</a:t>
+            </a:r>
+            <a:endParaRPr lang="zh-CN" altLang="en-US"/>
           </a:p>
         </p:txBody>
       </p:sp>
@@ -18937,195 +18859,6 @@
           </a:p>
         </p:txBody>
       </p:sp>
-      <p:sp>
-        <p:nvSpPr>
-          <p:cNvPr id="2" name="文本框 1"/>
-          <p:cNvSpPr txBox="1"/>
-          <p:nvPr/>
-        </p:nvSpPr>
-        <p:spPr>
-          <a:xfrm>
-            <a:off x="291465" y="1133475"/>
-            <a:ext cx="2344420" cy="368300"/>
-          </a:xfrm>
-          <a:prstGeom prst="rect">
-            <a:avLst/>
-          </a:prstGeom>
-          <a:noFill/>
-        </p:spPr>
-        <p:txBody>
-          <a:bodyPr wrap="none" rtlCol="0" anchor="t">
-            <a:spAutoFit/>
-          </a:bodyPr>
-          <a:p>
-            <a:pPr marL="238760" lvl="0" indent="-238760">
-              <a:spcAft>
-                <a:spcPct val="30000"/>
-              </a:spcAft>
-              <a:defRPr/>
-            </a:pPr>
-            <a:r>
-              <a:rPr lang="en-US" altLang="de-DE" b="1" dirty="0" smtClean="0">
-                <a:solidFill>
-                  <a:srgbClr val="000000"/>
-                </a:solidFill>
-                <a:latin typeface="Arial" panose="02080604020202020204" pitchFamily="34" charset="0"/>
-                <a:ea typeface="宋体" pitchFamily="2" charset="-122"/>
-                <a:cs typeface="Arial" panose="02080604020202020204" pitchFamily="34" charset="0"/>
-                <a:sym typeface="+mn-ea"/>
-              </a:rPr>
-              <a:t> D/N/R/P ohne Ac</a:t>
-            </a:r>
-            <a:endParaRPr lang="zh-CN" altLang="en-US"/>
-          </a:p>
-        </p:txBody>
-      </p:sp>
-      <p:sp>
-        <p:nvSpPr>
-          <p:cNvPr id="8" name="文本框 7"/>
-          <p:cNvSpPr txBox="1"/>
-          <p:nvPr/>
-        </p:nvSpPr>
-        <p:spPr>
-          <a:xfrm>
-            <a:off x="7731760" y="2593975"/>
-            <a:ext cx="1217930" cy="1198880"/>
-          </a:xfrm>
-          <a:prstGeom prst="rect">
-            <a:avLst/>
-          </a:prstGeom>
-          <a:noFill/>
-        </p:spPr>
-        <p:txBody>
-          <a:bodyPr wrap="square" rtlCol="0">
-            <a:spAutoFit/>
-          </a:bodyPr>
-          <a:p>
-            <a:r>
-              <a:rPr lang="en-US" altLang="zh-CN" dirty="0" smtClean="0">
-                <a:solidFill>
-                  <a:srgbClr val="FF0000"/>
-                </a:solidFill>
-              </a:rPr>
-              <a:t>D </a:t>
-            </a:r>
-            <a:r>
-              <a:rPr lang="en-US" altLang="zh-CN" dirty="0" err="1" smtClean="0">
-                <a:solidFill>
-                  <a:srgbClr val="FF0000"/>
-                </a:solidFill>
-              </a:rPr>
-              <a:t>mit</a:t>
-            </a:r>
-            <a:r>
-              <a:rPr lang="en-US" altLang="zh-CN" dirty="0" smtClean="0">
-                <a:solidFill>
-                  <a:srgbClr val="FF0000"/>
-                </a:solidFill>
-              </a:rPr>
-              <a:t> AC</a:t>
-            </a:r>
-            <a:endParaRPr lang="en-US" altLang="zh-CN" dirty="0" smtClean="0">
-              <a:solidFill>
-                <a:srgbClr val="FF0000"/>
-              </a:solidFill>
-            </a:endParaRPr>
-          </a:p>
-          <a:p>
-            <a:r>
-              <a:rPr lang="en-US" altLang="zh-CN" dirty="0" smtClean="0">
-                <a:solidFill>
-                  <a:srgbClr val="00FF00"/>
-                </a:solidFill>
-              </a:rPr>
-              <a:t>N </a:t>
-            </a:r>
-            <a:r>
-              <a:rPr lang="en-US" altLang="zh-CN" dirty="0" err="1" smtClean="0">
-                <a:solidFill>
-                  <a:srgbClr val="00FF00"/>
-                </a:solidFill>
-              </a:rPr>
-              <a:t>mit</a:t>
-            </a:r>
-            <a:r>
-              <a:rPr lang="en-US" altLang="zh-CN" dirty="0" smtClean="0">
-                <a:solidFill>
-                  <a:srgbClr val="00FF00"/>
-                </a:solidFill>
-              </a:rPr>
-              <a:t> AC</a:t>
-            </a:r>
-            <a:endParaRPr lang="en-US" altLang="zh-CN" dirty="0" smtClean="0">
-              <a:solidFill>
-                <a:srgbClr val="00FF00"/>
-              </a:solidFill>
-            </a:endParaRPr>
-          </a:p>
-          <a:p>
-            <a:r>
-              <a:rPr lang="en-US" altLang="zh-CN" dirty="0" smtClean="0">
-                <a:solidFill>
-                  <a:srgbClr val="0000FF"/>
-                </a:solidFill>
-              </a:rPr>
-              <a:t>P </a:t>
-            </a:r>
-            <a:r>
-              <a:rPr lang="en-US" altLang="zh-CN" dirty="0" err="1" smtClean="0">
-                <a:solidFill>
-                  <a:srgbClr val="0000FF"/>
-                </a:solidFill>
-              </a:rPr>
-              <a:t>mit</a:t>
-            </a:r>
-            <a:r>
-              <a:rPr lang="en-US" altLang="zh-CN" dirty="0" smtClean="0">
-                <a:solidFill>
-                  <a:srgbClr val="0000FF"/>
-                </a:solidFill>
-              </a:rPr>
-              <a:t> AC</a:t>
-            </a:r>
-            <a:endParaRPr lang="en-US" altLang="zh-CN" dirty="0" smtClean="0">
-              <a:solidFill>
-                <a:srgbClr val="0000FF"/>
-              </a:solidFill>
-            </a:endParaRPr>
-          </a:p>
-          <a:p>
-            <a:r>
-              <a:rPr lang="en-US" altLang="zh-CN" dirty="0" smtClean="0">
-                <a:solidFill>
-                  <a:srgbClr val="FFFF00"/>
-                </a:solidFill>
-              </a:rPr>
-              <a:t>R </a:t>
-            </a:r>
-            <a:r>
-              <a:rPr lang="en-US" altLang="zh-CN" dirty="0" err="1" smtClean="0">
-                <a:solidFill>
-                  <a:srgbClr val="FFFF00"/>
-                </a:solidFill>
-              </a:rPr>
-              <a:t>mit</a:t>
-            </a:r>
-            <a:r>
-              <a:rPr lang="en-US" altLang="zh-CN" dirty="0" smtClean="0">
-                <a:solidFill>
-                  <a:srgbClr val="FFFF00"/>
-                </a:solidFill>
-              </a:rPr>
-              <a:t> AC</a:t>
-            </a:r>
-            <a:endParaRPr lang="zh-CN" altLang="en-US" dirty="0">
-              <a:solidFill>
-                <a:srgbClr val="FFFF00"/>
-              </a:solidFill>
-            </a:endParaRPr>
-          </a:p>
-        </p:txBody>
-      </p:sp>
     </p:spTree>
   </p:cSld>
   <p:clrMapOvr>
@@ -19303,69 +19036,14 @@
       </p:sp>
       <p:sp>
         <p:nvSpPr>
-          <p:cNvPr id="15" name="矩形 14"/>
-          <p:cNvSpPr/>
-          <p:nvPr>
-            <p:custDataLst>
-              <p:tags r:id="rId5"/>
-            </p:custDataLst>
-          </p:nvPr>
-        </p:nvSpPr>
-        <p:spPr>
-          <a:xfrm>
-            <a:off x="189558" y="325230"/>
-            <a:ext cx="7317028" cy="306705"/>
-          </a:xfrm>
-          <a:prstGeom prst="rect">
-            <a:avLst/>
-          </a:prstGeom>
-        </p:spPr>
-        <p:txBody>
-          <a:bodyPr wrap="square">
-            <a:spAutoFit/>
-          </a:bodyPr>
-          <a:lstStyle/>
-          <a:p>
-            <a:pPr marL="238760" lvl="0" indent="-238760">
-              <a:spcAft>
-                <a:spcPct val="30000"/>
-              </a:spcAft>
-              <a:defRPr/>
-            </a:pPr>
-            <a:r>
-              <a:rPr lang="en-US" altLang="de-DE" sz="1400" b="1" dirty="0" smtClean="0">
-                <a:solidFill>
-                  <a:srgbClr val="000000"/>
-                </a:solidFill>
-                <a:latin typeface="Arial" panose="02080604020202020204" pitchFamily="34" charset="0"/>
-                <a:ea typeface="宋体" pitchFamily="2" charset="-122"/>
-                <a:cs typeface="Arial" panose="02080604020202020204" pitchFamily="34" charset="0"/>
-              </a:rPr>
-              <a:t>Leerlauf-Komfort</a:t>
-            </a:r>
-            <a:endParaRPr lang="en-US" altLang="de-DE" sz="1200" b="1" dirty="0" smtClean="0">
-              <a:solidFill>
-                <a:srgbClr val="505050">
-                  <a:lumMod val="50000"/>
-                </a:srgbClr>
-              </a:solidFill>
-              <a:latin typeface="Arial" panose="02080604020202020204" pitchFamily="34" charset="0"/>
-              <a:ea typeface="宋体" pitchFamily="2" charset="-122"/>
-              <a:cs typeface="Arial" panose="02080604020202020204" pitchFamily="34" charset="0"/>
-            </a:endParaRPr>
-          </a:p>
-        </p:txBody>
-      </p:sp>
-      <p:sp>
-        <p:nvSpPr>
-          <p:cNvPr id="8" name="文本框 7"/>
+          <p:cNvPr id="3" name="文本框 2"/>
           <p:cNvSpPr txBox="1"/>
           <p:nvPr/>
         </p:nvSpPr>
         <p:spPr>
           <a:xfrm>
-            <a:off x="7731760" y="2593975"/>
-            <a:ext cx="1282700" cy="1198880"/>
+            <a:off x="158750" y="343989"/>
+            <a:ext cx="2560320" cy="369332"/>
           </a:xfrm>
           <a:prstGeom prst="rect">
             <a:avLst/>
@@ -19377,127 +19055,25 @@
             <a:spAutoFit/>
           </a:bodyPr>
           <a:p>
-            <a:r>
-              <a:rPr lang="en-US" altLang="zh-CN" dirty="0" smtClean="0">
-                <a:solidFill>
-                  <a:srgbClr val="FF0000"/>
-                </a:solidFill>
-              </a:rPr>
-              <a:t>D </a:t>
-            </a:r>
-            <a:r>
-              <a:rPr lang="en-US" altLang="zh-CN" dirty="0" err="1" smtClean="0">
-                <a:solidFill>
-                  <a:srgbClr val="FF0000"/>
-                </a:solidFill>
-              </a:rPr>
-              <a:t>mit</a:t>
-            </a:r>
-            <a:r>
-              <a:rPr lang="en-US" altLang="zh-CN" dirty="0" smtClean="0">
-                <a:solidFill>
-                  <a:srgbClr val="FF0000"/>
-                </a:solidFill>
-              </a:rPr>
-              <a:t> All</a:t>
-            </a:r>
-            <a:endParaRPr lang="en-US" altLang="zh-CN" dirty="0" smtClean="0">
+            <a:pPr marL="238760" lvl="0" indent="-238760">
+              <a:spcAft>
+                <a:spcPct val="30000"/>
+              </a:spcAft>
+              <a:defRPr/>
+            </a:pPr>
+            <a:r>
+              <a:rPr lang="en-US" altLang="zh-CN" b="1" dirty="0" smtClean="0"/>
+              <a:t>Start-Stop</a:t>
+            </a:r>
+            <a:endParaRPr lang="de-DE" altLang="zh-CN" b="1" dirty="0">
               <a:solidFill>
-                <a:srgbClr val="FF0000"/>
+                <a:srgbClr val="505050">
+                  <a:lumMod val="50000"/>
+                </a:srgbClr>
               </a:solidFill>
-            </a:endParaRPr>
-          </a:p>
-          <a:p>
-            <a:r>
-              <a:rPr lang="en-US" altLang="zh-CN" dirty="0" smtClean="0">
-                <a:solidFill>
-                  <a:srgbClr val="00FF00"/>
-                </a:solidFill>
-              </a:rPr>
-              <a:t>N </a:t>
-            </a:r>
-            <a:r>
-              <a:rPr lang="en-US" altLang="zh-CN" dirty="0" err="1" smtClean="0">
-                <a:solidFill>
-                  <a:srgbClr val="00FF00"/>
-                </a:solidFill>
-              </a:rPr>
-              <a:t>mit</a:t>
-            </a:r>
-            <a:r>
-              <a:rPr lang="en-US" altLang="zh-CN" dirty="0" smtClean="0">
-                <a:solidFill>
-                  <a:srgbClr val="00FF00"/>
-                </a:solidFill>
-              </a:rPr>
-              <a:t> All</a:t>
-            </a:r>
-            <a:endParaRPr lang="en-US" altLang="zh-CN" dirty="0" smtClean="0">
-              <a:solidFill>
-                <a:srgbClr val="00FF00"/>
-              </a:solidFill>
-            </a:endParaRPr>
-          </a:p>
-          <a:p>
-            <a:r>
-              <a:rPr lang="en-US" altLang="zh-CN" dirty="0" smtClean="0">
-                <a:solidFill>
-                  <a:srgbClr val="0000FF"/>
-                </a:solidFill>
-              </a:rPr>
-              <a:t>P </a:t>
-            </a:r>
-            <a:r>
-              <a:rPr lang="en-US" altLang="zh-CN" dirty="0" err="1" smtClean="0">
-                <a:solidFill>
-                  <a:srgbClr val="0000FF"/>
-                </a:solidFill>
-              </a:rPr>
-              <a:t>mit</a:t>
-            </a:r>
-            <a:r>
-              <a:rPr lang="en-US" altLang="zh-CN" dirty="0" smtClean="0">
-                <a:solidFill>
-                  <a:srgbClr val="0000FF"/>
-                </a:solidFill>
-              </a:rPr>
-              <a:t> All</a:t>
-            </a:r>
-            <a:endParaRPr lang="en-US" altLang="zh-CN" dirty="0" smtClean="0">
-              <a:solidFill>
-                <a:srgbClr val="0000FF"/>
-              </a:solidFill>
-            </a:endParaRPr>
-          </a:p>
-          <a:p>
-            <a:r>
-              <a:rPr lang="en-US" altLang="zh-CN" dirty="0" smtClean="0">
-                <a:solidFill>
-                  <a:srgbClr val="FFFF00"/>
-                </a:solidFill>
-              </a:rPr>
-              <a:t>R </a:t>
-            </a:r>
-            <a:r>
-              <a:rPr lang="en-US" altLang="zh-CN" dirty="0" err="1" smtClean="0">
-                <a:solidFill>
-                  <a:srgbClr val="FFFF00"/>
-                </a:solidFill>
-              </a:rPr>
-              <a:t>mit</a:t>
-            </a:r>
-            <a:r>
-              <a:rPr lang="en-US" altLang="zh-CN" dirty="0" smtClean="0">
-                <a:solidFill>
-                  <a:srgbClr val="FFFF00"/>
-                </a:solidFill>
-              </a:rPr>
-              <a:t> All</a:t>
-            </a:r>
-            <a:endParaRPr lang="zh-CN" altLang="en-US" dirty="0">
-              <a:solidFill>
-                <a:srgbClr val="FFFF00"/>
-              </a:solidFill>
+              <a:latin typeface="Arial" panose="02080604020202020204" pitchFamily="34" charset="0"/>
+              <a:ea typeface="宋体" pitchFamily="2" charset="-122"/>
+              <a:cs typeface="Arial" panose="02080604020202020204" pitchFamily="34" charset="0"/>
             </a:endParaRPr>
           </a:p>
         </p:txBody>
@@ -19517,7 +19093,7 @@
 </p:sld>
 </file>
 
-<file path=ppt/slides/slide13.xml><?xml version="1.0" encoding="utf-8"?>
+<file path=ppt/slides/slide2.xml><?xml version="1.0" encoding="utf-8"?>
 <p:sld xmlns:a="http://schemas.openxmlformats.org/drawingml/2006/main" xmlns:r="http://schemas.openxmlformats.org/officeDocument/2006/relationships" xmlns:p="http://schemas.openxmlformats.org/presentationml/2006/main">
   <p:cSld>
     <p:spTree>
@@ -19679,149 +19255,18 @@
       </p:sp>
       <p:sp>
         <p:nvSpPr>
-          <p:cNvPr id="3" name="文本框 2"/>
-          <p:cNvSpPr txBox="1"/>
-          <p:nvPr/>
-        </p:nvSpPr>
-        <p:spPr>
-          <a:xfrm>
-            <a:off x="158750" y="343989"/>
-            <a:ext cx="2560320" cy="369332"/>
-          </a:xfrm>
-          <a:prstGeom prst="rect">
-            <a:avLst/>
-          </a:prstGeom>
-          <a:noFill/>
-        </p:spPr>
-        <p:txBody>
-          <a:bodyPr wrap="square" rtlCol="0">
-            <a:spAutoFit/>
-          </a:bodyPr>
-          <a:p>
-            <a:pPr marL="238760" lvl="0" indent="-238760">
-              <a:spcAft>
-                <a:spcPct val="30000"/>
-              </a:spcAft>
-              <a:defRPr/>
-            </a:pPr>
-            <a:r>
-              <a:rPr lang="en-US" altLang="zh-CN" b="1" dirty="0" smtClean="0"/>
-              <a:t>Start-Stop</a:t>
-            </a:r>
-            <a:endParaRPr lang="de-DE" altLang="zh-CN" b="1" dirty="0">
-              <a:solidFill>
-                <a:srgbClr val="505050">
-                  <a:lumMod val="50000"/>
-                </a:srgbClr>
-              </a:solidFill>
-              <a:latin typeface="Arial" panose="02080604020202020204" pitchFamily="34" charset="0"/>
-              <a:ea typeface="宋体" pitchFamily="2" charset="-122"/>
-              <a:cs typeface="Arial" panose="02080604020202020204" pitchFamily="34" charset="0"/>
-            </a:endParaRPr>
-          </a:p>
-        </p:txBody>
-      </p:sp>
-    </p:spTree>
-  </p:cSld>
-  <p:clrMapOvr>
-    <a:masterClrMapping/>
-  </p:clrMapOvr>
-  <p:timing>
-    <p:tnLst>
-      <p:par>
-        <p:cTn id="1" dur="indefinite" restart="never" nodeType="tmRoot"/>
-      </p:par>
-    </p:tnLst>
-  </p:timing>
-</p:sld>
-</file>
-
-<file path=ppt/slides/slide2.xml><?xml version="1.0" encoding="utf-8"?>
-<p:sld xmlns:a="http://schemas.openxmlformats.org/drawingml/2006/main" xmlns:r="http://schemas.openxmlformats.org/officeDocument/2006/relationships" xmlns:p="http://schemas.openxmlformats.org/presentationml/2006/main">
-  <p:cSld>
-    <p:spTree>
-      <p:nvGrpSpPr>
-        <p:cNvPr id="1" name=""/>
-        <p:cNvGrpSpPr/>
-        <p:nvPr/>
-      </p:nvGrpSpPr>
-      <p:grpSpPr>
-        <a:xfrm>
-          <a:off x="0" y="0"/>
-          <a:ext cx="0" cy="0"/>
-          <a:chOff x="0" y="0"/>
-          <a:chExt cx="0" cy="0"/>
-        </a:xfrm>
-      </p:grpSpPr>
-      <p:graphicFrame>
-        <p:nvGraphicFramePr>
-          <p:cNvPr id="5" name="对象 4" hidden="1"/>
-          <p:cNvGraphicFramePr>
-            <a:graphicFrameLocks noChangeAspect="1"/>
-          </p:cNvGraphicFramePr>
-          <p:nvPr>
-            <p:custDataLst>
-              <p:tags r:id="rId1"/>
-            </p:custDataLst>
-          </p:nvPr>
-        </p:nvGraphicFramePr>
-        <p:xfrm>
-          <a:off x="0" y="0"/>
-          <a:ext cx="158750" cy="158750"/>
-        </p:xfrm>
-        <a:graphic>
-          <a:graphicData uri="http://schemas.openxmlformats.org/presentationml/2006/ole">
-            <mc:AlternateContent xmlns:mc="http://schemas.openxmlformats.org/markup-compatibility/2006">
-              <mc:Choice xmlns:v="urn:schemas-microsoft-com:vml" Requires="v">
-                <p:oleObj spid="_x0000_s41061" name="think-cell 幻灯片" r:id="rId2" imgW="0" imgH="0" progId="TCLayout.ActiveDocument.1">
-                  <p:embed/>
-                </p:oleObj>
-              </mc:Choice>
-              <mc:Fallback>
-                <p:oleObj name="think-cell 幻灯片" r:id="rId2" imgW="0" imgH="0" progId="TCLayout.ActiveDocument.1">
-                  <p:embed/>
-                  <p:pic>
-                    <p:nvPicPr>
-                      <p:cNvPr id="0" name="对象 4" hidden="1"/>
-                      <p:cNvPicPr/>
-                      <p:nvPr/>
-                    </p:nvPicPr>
-                    <p:blipFill>
-                      <a:blip r:embed="rId3"/>
-                      <a:stretch>
-                        <a:fillRect/>
-                      </a:stretch>
-                    </p:blipFill>
-                    <p:spPr>
-                      <a:xfrm>
-                        <a:off x="0" y="0"/>
-                        <a:ext cx="158750" cy="158750"/>
-                      </a:xfrm>
-                      <a:prstGeom prst="rect">
-                        <a:avLst/>
-                      </a:prstGeom>
-                    </p:spPr>
-                  </p:pic>
-                </p:oleObj>
-              </mc:Fallback>
-            </mc:AlternateContent>
-          </a:graphicData>
-        </a:graphic>
-      </p:graphicFrame>
-      <p:sp>
-        <p:nvSpPr>
-          <p:cNvPr id="6" name="矩形 5"/>
+          <p:cNvPr id="15" name="矩形 14"/>
           <p:cNvSpPr/>
           <p:nvPr>
             <p:custDataLst>
-              <p:tags r:id="rId4"/>
+              <p:tags r:id="rId5"/>
             </p:custDataLst>
           </p:nvPr>
         </p:nvSpPr>
         <p:spPr>
           <a:xfrm>
-            <a:off x="158750" y="158750"/>
-            <a:ext cx="8188415" cy="729430"/>
+            <a:off x="189558" y="325230"/>
+            <a:ext cx="7317028" cy="306705"/>
           </a:xfrm>
           <a:prstGeom prst="rect">
             <a:avLst/>
@@ -19840,7 +19285,7 @@
               <a:defRPr/>
             </a:pPr>
             <a:r>
-              <a:rPr lang="de-DE" altLang="zh-CN" b="1" dirty="0">
+              <a:rPr lang="en-US" altLang="de-DE" sz="1400" b="1" dirty="0" smtClean="0">
                 <a:solidFill>
                   <a:srgbClr val="000000"/>
                 </a:solidFill>
@@ -19848,589 +19293,90 @@
                 <a:ea typeface="宋体" pitchFamily="2" charset="-122"/>
                 <a:cs typeface="Arial" panose="02080604020202020204" pitchFamily="34" charset="0"/>
               </a:rPr>
-              <a:t>VW</a:t>
-            </a:r>
-            <a:r>
-              <a:rPr lang="en-US" altLang="zh-CN" b="1" dirty="0">
-                <a:solidFill>
-                  <a:srgbClr val="000000"/>
-                </a:solidFill>
-                <a:latin typeface="Arial" panose="02080604020202020204" pitchFamily="34" charset="0"/>
-                <a:ea typeface="宋体" pitchFamily="2" charset="-122"/>
-                <a:cs typeface="Arial" panose="02080604020202020204" pitchFamily="34" charset="0"/>
-              </a:rPr>
-              <a:t>326</a:t>
-            </a:r>
-            <a:r>
-              <a:rPr lang="de-DE" altLang="zh-CN" b="1" dirty="0">
-                <a:solidFill>
-                  <a:srgbClr val="000000"/>
-                </a:solidFill>
-                <a:latin typeface="Arial" panose="02080604020202020204" pitchFamily="34" charset="0"/>
-                <a:ea typeface="宋体" pitchFamily="2" charset="-122"/>
-                <a:cs typeface="Arial" panose="02080604020202020204" pitchFamily="34" charset="0"/>
-              </a:rPr>
-              <a:t>/1CS_KL  T</a:t>
-            </a:r>
-            <a:r>
-              <a:rPr lang="en-US" altLang="zh-CN" b="1" dirty="0" err="1">
-                <a:solidFill>
-                  <a:srgbClr val="000000"/>
-                </a:solidFill>
-                <a:latin typeface="Arial" panose="02080604020202020204" pitchFamily="34" charset="0"/>
-                <a:ea typeface="宋体" pitchFamily="2" charset="-122"/>
-                <a:cs typeface="Arial" panose="02080604020202020204" pitchFamily="34" charset="0"/>
-              </a:rPr>
-              <a:t>iguan</a:t>
-            </a:r>
-            <a:r>
-              <a:rPr lang="en-US" altLang="zh-CN" b="1" dirty="0">
-                <a:solidFill>
-                  <a:srgbClr val="000000"/>
-                </a:solidFill>
-                <a:latin typeface="Arial" panose="02080604020202020204" pitchFamily="34" charset="0"/>
-                <a:ea typeface="宋体" pitchFamily="2" charset="-122"/>
-                <a:cs typeface="Arial" panose="02080604020202020204" pitchFamily="34" charset="0"/>
-              </a:rPr>
-              <a:t> L Coupe</a:t>
-            </a:r>
-            <a:r>
-              <a:rPr lang="de-DE" altLang="zh-CN" b="1" dirty="0">
-                <a:solidFill>
-                  <a:srgbClr val="000000"/>
-                </a:solidFill>
-                <a:latin typeface="Arial" panose="02080604020202020204" pitchFamily="34" charset="0"/>
-                <a:ea typeface="宋体" pitchFamily="2" charset="-122"/>
-                <a:cs typeface="Arial" panose="02080604020202020204" pitchFamily="34" charset="0"/>
-              </a:rPr>
-              <a:t> 2.0T/162KW CVF08/20 Fahrzeug </a:t>
-            </a:r>
-            <a:endParaRPr lang="de-DE" altLang="zh-CN" b="1" dirty="0" smtClean="0">
+              <a:t>Innengeraeusch</a:t>
+            </a:r>
+            <a:endParaRPr lang="en-US" altLang="de-DE" sz="1200" b="1" dirty="0" smtClean="0">
               <a:solidFill>
-                <a:srgbClr val="000000"/>
+                <a:srgbClr val="505050">
+                  <a:lumMod val="50000"/>
+                </a:srgbClr>
               </a:solidFill>
               <a:latin typeface="Arial" panose="02080604020202020204" pitchFamily="34" charset="0"/>
               <a:ea typeface="宋体" pitchFamily="2" charset="-122"/>
               <a:cs typeface="Arial" panose="02080604020202020204" pitchFamily="34" charset="0"/>
             </a:endParaRPr>
           </a:p>
-          <a:p>
-            <a:pPr marL="238760" lvl="0" indent="-238760">
-              <a:spcAft>
-                <a:spcPct val="30000"/>
-              </a:spcAft>
-              <a:defRPr/>
-            </a:pPr>
-            <a:r>
-              <a:rPr lang="de-DE" altLang="zh-CN" b="1" dirty="0" smtClean="0">
-                <a:solidFill>
-                  <a:srgbClr val="000000"/>
-                </a:solidFill>
-                <a:latin typeface="Arial" panose="02080604020202020204" pitchFamily="34" charset="0"/>
-                <a:ea typeface="宋体" pitchFamily="2" charset="-122"/>
-                <a:cs typeface="Arial" panose="02080604020202020204" pitchFamily="34" charset="0"/>
-              </a:rPr>
-              <a:t>A9I-316 </a:t>
-            </a:r>
-            <a:r>
-              <a:rPr lang="de-DE" altLang="zh-CN" sz="1600" b="1" dirty="0" smtClean="0">
-                <a:solidFill>
-                  <a:schemeClr val="tx1">
-                    <a:lumMod val="95000"/>
-                    <a:lumOff val="5000"/>
-                  </a:schemeClr>
-                </a:solidFill>
-                <a:latin typeface="Arial" panose="02080604020202020204" pitchFamily="34" charset="0"/>
-                <a:ea typeface="宋体" pitchFamily="2" charset="-122"/>
-                <a:cs typeface="Arial" panose="02080604020202020204" pitchFamily="34" charset="0"/>
-              </a:rPr>
-              <a:t>Gesamtfahrzeug </a:t>
-            </a:r>
-            <a:r>
-              <a:rPr lang="de-DE" altLang="zh-CN" sz="1600" b="1" dirty="0">
-                <a:solidFill>
-                  <a:schemeClr val="tx1">
-                    <a:lumMod val="95000"/>
-                    <a:lumOff val="5000"/>
-                  </a:schemeClr>
-                </a:solidFill>
-                <a:latin typeface="Arial" panose="02080604020202020204" pitchFamily="34" charset="0"/>
-                <a:ea typeface="宋体" pitchFamily="2" charset="-122"/>
-                <a:cs typeface="Arial" panose="02080604020202020204" pitchFamily="34" charset="0"/>
-              </a:rPr>
-              <a:t>Akustik Status</a:t>
-            </a:r>
-            <a:endParaRPr lang="de-DE" altLang="zh-CN" sz="1600" b="1" dirty="0">
-              <a:solidFill>
-                <a:schemeClr val="tx1">
-                  <a:lumMod val="95000"/>
-                  <a:lumOff val="5000"/>
-                </a:schemeClr>
-              </a:solidFill>
-              <a:latin typeface="Arial" panose="02080604020202020204" pitchFamily="34" charset="0"/>
-              <a:ea typeface="宋体" pitchFamily="2" charset="-122"/>
-              <a:cs typeface="Arial" panose="02080604020202020204" pitchFamily="34" charset="0"/>
-            </a:endParaRPr>
-          </a:p>
         </p:txBody>
       </p:sp>
       <p:sp>
         <p:nvSpPr>
-          <p:cNvPr id="14" name="Rectangle 10"/>
-          <p:cNvSpPr>
-            <a:spLocks noChangeArrowheads="1"/>
-          </p:cNvSpPr>
+          <p:cNvPr id="2" name="文本框 1"/>
+          <p:cNvSpPr txBox="1"/>
           <p:nvPr/>
         </p:nvSpPr>
-        <p:spPr bwMode="auto">
+        <p:spPr>
           <a:xfrm>
-            <a:off x="249624" y="1043811"/>
-            <a:ext cx="8894376" cy="5025198"/>
+            <a:off x="6731000" y="2059940"/>
+            <a:ext cx="2401570" cy="922020"/>
           </a:xfrm>
           <a:prstGeom prst="rect">
             <a:avLst/>
           </a:prstGeom>
-          <a:solidFill>
-            <a:schemeClr val="bg1"/>
-          </a:solidFill>
-          <a:ln w="9525">
-            <a:noFill/>
-            <a:miter lim="800000"/>
-          </a:ln>
+          <a:noFill/>
         </p:spPr>
         <p:txBody>
-          <a:bodyPr lIns="91427" tIns="45714" rIns="91427" bIns="45714"/>
-          <a:lstStyle/>
-          <a:p>
-            <a:pPr marL="270510" indent="-270510">
-              <a:lnSpc>
-                <a:spcPct val="150000"/>
-              </a:lnSpc>
-            </a:pPr>
-            <a:r>
-              <a:rPr lang="de-DE" altLang="zh-CN" sz="1400" b="1" dirty="0" smtClean="0"/>
-              <a:t>Hintergrund:</a:t>
-            </a:r>
-            <a:endParaRPr lang="de-DE" altLang="zh-CN" sz="1400" b="1" dirty="0" smtClean="0"/>
-          </a:p>
-          <a:p>
-            <a:pPr marL="270510" indent="-270510">
-              <a:lnSpc>
-                <a:spcPct val="150000"/>
-              </a:lnSpc>
-            </a:pPr>
-            <a:r>
-              <a:rPr lang="de-DE" altLang="zh-CN" sz="1400" dirty="0" smtClean="0"/>
-              <a:t>.</a:t>
-            </a:r>
-            <a:r>
-              <a:rPr lang="zh-CN" altLang="en-US" sz="1400" dirty="0" smtClean="0"/>
-              <a:t>***内容****</a:t>
-            </a:r>
-            <a:endParaRPr lang="en-US" altLang="zh-CN" sz="1400" dirty="0" smtClean="0"/>
-          </a:p>
-          <a:p>
-            <a:pPr marL="270510" indent="-270510">
-              <a:lnSpc>
-                <a:spcPct val="150000"/>
-              </a:lnSpc>
-            </a:pPr>
-            <a:r>
-              <a:rPr lang="de-DE" altLang="zh-CN" sz="1400" b="1" dirty="0" err="1" smtClean="0">
-                <a:cs typeface="Arial" panose="02080604020202020204" pitchFamily="34" charset="0"/>
+          <a:bodyPr wrap="square" rtlCol="0" anchor="t">
+            <a:spAutoFit/>
+          </a:bodyPr>
+          <a:p>
+            <a:pPr algn="ctr"/>
+            <a:r>
+              <a:rPr lang="en-US" altLang="zh-CN" b="1" dirty="0" err="1">
+                <a:sym typeface="+mn-ea"/>
               </a:rPr>
-              <a:t>Fzg</a:t>
-            </a:r>
-            <a:r>
-              <a:rPr lang="de-DE" altLang="zh-CN" sz="1400" b="1" dirty="0" smtClean="0">
-                <a:cs typeface="Arial" panose="02080604020202020204" pitchFamily="34" charset="0"/>
+              <a:t>Neue</a:t>
+            </a:r>
+            <a:r>
+              <a:rPr lang="en-US" altLang="zh-CN" b="1" dirty="0">
+                <a:sym typeface="+mn-ea"/>
               </a:rPr>
-              <a:t>. Info.:</a:t>
-            </a:r>
-            <a:endParaRPr lang="de-DE" altLang="zh-CN" sz="1400" b="1" dirty="0">
-              <a:cs typeface="Arial" panose="02080604020202020204" pitchFamily="34" charset="0"/>
-            </a:endParaRPr>
-          </a:p>
-          <a:p>
-            <a:pPr marL="3810" indent="-295275">
-              <a:lnSpc>
-                <a:spcPct val="150000"/>
-              </a:lnSpc>
-              <a:spcAft>
-                <a:spcPct val="30000"/>
-              </a:spcAft>
-            </a:pPr>
-            <a:r>
-              <a:rPr lang="de-DE" altLang="zh-CN" sz="1400" dirty="0"/>
-              <a:t>.</a:t>
-            </a:r>
-            <a:r>
-              <a:rPr lang="zh-CN" altLang="en-US" sz="1400" dirty="0"/>
-              <a:t>***内容</a:t>
-            </a:r>
-            <a:r>
-              <a:rPr lang="zh-CN" altLang="en-US" sz="1400" dirty="0" smtClean="0"/>
-              <a:t>****</a:t>
-            </a:r>
-            <a:endParaRPr lang="en-US" altLang="zh-CN" sz="1400" b="1" dirty="0" smtClean="0">
-              <a:cs typeface="Arial" panose="02080604020202020204" pitchFamily="34" charset="0"/>
-            </a:endParaRPr>
-          </a:p>
-          <a:p>
-            <a:pPr marL="3810" indent="-295275">
-              <a:lnSpc>
-                <a:spcPct val="150000"/>
-              </a:lnSpc>
-              <a:spcAft>
-                <a:spcPct val="30000"/>
-              </a:spcAft>
-            </a:pPr>
-            <a:r>
-              <a:rPr lang="en-US" altLang="zh-CN" sz="1400" b="1" dirty="0" err="1" smtClean="0">
-                <a:cs typeface="Arial" panose="02080604020202020204" pitchFamily="34" charset="0"/>
+              <a:t> N </a:t>
+            </a:r>
+            <a:r>
+              <a:rPr lang="en-US" altLang="zh-CN" b="1" dirty="0" err="1">
+                <a:sym typeface="+mn-ea"/>
               </a:rPr>
-              <a:t>Messung</a:t>
-            </a:r>
-            <a:r>
-              <a:rPr lang="en-US" altLang="zh-CN" sz="1400" b="1" dirty="0" smtClean="0">
-                <a:cs typeface="Arial" panose="02080604020202020204" pitchFamily="34" charset="0"/>
+              <a:t>Strasse</a:t>
+            </a:r>
+            <a:r>
+              <a:rPr lang="en-US" altLang="zh-CN" b="1" dirty="0">
+                <a:sym typeface="+mn-ea"/>
               </a:rPr>
               <a:t> </a:t>
             </a:r>
             <a:r>
-              <a:rPr lang="en-US" altLang="zh-CN" sz="1400" b="1" dirty="0" err="1" smtClean="0">
-                <a:cs typeface="Arial" panose="02080604020202020204" pitchFamily="34" charset="0"/>
+              <a:rPr lang="en-US" altLang="zh-CN" b="1" dirty="0" err="1">
+                <a:sym typeface="+mn-ea"/>
               </a:rPr>
-              <a:t>Zustand</a:t>
-            </a:r>
-            <a:r>
-              <a:rPr lang="de-DE" altLang="zh-CN" sz="1400" b="1" dirty="0" smtClean="0">
-                <a:cs typeface="Arial" panose="02080604020202020204" pitchFamily="34" charset="0"/>
+              <a:t>Volllast</a:t>
+            </a:r>
+            <a:r>
+              <a:rPr lang="en-US" altLang="zh-CN" b="1" dirty="0">
+                <a:sym typeface="+mn-ea"/>
               </a:rPr>
-              <a:t>:</a:t>
-            </a:r>
-            <a:endParaRPr lang="en-US" altLang="zh-CN" sz="1400" dirty="0"/>
-          </a:p>
-          <a:p>
-            <a:pPr marL="3810" indent="-295275">
-              <a:lnSpc>
-                <a:spcPct val="150000"/>
-              </a:lnSpc>
-              <a:spcAft>
-                <a:spcPct val="30000"/>
-              </a:spcAft>
-            </a:pPr>
-            <a:r>
-              <a:rPr lang="de-DE" altLang="zh-CN" sz="1400" dirty="0"/>
-              <a:t>.</a:t>
-            </a:r>
-            <a:r>
-              <a:rPr lang="zh-CN" altLang="en-US" sz="1400" dirty="0"/>
-              <a:t>***内容</a:t>
-            </a:r>
-            <a:r>
-              <a:rPr lang="zh-CN" altLang="en-US" sz="1400" dirty="0" smtClean="0"/>
-              <a:t>****</a:t>
-            </a:r>
-            <a:endParaRPr lang="en-US" altLang="zh-CN" sz="1400" b="1" dirty="0" smtClean="0">
-              <a:cs typeface="Arial" panose="02080604020202020204" pitchFamily="34" charset="0"/>
-            </a:endParaRPr>
-          </a:p>
-          <a:p>
-            <a:pPr marL="3810" indent="-295275">
-              <a:lnSpc>
-                <a:spcPct val="150000"/>
-              </a:lnSpc>
-              <a:spcAft>
-                <a:spcPct val="30000"/>
-              </a:spcAft>
-            </a:pPr>
-            <a:r>
-              <a:rPr lang="en-US" altLang="zh-CN" sz="1400" b="1" dirty="0" err="1" smtClean="0">
-                <a:cs typeface="Arial" panose="02080604020202020204" pitchFamily="34" charset="0"/>
+              <a:t> Zug</a:t>
+            </a:r>
+            <a:endParaRPr lang="en-US" altLang="zh-CN" b="1" dirty="0"/>
+          </a:p>
+          <a:p>
+            <a:pPr algn="ctr"/>
+            <a:r>
+              <a:rPr lang="en-US" altLang="zh-CN" b="1" dirty="0">
+                <a:sym typeface="+mn-ea"/>
               </a:rPr>
-              <a:t>Faizt</a:t>
-            </a:r>
-            <a:r>
-              <a:rPr lang="en-US" altLang="zh-CN" sz="1400" b="1" dirty="0" smtClean="0">
-                <a:cs typeface="Arial" panose="02080604020202020204" pitchFamily="34" charset="0"/>
-              </a:rPr>
-              <a:t>:</a:t>
-            </a:r>
-            <a:endParaRPr lang="en-US" altLang="zh-CN" sz="1400" b="1" dirty="0">
-              <a:cs typeface="Arial" panose="02080604020202020204" pitchFamily="34" charset="0"/>
-            </a:endParaRPr>
-          </a:p>
-          <a:p>
-            <a:pPr>
-              <a:lnSpc>
-                <a:spcPct val="150000"/>
-              </a:lnSpc>
-              <a:spcAft>
-                <a:spcPct val="30000"/>
-              </a:spcAft>
-            </a:pPr>
-            <a:r>
-              <a:rPr lang="de-DE" altLang="zh-CN" sz="1400" dirty="0"/>
-              <a:t>.</a:t>
-            </a:r>
-            <a:r>
-              <a:rPr lang="zh-CN" altLang="en-US" sz="1400" dirty="0"/>
-              <a:t>***内容</a:t>
-            </a:r>
-            <a:r>
-              <a:rPr lang="zh-CN" altLang="en-US" sz="1400" dirty="0" smtClean="0"/>
-              <a:t>****</a:t>
-            </a:r>
-            <a:endParaRPr lang="en-US" altLang="zh-CN" sz="1400" dirty="0" smtClean="0"/>
-          </a:p>
-          <a:p>
-            <a:pPr marL="3810" indent="-295275">
-              <a:lnSpc>
-                <a:spcPct val="150000"/>
-              </a:lnSpc>
-              <a:spcAft>
-                <a:spcPct val="30000"/>
-              </a:spcAft>
-            </a:pPr>
-            <a:r>
-              <a:rPr lang="en-US" altLang="zh-CN" sz="1400" b="1" dirty="0" err="1" smtClean="0">
-                <a:cs typeface="Arial" panose="02080604020202020204" pitchFamily="34" charset="0"/>
-              </a:rPr>
-              <a:t>Weit</a:t>
-            </a:r>
-            <a:r>
-              <a:rPr lang="en-US" altLang="zh-CN" sz="1400" b="1" dirty="0">
-                <a:cs typeface="Arial" panose="02080604020202020204" pitchFamily="34" charset="0"/>
-              </a:rPr>
-              <a:t>:</a:t>
-            </a:r>
-            <a:endParaRPr lang="en-US" altLang="zh-CN" sz="1400" b="1" dirty="0">
-              <a:cs typeface="Arial" panose="02080604020202020204" pitchFamily="34" charset="0"/>
-            </a:endParaRPr>
-          </a:p>
-          <a:p>
-            <a:pPr>
-              <a:lnSpc>
-                <a:spcPct val="150000"/>
-              </a:lnSpc>
-              <a:spcAft>
-                <a:spcPct val="30000"/>
-              </a:spcAft>
-            </a:pPr>
-            <a:r>
-              <a:rPr lang="de-DE" altLang="zh-CN" sz="1400" dirty="0"/>
-              <a:t>.</a:t>
-            </a:r>
-            <a:r>
-              <a:rPr lang="zh-CN" altLang="en-US" sz="1400" dirty="0"/>
-              <a:t>***内容</a:t>
-            </a:r>
-            <a:r>
-              <a:rPr lang="zh-CN" altLang="en-US" sz="1400" dirty="0" smtClean="0"/>
-              <a:t>****</a:t>
-            </a:r>
-            <a:endParaRPr lang="de-DE" altLang="zh-CN" sz="1400" b="1" dirty="0" smtClean="0"/>
-          </a:p>
-          <a:p>
-            <a:pPr marL="270510" indent="-270510">
-              <a:lnSpc>
-                <a:spcPct val="150000"/>
-              </a:lnSpc>
-            </a:pPr>
-            <a:endParaRPr lang="de-DE" altLang="zh-CN" sz="1400" b="1" dirty="0"/>
-          </a:p>
-          <a:p>
-            <a:pPr marL="270510" indent="-270510">
-              <a:lnSpc>
-                <a:spcPct val="150000"/>
-              </a:lnSpc>
-            </a:pPr>
-            <a:endParaRPr lang="de-DE" altLang="zh-CN" sz="1400" b="1" dirty="0" smtClean="0"/>
-          </a:p>
-          <a:p>
-            <a:pPr marL="270510" indent="-270510">
-              <a:lnSpc>
-                <a:spcPct val="150000"/>
-              </a:lnSpc>
-            </a:pPr>
-            <a:endParaRPr lang="de-DE" altLang="zh-CN" sz="1400" b="1" dirty="0"/>
-          </a:p>
-          <a:p>
-            <a:pPr marL="270510" indent="-270510">
-              <a:lnSpc>
-                <a:spcPct val="150000"/>
-              </a:lnSpc>
-            </a:pPr>
-            <a:endParaRPr lang="de-DE" altLang="zh-CN" sz="1400" b="1" dirty="0" smtClean="0"/>
-          </a:p>
-          <a:p>
-            <a:pPr marL="270510" indent="-270510">
-              <a:lnSpc>
-                <a:spcPct val="150000"/>
-              </a:lnSpc>
-            </a:pPr>
-            <a:endParaRPr lang="de-DE" altLang="zh-CN" sz="1400" b="1" dirty="0"/>
-          </a:p>
-          <a:p>
-            <a:pPr marL="270510" indent="-270510">
-              <a:lnSpc>
-                <a:spcPct val="150000"/>
-              </a:lnSpc>
-            </a:pPr>
-            <a:endParaRPr lang="de-DE" altLang="zh-CN" sz="1400" b="1" dirty="0"/>
-          </a:p>
-          <a:p>
-            <a:pPr marL="270510" indent="-270510">
-              <a:lnSpc>
-                <a:spcPct val="150000"/>
-              </a:lnSpc>
-            </a:pPr>
-            <a:endParaRPr lang="en-US" altLang="zh-CN" sz="1400" b="1" dirty="0" smtClean="0"/>
-          </a:p>
-        </p:txBody>
-      </p:sp>
-      <p:sp>
-        <p:nvSpPr>
-          <p:cNvPr id="8" name="矩形标注 7"/>
-          <p:cNvSpPr/>
-          <p:nvPr/>
-        </p:nvSpPr>
-        <p:spPr>
-          <a:xfrm>
-            <a:off x="5012805" y="560333"/>
-            <a:ext cx="1231240" cy="655693"/>
-          </a:xfrm>
-          <a:prstGeom prst="wedgeRectCallout">
-            <a:avLst/>
-          </a:prstGeom>
-          <a:noFill/>
-          <a:ln w="19050">
-            <a:solidFill>
-              <a:srgbClr val="007377"/>
-            </a:solidFill>
-          </a:ln>
-        </p:spPr>
-        <p:style>
-          <a:lnRef idx="1">
-            <a:schemeClr val="accent1"/>
-          </a:lnRef>
-          <a:fillRef idx="3">
-            <a:schemeClr val="accent1"/>
-          </a:fillRef>
-          <a:effectRef idx="2">
-            <a:schemeClr val="accent1"/>
-          </a:effectRef>
-          <a:fontRef idx="minor">
-            <a:schemeClr val="lt1"/>
-          </a:fontRef>
-        </p:style>
-        <p:txBody>
-          <a:bodyPr rtlCol="0" anchor="ctr"/>
-          <a:lstStyle/>
-          <a:p>
-            <a:pPr algn="ctr"/>
-            <a:r>
-              <a:rPr lang="zh-CN" altLang="en-US" dirty="0" smtClean="0">
-                <a:ln w="0"/>
-                <a:solidFill>
-                  <a:schemeClr val="tx1"/>
-                </a:solidFill>
-                <a:effectLst>
-                  <a:outerShdw blurRad="38100" dist="19050" dir="2700000" algn="tl" rotWithShape="0">
-                    <a:schemeClr val="dk1">
-                      <a:alpha val="40000"/>
-                    </a:schemeClr>
-                  </a:outerShdw>
-                </a:effectLst>
-              </a:rPr>
-              <a:t>标题</a:t>
-            </a:r>
-            <a:endParaRPr lang="zh-CN" altLang="en-US" dirty="0">
-              <a:ln w="0"/>
-              <a:solidFill>
-                <a:schemeClr val="tx1"/>
-              </a:solidFill>
-              <a:effectLst>
-                <a:outerShdw blurRad="38100" dist="19050" dir="2700000" algn="tl" rotWithShape="0">
-                  <a:schemeClr val="dk1">
-                    <a:alpha val="40000"/>
-                  </a:schemeClr>
-                </a:outerShdw>
-              </a:effectLst>
-            </a:endParaRPr>
-          </a:p>
-        </p:txBody>
-      </p:sp>
-      <p:sp>
-        <p:nvSpPr>
-          <p:cNvPr id="9" name="矩形标注 8"/>
-          <p:cNvSpPr/>
-          <p:nvPr/>
-        </p:nvSpPr>
-        <p:spPr>
-          <a:xfrm>
-            <a:off x="445566" y="4740352"/>
-            <a:ext cx="3551667" cy="655693"/>
-          </a:xfrm>
-          <a:prstGeom prst="wedgeRectCallout">
-            <a:avLst/>
-          </a:prstGeom>
-          <a:noFill/>
-          <a:ln w="19050">
-            <a:solidFill>
-              <a:srgbClr val="007377"/>
-            </a:solidFill>
-          </a:ln>
-        </p:spPr>
-        <p:style>
-          <a:lnRef idx="1">
-            <a:schemeClr val="accent1"/>
-          </a:lnRef>
-          <a:fillRef idx="3">
-            <a:schemeClr val="accent1"/>
-          </a:fillRef>
-          <a:effectRef idx="2">
-            <a:schemeClr val="accent1"/>
-          </a:effectRef>
-          <a:fontRef idx="minor">
-            <a:schemeClr val="lt1"/>
-          </a:fontRef>
-        </p:style>
-        <p:txBody>
-          <a:bodyPr rtlCol="0" anchor="ctr"/>
-          <a:lstStyle/>
-          <a:p>
-            <a:pPr algn="ctr"/>
-            <a:r>
-              <a:rPr lang="zh-CN" altLang="en-US" dirty="0" smtClean="0">
-                <a:ln w="0"/>
-                <a:solidFill>
-                  <a:schemeClr val="tx1"/>
-                </a:solidFill>
-                <a:effectLst>
-                  <a:outerShdw blurRad="38100" dist="19050" dir="2700000" algn="tl" rotWithShape="0">
-                    <a:schemeClr val="dk1">
-                      <a:alpha val="40000"/>
-                    </a:schemeClr>
-                  </a:outerShdw>
-                </a:effectLst>
-              </a:rPr>
-              <a:t>测试介绍及结论</a:t>
-            </a:r>
-            <a:endParaRPr lang="zh-CN" altLang="en-US" dirty="0">
-              <a:ln w="0"/>
-              <a:solidFill>
-                <a:schemeClr val="tx1"/>
-              </a:solidFill>
-              <a:effectLst>
-                <a:outerShdw blurRad="38100" dist="19050" dir="2700000" algn="tl" rotWithShape="0">
-                  <a:schemeClr val="dk1">
-                    <a:alpha val="40000"/>
-                  </a:schemeClr>
-                </a:outerShdw>
-              </a:effectLst>
-            </a:endParaRPr>
+              <a:t>3. Gang</a:t>
+            </a:r>
+            <a:endParaRPr lang="zh-CN" altLang="en-US"/>
           </a:p>
         </p:txBody>
       </p:sp>
@@ -20664,6 +19610,84 @@
           </a:p>
         </p:txBody>
       </p:sp>
+      <p:sp>
+        <p:nvSpPr>
+          <p:cNvPr id="2" name="文本框 1"/>
+          <p:cNvSpPr txBox="1"/>
+          <p:nvPr/>
+        </p:nvSpPr>
+        <p:spPr>
+          <a:xfrm>
+            <a:off x="6820535" y="2157730"/>
+            <a:ext cx="2310765" cy="922020"/>
+          </a:xfrm>
+          <a:prstGeom prst="rect">
+            <a:avLst/>
+          </a:prstGeom>
+          <a:noFill/>
+        </p:spPr>
+        <p:txBody>
+          <a:bodyPr wrap="square" rtlCol="0" anchor="t">
+            <a:spAutoFit/>
+          </a:bodyPr>
+          <a:p>
+            <a:pPr algn="ctr"/>
+            <a:r>
+              <a:rPr lang="en-US" altLang="zh-CN" b="1" dirty="0" err="1">
+                <a:sym typeface="+mn-ea"/>
+              </a:rPr>
+              <a:t>Neue</a:t>
+            </a:r>
+            <a:r>
+              <a:rPr lang="en-US" altLang="zh-CN" b="1" dirty="0">
+                <a:sym typeface="+mn-ea"/>
+              </a:rPr>
+              <a:t> N </a:t>
+            </a:r>
+            <a:r>
+              <a:rPr lang="en-US" altLang="zh-CN" b="1" dirty="0" err="1">
+                <a:sym typeface="+mn-ea"/>
+              </a:rPr>
+              <a:t>Strasse</a:t>
+            </a:r>
+            <a:r>
+              <a:rPr lang="en-US" altLang="zh-CN" b="1" dirty="0">
+                <a:sym typeface="+mn-ea"/>
+              </a:rPr>
+              <a:t> </a:t>
+            </a:r>
+            <a:r>
+              <a:rPr lang="en-US" altLang="zh-CN" b="1" dirty="0" err="1">
+                <a:sym typeface="+mn-ea"/>
+              </a:rPr>
+              <a:t>Volllast</a:t>
+            </a:r>
+            <a:r>
+              <a:rPr lang="en-US" altLang="zh-CN" b="1" dirty="0">
+                <a:sym typeface="+mn-ea"/>
+              </a:rPr>
+              <a:t> </a:t>
+            </a:r>
+            <a:r>
+              <a:rPr lang="en-US" altLang="zh-CN" b="1" dirty="0" err="1" smtClean="0">
+                <a:sym typeface="+mn-ea"/>
+              </a:rPr>
+              <a:t>Schub</a:t>
+            </a:r>
+            <a:endParaRPr lang="en-US" altLang="zh-CN" b="1" dirty="0"/>
+          </a:p>
+          <a:p>
+            <a:pPr algn="ctr"/>
+            <a:r>
+              <a:rPr lang="en-US" altLang="zh-CN" b="1" dirty="0">
+                <a:sym typeface="+mn-ea"/>
+              </a:rPr>
+              <a:t>3. Gang</a:t>
+            </a:r>
+            <a:endParaRPr lang="zh-CN" altLang="en-US"/>
+          </a:p>
+        </p:txBody>
+      </p:sp>
     </p:spTree>
   </p:cSld>
   <p:clrMapOvr>
@@ -20891,6 +19915,72 @@
               <a:ea typeface="宋体" pitchFamily="2" charset="-122"/>
               <a:cs typeface="Arial" panose="02080604020202020204" pitchFamily="34" charset="0"/>
             </a:endParaRPr>
+          </a:p>
+        </p:txBody>
+      </p:sp>
+      <p:sp>
+        <p:nvSpPr>
+          <p:cNvPr id="3" name="文本框 2"/>
+          <p:cNvSpPr txBox="1"/>
+          <p:nvPr/>
+        </p:nvSpPr>
+        <p:spPr>
+          <a:xfrm>
+            <a:off x="6850742" y="1599362"/>
+            <a:ext cx="2293258" cy="923330"/>
+          </a:xfrm>
+          <a:prstGeom prst="rect">
+            <a:avLst/>
+          </a:prstGeom>
+          <a:noFill/>
+        </p:spPr>
+        <p:txBody>
+          <a:bodyPr wrap="square" rtlCol="0">
+            <a:spAutoFit/>
+          </a:bodyPr>
+          <a:p>
+            <a:pPr algn="ctr"/>
+            <a:r>
+              <a:rPr lang="en-US" altLang="zh-CN" b="1" dirty="0" err="1"/>
+              <a:t>Neue</a:t>
+            </a:r>
+            <a:r>
+              <a:rPr lang="en-US" altLang="zh-CN" b="1" dirty="0"/>
+              <a:t> N </a:t>
+            </a:r>
+            <a:r>
+              <a:rPr lang="en-US" altLang="zh-CN" b="1" dirty="0" err="1"/>
+              <a:t>Strasse</a:t>
+            </a:r>
+            <a:r>
+              <a:rPr lang="en-US" altLang="zh-CN" b="1" dirty="0"/>
+              <a:t> </a:t>
+            </a:r>
+            <a:r>
+              <a:rPr lang="en-US" altLang="zh-CN" b="1" dirty="0" err="1"/>
+              <a:t>Volllast</a:t>
+            </a:r>
+            <a:r>
+              <a:rPr lang="en-US" altLang="zh-CN" b="1" dirty="0"/>
+              <a:t> </a:t>
+            </a:r>
+            <a:r>
+              <a:rPr lang="en-US" altLang="zh-CN" b="1" dirty="0" smtClean="0"/>
+              <a:t>Zug</a:t>
+            </a:r>
+            <a:endParaRPr lang="en-US" altLang="zh-CN" b="1" dirty="0"/>
+          </a:p>
+          <a:p>
+            <a:pPr algn="ctr"/>
+            <a:r>
+              <a:rPr lang="en-US" altLang="zh-CN" b="1" dirty="0" smtClean="0"/>
+              <a:t>5. </a:t>
+            </a:r>
+            <a:r>
+              <a:rPr lang="en-US" altLang="zh-CN" b="1" dirty="0"/>
+              <a:t>Gang</a:t>
+            </a:r>
+            <a:endParaRPr lang="zh-CN" altLang="en-US" b="1" dirty="0"/>
           </a:p>
         </p:txBody>
       </p:sp>
@@ -21101,15 +20191,32 @@
               <a:defRPr/>
             </a:pPr>
             <a:r>
-              <a:rPr lang="en-US" altLang="de-DE" sz="1400" b="1" dirty="0" smtClean="0">
-                <a:solidFill>
-                  <a:srgbClr val="000000"/>
+              <a:rPr lang="de-DE" altLang="zh-CN" sz="1400" b="1" dirty="0" smtClean="0">
+                <a:solidFill>
+                  <a:srgbClr val="505050">
+                    <a:lumMod val="50000"/>
+                  </a:srgbClr>
                 </a:solidFill>
                 <a:latin typeface="Arial" panose="02080604020202020204" pitchFamily="34" charset="0"/>
                 <a:ea typeface="宋体" pitchFamily="2" charset="-122"/>
                 <a:cs typeface="Arial" panose="02080604020202020204" pitchFamily="34" charset="0"/>
+                <a:sym typeface="+mn-ea"/>
               </a:rPr>
-              <a:t>Innengeraeusch</a:t>
+              <a:t>R</a:t>
+            </a:r>
+            <a:r>
+              <a:rPr lang="en-US" altLang="zh-CN" sz="1400" b="1" dirty="0" err="1" smtClean="0">
+                <a:solidFill>
+                  <a:srgbClr val="505050">
+                    <a:lumMod val="50000"/>
+                  </a:srgbClr>
+                </a:solidFill>
+                <a:latin typeface="Arial" panose="02080604020202020204" pitchFamily="34" charset="0"/>
+                <a:ea typeface="宋体" pitchFamily="2" charset="-122"/>
+                <a:cs typeface="Arial" panose="02080604020202020204" pitchFamily="34" charset="0"/>
+                <a:sym typeface="+mn-ea"/>
+              </a:rPr>
+              <a:t>ollgeraeusch</a:t>
             </a:r>
             <a:endParaRPr lang="en-US" altLang="de-DE" sz="1200" b="1" dirty="0" smtClean="0">
               <a:solidFill>
@@ -21121,6 +20228,58 @@
               <a:ea typeface="宋体" pitchFamily="2" charset="-122"/>
               <a:cs typeface="Arial" panose="02080604020202020204" pitchFamily="34" charset="0"/>
             </a:endParaRPr>
+          </a:p>
+        </p:txBody>
+      </p:sp>
+      <p:sp>
+        <p:nvSpPr>
+          <p:cNvPr id="2" name="文本框 1"/>
+          <p:cNvSpPr txBox="1"/>
+          <p:nvPr/>
+        </p:nvSpPr>
+        <p:spPr>
+          <a:xfrm>
+            <a:off x="6952615" y="1911985"/>
+            <a:ext cx="2091055" cy="645160"/>
+          </a:xfrm>
+          <a:prstGeom prst="rect">
+            <a:avLst/>
+          </a:prstGeom>
+          <a:noFill/>
+        </p:spPr>
+        <p:txBody>
+          <a:bodyPr wrap="square" rtlCol="0" anchor="t">
+            <a:spAutoFit/>
+          </a:bodyPr>
+          <a:p>
+            <a:pPr lvl="0" algn="ctr"/>
+            <a:r>
+              <a:rPr lang="de-DE" altLang="zh-CN" b="1" dirty="0" smtClean="0">
+                <a:solidFill>
+                  <a:srgbClr val="505050"/>
+                </a:solidFill>
+                <a:sym typeface="+mn-ea"/>
+              </a:rPr>
+              <a:t>Kleinpflaster  </a:t>
+            </a:r>
+            <a:endParaRPr lang="de-DE" altLang="zh-CN" b="1" dirty="0">
+              <a:solidFill>
+                <a:srgbClr val="505050"/>
+              </a:solidFill>
+            </a:endParaRPr>
+          </a:p>
+          <a:p>
+            <a:pPr lvl="0" algn="ctr"/>
+            <a:r>
+              <a:rPr lang="de-DE" altLang="zh-CN" b="1" dirty="0">
+                <a:solidFill>
+                  <a:srgbClr val="505050"/>
+                </a:solidFill>
+                <a:sym typeface="+mn-ea"/>
+              </a:rPr>
+              <a:t>80-20km/h</a:t>
+            </a:r>
+            <a:endParaRPr lang="zh-CN" altLang="en-US"/>
           </a:p>
         </p:txBody>
       </p:sp>
@@ -21331,32 +20490,15 @@
               <a:defRPr/>
             </a:pPr>
             <a:r>
-              <a:rPr lang="de-DE" altLang="zh-CN" sz="1400" b="1" dirty="0" smtClean="0">
-                <a:solidFill>
-                  <a:srgbClr val="505050">
-                    <a:lumMod val="50000"/>
-                  </a:srgbClr>
+              <a:rPr lang="en-US" altLang="de-DE" sz="1400" b="1" dirty="0" smtClean="0">
+                <a:solidFill>
+                  <a:srgbClr val="000000"/>
                 </a:solidFill>
                 <a:latin typeface="Arial" panose="02080604020202020204" pitchFamily="34" charset="0"/>
                 <a:ea typeface="宋体" pitchFamily="2" charset="-122"/>
                 <a:cs typeface="Arial" panose="02080604020202020204" pitchFamily="34" charset="0"/>
-                <a:sym typeface="+mn-ea"/>
               </a:rPr>
-              <a:t>R</a:t>
-            </a:r>
-            <a:r>
-              <a:rPr lang="en-US" altLang="zh-CN" sz="1400" b="1" dirty="0" err="1" smtClean="0">
-                <a:solidFill>
-                  <a:srgbClr val="505050">
-                    <a:lumMod val="50000"/>
-                  </a:srgbClr>
-                </a:solidFill>
-                <a:latin typeface="Arial" panose="02080604020202020204" pitchFamily="34" charset="0"/>
-                <a:ea typeface="宋体" pitchFamily="2" charset="-122"/>
-                <a:cs typeface="Arial" panose="02080604020202020204" pitchFamily="34" charset="0"/>
-                <a:sym typeface="+mn-ea"/>
-              </a:rPr>
-              <a:t>ollgeraeusch</a:t>
+              <a:t>Leerlauf-Komfort</a:t>
             </a:r>
             <a:endParaRPr lang="en-US" altLang="de-DE" sz="1200" b="1" dirty="0" smtClean="0">
               <a:solidFill>
@@ -21601,152 +20743,6 @@
           </a:p>
         </p:txBody>
       </p:sp>
-      <p:sp>
-        <p:nvSpPr>
-          <p:cNvPr id="8" name="文本框 7"/>
-          <p:cNvSpPr txBox="1"/>
-          <p:nvPr/>
-        </p:nvSpPr>
-        <p:spPr>
-          <a:xfrm>
-            <a:off x="7731760" y="2593975"/>
-            <a:ext cx="1380490" cy="1198880"/>
-          </a:xfrm>
-          <a:prstGeom prst="rect">
-            <a:avLst/>
-          </a:prstGeom>
-          <a:noFill/>
-        </p:spPr>
-        <p:txBody>
-          <a:bodyPr wrap="square" rtlCol="0">
-            <a:spAutoFit/>
-          </a:bodyPr>
-          <a:p>
-            <a:r>
-              <a:rPr lang="en-US" altLang="zh-CN" dirty="0" smtClean="0">
-                <a:solidFill>
-                  <a:srgbClr val="FF0000"/>
-                </a:solidFill>
-              </a:rPr>
-              <a:t>D </a:t>
-            </a:r>
-            <a:r>
-              <a:rPr lang="en-US" altLang="zh-CN" dirty="0" err="1" smtClean="0">
-                <a:solidFill>
-                  <a:srgbClr val="FF0000"/>
-                </a:solidFill>
-              </a:rPr>
-              <a:t>mit</a:t>
-            </a:r>
-            <a:r>
-              <a:rPr lang="en-US" altLang="zh-CN" dirty="0" smtClean="0">
-                <a:solidFill>
-                  <a:srgbClr val="FF0000"/>
-                </a:solidFill>
-              </a:rPr>
-              <a:t> AC</a:t>
-            </a:r>
-            <a:endParaRPr lang="en-US" altLang="zh-CN" dirty="0" smtClean="0">
-              <a:solidFill>
-                <a:srgbClr val="FF0000"/>
-              </a:solidFill>
-            </a:endParaRPr>
-          </a:p>
-          <a:p>
-            <a:r>
-              <a:rPr lang="en-US" altLang="zh-CN" dirty="0" smtClean="0">
-                <a:solidFill>
-                  <a:srgbClr val="00FF00"/>
-                </a:solidFill>
-              </a:rPr>
-              <a:t>N </a:t>
-            </a:r>
-            <a:r>
-              <a:rPr lang="en-US" altLang="zh-CN" dirty="0" err="1" smtClean="0">
-                <a:solidFill>
-                  <a:srgbClr val="00FF00"/>
-                </a:solidFill>
-              </a:rPr>
-              <a:t>mit</a:t>
-            </a:r>
-            <a:r>
-              <a:rPr lang="en-US" altLang="zh-CN" dirty="0" smtClean="0">
-                <a:solidFill>
-                  <a:srgbClr val="00FF00"/>
-                </a:solidFill>
-              </a:rPr>
-              <a:t> AC</a:t>
-            </a:r>
-            <a:endParaRPr lang="en-US" altLang="zh-CN" dirty="0" smtClean="0">
-              <a:solidFill>
-                <a:srgbClr val="00FF00"/>
-              </a:solidFill>
-            </a:endParaRPr>
-          </a:p>
-          <a:p>
-            <a:r>
-              <a:rPr lang="en-US" altLang="zh-CN" dirty="0" smtClean="0">
-                <a:solidFill>
-                  <a:srgbClr val="0000FF"/>
-                </a:solidFill>
-              </a:rPr>
-              <a:t>P </a:t>
-            </a:r>
-            <a:r>
-              <a:rPr lang="en-US" altLang="zh-CN" dirty="0" err="1" smtClean="0">
-                <a:solidFill>
-                  <a:srgbClr val="0000FF"/>
-                </a:solidFill>
-              </a:rPr>
-              <a:t>mit</a:t>
-            </a:r>
-            <a:r>
-              <a:rPr lang="en-US" altLang="zh-CN" dirty="0" smtClean="0">
-                <a:solidFill>
-                  <a:srgbClr val="0000FF"/>
-                </a:solidFill>
-              </a:rPr>
-              <a:t> AC</a:t>
-            </a:r>
-            <a:endParaRPr lang="en-US" altLang="zh-CN" dirty="0" smtClean="0">
-              <a:solidFill>
-                <a:srgbClr val="0000FF"/>
-              </a:solidFill>
-            </a:endParaRPr>
-          </a:p>
-          <a:p>
-            <a:r>
-              <a:rPr lang="en-US" altLang="zh-CN" dirty="0" smtClean="0">
-                <a:solidFill>
-                  <a:srgbClr val="FFFF00"/>
-                </a:solidFill>
-              </a:rPr>
-              <a:t>R </a:t>
-            </a:r>
-            <a:r>
-              <a:rPr lang="en-US" altLang="zh-CN" dirty="0" err="1" smtClean="0">
-                <a:solidFill>
-                  <a:srgbClr val="FFFF00"/>
-                </a:solidFill>
-              </a:rPr>
-              <a:t>mit</a:t>
-            </a:r>
-            <a:r>
-              <a:rPr lang="en-US" altLang="zh-CN" dirty="0" smtClean="0">
-                <a:solidFill>
-                  <a:srgbClr val="FFFF00"/>
-                </a:solidFill>
-              </a:rPr>
-              <a:t> AC</a:t>
-            </a:r>
-            <a:endParaRPr lang="zh-CN" altLang="en-US" dirty="0">
-              <a:solidFill>
-                <a:srgbClr val="FFFF00"/>
-              </a:solidFill>
-            </a:endParaRPr>
-          </a:p>
-        </p:txBody>
-      </p:sp>
     </p:spTree>
   </p:cSld>
   <p:clrMapOvr>
@@ -21973,152 +20969,6 @@
               <a:latin typeface="Arial" panose="02080604020202020204" pitchFamily="34" charset="0"/>
               <a:ea typeface="宋体" pitchFamily="2" charset="-122"/>
               <a:cs typeface="Arial" panose="02080604020202020204" pitchFamily="34" charset="0"/>
-            </a:endParaRPr>
-          </a:p>
-        </p:txBody>
-      </p:sp>
-      <p:sp>
-        <p:nvSpPr>
-          <p:cNvPr id="8" name="文本框 7"/>
-          <p:cNvSpPr txBox="1"/>
-          <p:nvPr/>
-        </p:nvSpPr>
-        <p:spPr>
-          <a:xfrm>
-            <a:off x="7731760" y="2593975"/>
-            <a:ext cx="1364615" cy="1198880"/>
-          </a:xfrm>
-          <a:prstGeom prst="rect">
-            <a:avLst/>
-          </a:prstGeom>
-          <a:noFill/>
-        </p:spPr>
-        <p:txBody>
-          <a:bodyPr wrap="square" rtlCol="0">
-            <a:spAutoFit/>
-          </a:bodyPr>
-          <a:p>
-            <a:r>
-              <a:rPr lang="en-US" altLang="zh-CN" dirty="0" smtClean="0">
-                <a:solidFill>
-                  <a:srgbClr val="FF0000"/>
-                </a:solidFill>
-              </a:rPr>
-              <a:t>D </a:t>
-            </a:r>
-            <a:r>
-              <a:rPr lang="en-US" altLang="zh-CN" dirty="0" err="1" smtClean="0">
-                <a:solidFill>
-                  <a:srgbClr val="FF0000"/>
-                </a:solidFill>
-              </a:rPr>
-              <a:t>mit</a:t>
-            </a:r>
-            <a:r>
-              <a:rPr lang="en-US" altLang="zh-CN" dirty="0" smtClean="0">
-                <a:solidFill>
-                  <a:srgbClr val="FF0000"/>
-                </a:solidFill>
-              </a:rPr>
-              <a:t> AC</a:t>
-            </a:r>
-            <a:endParaRPr lang="en-US" altLang="zh-CN" dirty="0" smtClean="0">
-              <a:solidFill>
-                <a:srgbClr val="FF0000"/>
-              </a:solidFill>
-            </a:endParaRPr>
-          </a:p>
-          <a:p>
-            <a:r>
-              <a:rPr lang="en-US" altLang="zh-CN" dirty="0" smtClean="0">
-                <a:solidFill>
-                  <a:srgbClr val="00FF00"/>
-                </a:solidFill>
-              </a:rPr>
-              <a:t>N </a:t>
-            </a:r>
-            <a:r>
-              <a:rPr lang="en-US" altLang="zh-CN" dirty="0" err="1" smtClean="0">
-                <a:solidFill>
-                  <a:srgbClr val="00FF00"/>
-                </a:solidFill>
-              </a:rPr>
-              <a:t>mit</a:t>
-            </a:r>
-            <a:r>
-              <a:rPr lang="en-US" altLang="zh-CN" dirty="0" smtClean="0">
-                <a:solidFill>
-                  <a:srgbClr val="00FF00"/>
-                </a:solidFill>
-              </a:rPr>
-              <a:t> AC</a:t>
-            </a:r>
-            <a:endParaRPr lang="en-US" altLang="zh-CN" dirty="0" smtClean="0">
-              <a:solidFill>
-                <a:srgbClr val="00FF00"/>
-              </a:solidFill>
-            </a:endParaRPr>
-          </a:p>
-          <a:p>
-            <a:r>
-              <a:rPr lang="en-US" altLang="zh-CN" dirty="0" smtClean="0">
-                <a:solidFill>
-                  <a:srgbClr val="0000FF"/>
-                </a:solidFill>
-              </a:rPr>
-              <a:t>P </a:t>
-            </a:r>
-            <a:r>
-              <a:rPr lang="en-US" altLang="zh-CN" dirty="0" err="1" smtClean="0">
-                <a:solidFill>
-                  <a:srgbClr val="0000FF"/>
-                </a:solidFill>
-              </a:rPr>
-              <a:t>mit</a:t>
-            </a:r>
-            <a:r>
-              <a:rPr lang="en-US" altLang="zh-CN" dirty="0" smtClean="0">
-                <a:solidFill>
-                  <a:srgbClr val="0000FF"/>
-                </a:solidFill>
-              </a:rPr>
-              <a:t> AC</a:t>
-            </a:r>
-            <a:endParaRPr lang="en-US" altLang="zh-CN" dirty="0" smtClean="0">
-              <a:solidFill>
-                <a:srgbClr val="0000FF"/>
-              </a:solidFill>
-            </a:endParaRPr>
-          </a:p>
-          <a:p>
-            <a:r>
-              <a:rPr lang="en-US" altLang="zh-CN" dirty="0" smtClean="0">
-                <a:solidFill>
-                  <a:srgbClr val="FFFF00"/>
-                </a:solidFill>
-              </a:rPr>
-              <a:t>R </a:t>
-            </a:r>
-            <a:r>
-              <a:rPr lang="en-US" altLang="zh-CN" dirty="0" err="1" smtClean="0">
-                <a:solidFill>
-                  <a:srgbClr val="FFFF00"/>
-                </a:solidFill>
-              </a:rPr>
-              <a:t>mit</a:t>
-            </a:r>
-            <a:r>
-              <a:rPr lang="en-US" altLang="zh-CN" dirty="0" smtClean="0">
-                <a:solidFill>
-                  <a:srgbClr val="FFFF00"/>
-                </a:solidFill>
-              </a:rPr>
-              <a:t> AC</a:t>
-            </a:r>
-            <a:endParaRPr lang="zh-CN" altLang="en-US" dirty="0">
-              <a:solidFill>
-                <a:srgbClr val="FFFF00"/>
-              </a:solidFill>
             </a:endParaRPr>
           </a:p>
         </p:txBody>
@@ -22353,88 +21203,6 @@
           </a:p>
         </p:txBody>
       </p:sp>
-      <p:sp>
-        <p:nvSpPr>
-          <p:cNvPr id="8" name="文本框 7"/>
-          <p:cNvSpPr txBox="1"/>
-          <p:nvPr/>
-        </p:nvSpPr>
-        <p:spPr>
-          <a:xfrm>
-            <a:off x="7626350" y="2593975"/>
-            <a:ext cx="1453515" cy="1198880"/>
-          </a:xfrm>
-          <a:prstGeom prst="rect">
-            <a:avLst/>
-          </a:prstGeom>
-          <a:noFill/>
-        </p:spPr>
-        <p:txBody>
-          <a:bodyPr wrap="square" rtlCol="0">
-            <a:spAutoFit/>
-          </a:bodyPr>
-          <a:p>
-            <a:r>
-              <a:rPr lang="en-US" altLang="zh-CN" dirty="0" smtClean="0">
-                <a:solidFill>
-                  <a:srgbClr val="FF0000"/>
-                </a:solidFill>
-              </a:rPr>
-              <a:t>D hone AC</a:t>
-            </a:r>
-            <a:endParaRPr lang="en-US" altLang="zh-CN" dirty="0" smtClean="0">
-              <a:solidFill>
-                <a:srgbClr val="FF0000"/>
-              </a:solidFill>
-            </a:endParaRPr>
-          </a:p>
-          <a:p>
-            <a:r>
-              <a:rPr lang="en-US" altLang="zh-CN" dirty="0" smtClean="0">
-                <a:solidFill>
-                  <a:srgbClr val="00FF00"/>
-                </a:solidFill>
-              </a:rPr>
-              <a:t>N hone AC</a:t>
-            </a:r>
-            <a:endParaRPr lang="en-US" altLang="zh-CN" dirty="0" smtClean="0">
-              <a:solidFill>
-                <a:srgbClr val="00FF00"/>
-              </a:solidFill>
-            </a:endParaRPr>
-          </a:p>
-          <a:p>
-            <a:r>
-              <a:rPr lang="en-US" altLang="zh-CN" dirty="0" smtClean="0">
-                <a:solidFill>
-                  <a:srgbClr val="0000FF"/>
-                </a:solidFill>
-              </a:rPr>
-              <a:t>P hone AC</a:t>
-            </a:r>
-            <a:endParaRPr lang="en-US" altLang="zh-CN" dirty="0" smtClean="0">
-              <a:solidFill>
-                <a:srgbClr val="0000FF"/>
-              </a:solidFill>
-            </a:endParaRPr>
-          </a:p>
-          <a:p>
-            <a:r>
-              <a:rPr lang="en-US" altLang="zh-CN" dirty="0" smtClean="0">
-                <a:solidFill>
-                  <a:srgbClr val="FFFF00"/>
-                </a:solidFill>
-              </a:rPr>
-              <a:t>R hone AC</a:t>
-            </a:r>
-            <a:endParaRPr lang="zh-CN" altLang="en-US" dirty="0">
-              <a:solidFill>
-                <a:srgbClr val="FFFF00"/>
-              </a:solidFill>
-            </a:endParaRPr>
-          </a:p>
-        </p:txBody>
-      </p:sp>
     </p:spTree>
   </p:cSld>
   <p:clrMapOvr>
@@ -22458,161 +21226,149 @@
 
 <file path=ppt/tags/tag10.xml><?xml version="1.0" encoding="utf-8"?>
 <p:tagLst xmlns:p="http://schemas.openxmlformats.org/presentationml/2006/main">
-  <p:tag name="THINKCELLSHAPEDONOTDELETE" val="tfwyyb.Er3kuJvP2edmR95w"/>
+  <p:tag name="THINKCELLSHAPEDONOTDELETE" val="thinkcellActiveDocDoNotDelete"/>
 </p:tagLst>
 </file>
 
 <file path=ppt/tags/tag11.xml><?xml version="1.0" encoding="utf-8"?>
 <p:tagLst xmlns:p="http://schemas.openxmlformats.org/presentationml/2006/main">
-  <p:tag name="THINKCELLSHAPEDONOTDELETE" val="phTkitw7pbkCh.in62wSPCQ"/>
+  <p:tag name="THINKCELLSHAPEDONOTDELETE" val="tfwyyb.Er3kuJvP2edmR95w"/>
 </p:tagLst>
 </file>
 
 <file path=ppt/tags/tag12.xml><?xml version="1.0" encoding="utf-8"?>
 <p:tagLst xmlns:p="http://schemas.openxmlformats.org/presentationml/2006/main">
-  <p:tag name="THINKCELLSHAPEDONOTDELETE" val="thinkcellActiveDocDoNotDelete"/>
+  <p:tag name="THINKCELLSHAPEDONOTDELETE" val="phTkitw7pbkCh.in62wSPCQ"/>
 </p:tagLst>
 </file>
 
 <file path=ppt/tags/tag13.xml><?xml version="1.0" encoding="utf-8"?>
 <p:tagLst xmlns:p="http://schemas.openxmlformats.org/presentationml/2006/main">
-  <p:tag name="THINKCELLSHAPEDONOTDELETE" val="tfwyyb.Er3kuJvP2edmR95w"/>
+  <p:tag name="THINKCELLSHAPEDONOTDELETE" val="thinkcellActiveDocDoNotDelete"/>
 </p:tagLst>
 </file>
 
 <file path=ppt/tags/tag14.xml><?xml version="1.0" encoding="utf-8"?>
 <p:tagLst xmlns:p="http://schemas.openxmlformats.org/presentationml/2006/main">
-  <p:tag name="THINKCELLSHAPEDONOTDELETE" val="phTkitw7pbkCh.in62wSPCQ"/>
+  <p:tag name="THINKCELLSHAPEDONOTDELETE" val="tfwyyb.Er3kuJvP2edmR95w"/>
 </p:tagLst>
 </file>
 
 <file path=ppt/tags/tag15.xml><?xml version="1.0" encoding="utf-8"?>
 <p:tagLst xmlns:p="http://schemas.openxmlformats.org/presentationml/2006/main">
-  <p:tag name="THINKCELLSHAPEDONOTDELETE" val="thinkcellActiveDocDoNotDelete"/>
+  <p:tag name="THINKCELLSHAPEDONOTDELETE" val="phTkitw7pbkCh.in62wSPCQ"/>
 </p:tagLst>
 </file>
 
 <file path=ppt/tags/tag16.xml><?xml version="1.0" encoding="utf-8"?>
 <p:tagLst xmlns:p="http://schemas.openxmlformats.org/presentationml/2006/main">
-  <p:tag name="THINKCELLSHAPEDONOTDELETE" val="tfwyyb.Er3kuJvP2edmR95w"/>
+  <p:tag name="THINKCELLSHAPEDONOTDELETE" val="thinkcellActiveDocDoNotDelete"/>
 </p:tagLst>
 </file>
 
 <file path=ppt/tags/tag17.xml><?xml version="1.0" encoding="utf-8"?>
 <p:tagLst xmlns:p="http://schemas.openxmlformats.org/presentationml/2006/main">
-  <p:tag name="THINKCELLSHAPEDONOTDELETE" val="phTkitw7pbkCh.in62wSPCQ"/>
+  <p:tag name="THINKCELLSHAPEDONOTDELETE" val="tfwyyb.Er3kuJvP2edmR95w"/>
 </p:tagLst>
 </file>
 
 <file path=ppt/tags/tag18.xml><?xml version="1.0" encoding="utf-8"?>
 <p:tagLst xmlns:p="http://schemas.openxmlformats.org/presentationml/2006/main">
-  <p:tag name="THINKCELLSHAPEDONOTDELETE" val="thinkcellActiveDocDoNotDelete"/>
+  <p:tag name="THINKCELLSHAPEDONOTDELETE" val="phTkitw7pbkCh.in62wSPCQ"/>
 </p:tagLst>
 </file>
 
 <file path=ppt/tags/tag19.xml><?xml version="1.0" encoding="utf-8"?>
 <p:tagLst xmlns:p="http://schemas.openxmlformats.org/presentationml/2006/main">
-  <p:tag name="THINKCELLSHAPEDONOTDELETE" val="tfwyyb.Er3kuJvP2edmR95w"/>
+  <p:tag name="THINKCELLSHAPEDONOTDELETE" val="thinkcellActiveDocDoNotDelete"/>
 </p:tagLst>
 </file>
 
 <file path=ppt/tags/tag2.xml><?xml version="1.0" encoding="utf-8"?>
 <p:tagLst xmlns:p="http://schemas.openxmlformats.org/presentationml/2006/main">
-  <p:tag name="THINKCELLSHAPEDONOTDELETE" val="puGZOkSGOUU6F7cg7KH.MKw"/>
+  <p:tag name="THINKCELLSHAPEDONOTDELETE" val="tfwyyb.Er3kuJvP2edmR95w"/>
 </p:tagLst>
 </file>
 
 <file path=ppt/tags/tag20.xml><?xml version="1.0" encoding="utf-8"?>
 <p:tagLst xmlns:p="http://schemas.openxmlformats.org/presentationml/2006/main">
-  <p:tag name="THINKCELLSHAPEDONOTDELETE" val="phTkitw7pbkCh.in62wSPCQ"/>
+  <p:tag name="THINKCELLSHAPEDONOTDELETE" val="tfwyyb.Er3kuJvP2edmR95w"/>
 </p:tagLst>
 </file>
 
 <file path=ppt/tags/tag21.xml><?xml version="1.0" encoding="utf-8"?>
 <p:tagLst xmlns:p="http://schemas.openxmlformats.org/presentationml/2006/main">
-  <p:tag name="THINKCELLSHAPEDONOTDELETE" val="thinkcellActiveDocDoNotDelete"/>
+  <p:tag name="THINKCELLSHAPEDONOTDELETE" val="phTkitw7pbkCh.in62wSPCQ"/>
 </p:tagLst>
 </file>
 
 <file path=ppt/tags/tag22.xml><?xml version="1.0" encoding="utf-8"?>
 <p:tagLst xmlns:p="http://schemas.openxmlformats.org/presentationml/2006/main">
-  <p:tag name="THINKCELLSHAPEDONOTDELETE" val="tfwyyb.Er3kuJvP2edmR95w"/>
+  <p:tag name="THINKCELLSHAPEDONOTDELETE" val="thinkcellActiveDocDoNotDelete"/>
 </p:tagLst>
 </file>
 
 <file path=ppt/tags/tag23.xml><?xml version="1.0" encoding="utf-8"?>
 <p:tagLst xmlns:p="http://schemas.openxmlformats.org/presentationml/2006/main">
-  <p:tag name="THINKCELLSHAPEDONOTDELETE" val="phTkitw7pbkCh.in62wSPCQ"/>
+  <p:tag name="THINKCELLSHAPEDONOTDELETE" val="tfwyyb.Er3kuJvP2edmR95w"/>
 </p:tagLst>
 </file>
 
 <file path=ppt/tags/tag24.xml><?xml version="1.0" encoding="utf-8"?>
 <p:tagLst xmlns:p="http://schemas.openxmlformats.org/presentationml/2006/main">
-  <p:tag name="THINKCELLSHAPEDONOTDELETE" val="thinkcellActiveDocDoNotDelete"/>
+  <p:tag name="THINKCELLSHAPEDONOTDELETE" val="phTkitw7pbkCh.in62wSPCQ"/>
 </p:tagLst>
 </file>
 
 <file path=ppt/tags/tag25.xml><?xml version="1.0" encoding="utf-8"?>
 <p:tagLst xmlns:p="http://schemas.openxmlformats.org/presentationml/2006/main">
-  <p:tag name="THINKCELLSHAPEDONOTDELETE" val="tfwyyb.Er3kuJvP2edmR95w"/>
+  <p:tag name="THINKCELLSHAPEDONOTDELETE" val="thinkcellActiveDocDoNotDelete"/>
 </p:tagLst>
 </file>
 
 <file path=ppt/tags/tag26.xml><?xml version="1.0" encoding="utf-8"?>
 <p:tagLst xmlns:p="http://schemas.openxmlformats.org/presentationml/2006/main">
-  <p:tag name="THINKCELLSHAPEDONOTDELETE" val="phTkitw7pbkCh.in62wSPCQ"/>
+  <p:tag name="THINKCELLSHAPEDONOTDELETE" val="tfwyyb.Er3kuJvP2edmR95w"/>
 </p:tagLst>
 </file>
 
 <file path=ppt/tags/tag27.xml><?xml version="1.0" encoding="utf-8"?>
 <p:tagLst xmlns:p="http://schemas.openxmlformats.org/presentationml/2006/main">
-  <p:tag name="THINKCELLSHAPEDONOTDELETE" val="thinkcellActiveDocDoNotDelete"/>
+  <p:tag name="THINKCELLSHAPEDONOTDELETE" val="phTkitw7pbkCh.in62wSPCQ"/>
 </p:tagLst>
 </file>
 
 <file path=ppt/tags/tag28.xml><?xml version="1.0" encoding="utf-8"?>
 <p:tagLst xmlns:p="http://schemas.openxmlformats.org/presentationml/2006/main">
-  <p:tag name="THINKCELLSHAPEDONOTDELETE" val="tfwyyb.Er3kuJvP2edmR95w"/>
+  <p:tag name="THINKCELLSHAPEDONOTDELETE" val="thinkcellActiveDocDoNotDelete"/>
 </p:tagLst>
 </file>
 
 <file path=ppt/tags/tag29.xml><?xml version="1.0" encoding="utf-8"?>
 <p:tagLst xmlns:p="http://schemas.openxmlformats.org/presentationml/2006/main">
-  <p:tag name="THINKCELLSHAPEDONOTDELETE" val="phTkitw7pbkCh.in62wSPCQ"/>
+  <p:tag name="THINKCELLSHAPEDONOTDELETE" val="tfwyyb.Er3kuJvP2edmR95w"/>
 </p:tagLst>
 </file>
 
 <file path=ppt/tags/tag3.xml><?xml version="1.0" encoding="utf-8"?>
 <p:tagLst xmlns:p="http://schemas.openxmlformats.org/presentationml/2006/main">
-  <p:tag name="THINKCELLSHAPEDONOTDELETE" val="thinkcellActiveDocDoNotDelete"/>
+  <p:tag name="THINKCELLSHAPEDONOTDELETE" val="phTkitw7pbkCh.in62wSPCQ"/>
 </p:tagLst>
 </file>
 
 <file path=ppt/tags/tag30.xml><?xml version="1.0" encoding="utf-8"?>
 <p:tagLst xmlns:p="http://schemas.openxmlformats.org/presentationml/2006/main">
-  <p:tag name="THINKCELLSHAPEDONOTDELETE" val="thinkcellActiveDocDoNotDelete"/>
+  <p:tag name="THINKCELLSHAPEDONOTDELETE" val="phTkitw7pbkCh.in62wSPCQ"/>
 </p:tagLst>
 </file>
 
 <file path=ppt/tags/tag31.xml><?xml version="1.0" encoding="utf-8"?>
 <p:tagLst xmlns:p="http://schemas.openxmlformats.org/presentationml/2006/main">
-  <p:tag name="THINKCELLSHAPEDONOTDELETE" val="tfwyyb.Er3kuJvP2edmR95w"/>
+  <p:tag name="THINKCELLSHAPEDONOTDELETE" val="thinkcellActiveDocDoNotDelete"/>
 </p:tagLst>
 </file>
 
 <file path=ppt/tags/tag32.xml><?xml version="1.0" encoding="utf-8"?>
-<p:tagLst xmlns:p="http://schemas.openxmlformats.org/presentationml/2006/main">
-  <p:tag name="THINKCELLSHAPEDONOTDELETE" val="phTkitw7pbkCh.in62wSPCQ"/>
-</p:tagLst>
-</file>
-
-<file path=ppt/tags/tag33.xml><?xml version="1.0" encoding="utf-8"?>
-<p:tagLst xmlns:p="http://schemas.openxmlformats.org/presentationml/2006/main">
-  <p:tag name="THINKCELLSHAPEDONOTDELETE" val="thinkcellActiveDocDoNotDelete"/>
-</p:tagLst>
-</file>
-
-<file path=ppt/tags/tag34.xml><?xml version="1.0" encoding="utf-8"?>
 <p:tagLst xmlns:p="http://schemas.openxmlformats.org/presentationml/2006/main">
   <p:tag name="THINKCELLSHAPEDONOTDELETE" val="tfwyyb.Er3kuJvP2edmR95w"/>
 </p:tagLst>
@@ -22620,37 +21376,37 @@
 
 <file path=ppt/tags/tag4.xml><?xml version="1.0" encoding="utf-8"?>
 <p:tagLst xmlns:p="http://schemas.openxmlformats.org/presentationml/2006/main">
-  <p:tag name="THINKCELLSHAPEDONOTDELETE" val="tfwyyb.Er3kuJvP2edmR95w"/>
+  <p:tag name="THINKCELLSHAPEDONOTDELETE" val="thinkcellActiveDocDoNotDelete"/>
 </p:tagLst>
 </file>
 
 <file path=ppt/tags/tag5.xml><?xml version="1.0" encoding="utf-8"?>
 <p:tagLst xmlns:p="http://schemas.openxmlformats.org/presentationml/2006/main">
-  <p:tag name="THINKCELLSHAPEDONOTDELETE" val="phTkitw7pbkCh.in62wSPCQ"/>
+  <p:tag name="THINKCELLSHAPEDONOTDELETE" val="tfwyyb.Er3kuJvP2edmR95w"/>
 </p:tagLst>
 </file>
 
 <file path=ppt/tags/tag6.xml><?xml version="1.0" encoding="utf-8"?>
 <p:tagLst xmlns:p="http://schemas.openxmlformats.org/presentationml/2006/main">
-  <p:tag name="THINKCELLSHAPEDONOTDELETE" val="thinkcellActiveDocDoNotDelete"/>
+  <p:tag name="THINKCELLSHAPEDONOTDELETE" val="phTkitw7pbkCh.in62wSPCQ"/>
 </p:tagLst>
 </file>
 
 <file path=ppt/tags/tag7.xml><?xml version="1.0" encoding="utf-8"?>
 <p:tagLst xmlns:p="http://schemas.openxmlformats.org/presentationml/2006/main">
-  <p:tag name="THINKCELLSHAPEDONOTDELETE" val="tfwyyb.Er3kuJvP2edmR95w"/>
+  <p:tag name="THINKCELLSHAPEDONOTDELETE" val="thinkcellActiveDocDoNotDelete"/>
 </p:tagLst>
 </file>
 
 <file path=ppt/tags/tag8.xml><?xml version="1.0" encoding="utf-8"?>
 <p:tagLst xmlns:p="http://schemas.openxmlformats.org/presentationml/2006/main">
-  <p:tag name="THINKCELLSHAPEDONOTDELETE" val="phTkitw7pbkCh.in62wSPCQ"/>
+  <p:tag name="THINKCELLSHAPEDONOTDELETE" val="tfwyyb.Er3kuJvP2edmR95w"/>
 </p:tagLst>
 </file>
 
 <file path=ppt/tags/tag9.xml><?xml version="1.0" encoding="utf-8"?>
 <p:tagLst xmlns:p="http://schemas.openxmlformats.org/presentationml/2006/main">
-  <p:tag name="THINKCELLSHAPEDONOTDELETE" val="thinkcellActiveDocDoNotDelete"/>
+  <p:tag name="THINKCELLSHAPEDONOTDELETE" val="phTkitw7pbkCh.in62wSPCQ"/>
 </p:tagLst>
 </file>
 
